--- a/Milestones and Domain Track/Cyber Security.pptx
+++ b/Milestones and Domain Track/Cyber Security.pptx
@@ -2,19 +2,32 @@
 <file path=ppt/presentation.xml><?xml version="1.0" encoding="utf-8"?>
 <p:presentation xmlns:a="http://schemas.openxmlformats.org/drawingml/2006/main" xmlns:r="http://schemas.openxmlformats.org/officeDocument/2006/relationships" xmlns:p="http://schemas.openxmlformats.org/presentationml/2006/main" saveSubsetFonts="1">
   <p:sldMasterIdLst>
-    <p:sldMasterId id="2147483648" r:id="rId1"/>
+    <p:sldMasterId id="2147483672" r:id="rId1"/>
   </p:sldMasterIdLst>
+  <p:notesMasterIdLst>
+    <p:notesMasterId r:id="rId22"/>
+  </p:notesMasterIdLst>
   <p:sldIdLst>
     <p:sldId id="256" r:id="rId2"/>
-    <p:sldId id="257" r:id="rId3"/>
+    <p:sldId id="266" r:id="rId3"/>
     <p:sldId id="258" r:id="rId4"/>
-    <p:sldId id="259" r:id="rId5"/>
-    <p:sldId id="260" r:id="rId6"/>
-    <p:sldId id="261" r:id="rId7"/>
-    <p:sldId id="262" r:id="rId8"/>
-    <p:sldId id="263" r:id="rId9"/>
-    <p:sldId id="264" r:id="rId10"/>
-    <p:sldId id="265" r:id="rId11"/>
+    <p:sldId id="267" r:id="rId5"/>
+    <p:sldId id="268" r:id="rId6"/>
+    <p:sldId id="269" r:id="rId7"/>
+    <p:sldId id="259" r:id="rId8"/>
+    <p:sldId id="270" r:id="rId9"/>
+    <p:sldId id="271" r:id="rId10"/>
+    <p:sldId id="272" r:id="rId11"/>
+    <p:sldId id="273" r:id="rId12"/>
+    <p:sldId id="260" r:id="rId13"/>
+    <p:sldId id="261" r:id="rId14"/>
+    <p:sldId id="275" r:id="rId15"/>
+    <p:sldId id="262" r:id="rId16"/>
+    <p:sldId id="276" r:id="rId17"/>
+    <p:sldId id="263" r:id="rId18"/>
+    <p:sldId id="277" r:id="rId19"/>
+    <p:sldId id="264" r:id="rId20"/>
+    <p:sldId id="265" r:id="rId21"/>
   </p:sldIdLst>
   <p:sldSz cx="9144000" cy="6858000" type="screen4x3"/>
   <p:notesSz cx="6858000" cy="9144000"/>
@@ -116,8 +129,2157 @@
 </p:presentation>
 </file>
 
+<file path=ppt/notesMasters/notesMaster1.xml><?xml version="1.0" encoding="utf-8"?>
+<p:notesMaster xmlns:a="http://schemas.openxmlformats.org/drawingml/2006/main" xmlns:r="http://schemas.openxmlformats.org/officeDocument/2006/relationships" xmlns:p="http://schemas.openxmlformats.org/presentationml/2006/main">
+  <p:cSld>
+    <p:bg>
+      <p:bgRef idx="1001">
+        <a:schemeClr val="bg1"/>
+      </p:bgRef>
+    </p:bg>
+    <p:spTree>
+      <p:nvGrpSpPr>
+        <p:cNvPr id="1" name=""/>
+        <p:cNvGrpSpPr/>
+        <p:nvPr/>
+      </p:nvGrpSpPr>
+      <p:grpSpPr>
+        <a:xfrm>
+          <a:off x="0" y="0"/>
+          <a:ext cx="0" cy="0"/>
+          <a:chOff x="0" y="0"/>
+          <a:chExt cx="0" cy="0"/>
+        </a:xfrm>
+      </p:grpSpPr>
+      <p:sp>
+        <p:nvSpPr>
+          <p:cNvPr id="2" name="Header Placeholder 1"/>
+          <p:cNvSpPr>
+            <a:spLocks noGrp="1"/>
+          </p:cNvSpPr>
+          <p:nvPr>
+            <p:ph type="hdr" sz="quarter"/>
+          </p:nvPr>
+        </p:nvSpPr>
+        <p:spPr>
+          <a:xfrm>
+            <a:off x="0" y="0"/>
+            <a:ext cx="2971800" cy="457200"/>
+          </a:xfrm>
+          <a:prstGeom prst="rect">
+            <a:avLst/>
+          </a:prstGeom>
+        </p:spPr>
+        <p:txBody>
+          <a:bodyPr vert="horz" lIns="91440" tIns="45720" rIns="91440" bIns="45720" rtlCol="0"/>
+          <a:lstStyle>
+            <a:lvl1pPr algn="l">
+              <a:defRPr sz="1200"/>
+            </a:lvl1pPr>
+          </a:lstStyle>
+          <a:p>
+            <a:endParaRPr lang="en-US"/>
+          </a:p>
+        </p:txBody>
+      </p:sp>
+      <p:sp>
+        <p:nvSpPr>
+          <p:cNvPr id="3" name="Date Placeholder 2"/>
+          <p:cNvSpPr>
+            <a:spLocks noGrp="1"/>
+          </p:cNvSpPr>
+          <p:nvPr>
+            <p:ph type="dt" idx="1"/>
+          </p:nvPr>
+        </p:nvSpPr>
+        <p:spPr>
+          <a:xfrm>
+            <a:off x="3884613" y="0"/>
+            <a:ext cx="2971800" cy="457200"/>
+          </a:xfrm>
+          <a:prstGeom prst="rect">
+            <a:avLst/>
+          </a:prstGeom>
+        </p:spPr>
+        <p:txBody>
+          <a:bodyPr vert="horz" lIns="91440" tIns="45720" rIns="91440" bIns="45720" rtlCol="0"/>
+          <a:lstStyle>
+            <a:lvl1pPr algn="r">
+              <a:defRPr sz="1200"/>
+            </a:lvl1pPr>
+          </a:lstStyle>
+          <a:p>
+            <a:fld id="{D2A24A14-670F-46CA-94DC-8DFC5CC3F319}" type="datetimeFigureOut">
+              <a:rPr lang="en-US" smtClean="0"/>
+              <a:t>5/7/2012</a:t>
+            </a:fld>
+            <a:endParaRPr lang="en-US"/>
+          </a:p>
+        </p:txBody>
+      </p:sp>
+      <p:sp>
+        <p:nvSpPr>
+          <p:cNvPr id="4" name="Slide Image Placeholder 3"/>
+          <p:cNvSpPr>
+            <a:spLocks noGrp="1" noRot="1" noChangeAspect="1"/>
+          </p:cNvSpPr>
+          <p:nvPr>
+            <p:ph type="sldImg" idx="2"/>
+          </p:nvPr>
+        </p:nvSpPr>
+        <p:spPr>
+          <a:xfrm>
+            <a:off x="1143000" y="685800"/>
+            <a:ext cx="4572000" cy="3429000"/>
+          </a:xfrm>
+          <a:prstGeom prst="rect">
+            <a:avLst/>
+          </a:prstGeom>
+          <a:noFill/>
+          <a:ln w="12700">
+            <a:solidFill>
+              <a:prstClr val="black"/>
+            </a:solidFill>
+          </a:ln>
+        </p:spPr>
+        <p:txBody>
+          <a:bodyPr vert="horz" lIns="91440" tIns="45720" rIns="91440" bIns="45720" rtlCol="0" anchor="ctr"/>
+          <a:lstStyle/>
+          <a:p>
+            <a:endParaRPr lang="en-US"/>
+          </a:p>
+        </p:txBody>
+      </p:sp>
+      <p:sp>
+        <p:nvSpPr>
+          <p:cNvPr id="5" name="Notes Placeholder 4"/>
+          <p:cNvSpPr>
+            <a:spLocks noGrp="1"/>
+          </p:cNvSpPr>
+          <p:nvPr>
+            <p:ph type="body" sz="quarter" idx="3"/>
+          </p:nvPr>
+        </p:nvSpPr>
+        <p:spPr>
+          <a:xfrm>
+            <a:off x="685800" y="4343400"/>
+            <a:ext cx="5486400" cy="4114800"/>
+          </a:xfrm>
+          <a:prstGeom prst="rect">
+            <a:avLst/>
+          </a:prstGeom>
+        </p:spPr>
+        <p:txBody>
+          <a:bodyPr vert="horz" lIns="91440" tIns="45720" rIns="91440" bIns="45720" rtlCol="0"/>
+          <a:lstStyle/>
+          <a:p>
+            <a:pPr lvl="0"/>
+            <a:r>
+              <a:rPr lang="en-US" smtClean="0"/>
+              <a:t>Click to edit Master text styles</a:t>
+            </a:r>
+          </a:p>
+          <a:p>
+            <a:pPr lvl="1"/>
+            <a:r>
+              <a:rPr lang="en-US" smtClean="0"/>
+              <a:t>Second level</a:t>
+            </a:r>
+          </a:p>
+          <a:p>
+            <a:pPr lvl="2"/>
+            <a:r>
+              <a:rPr lang="en-US" smtClean="0"/>
+              <a:t>Third level</a:t>
+            </a:r>
+          </a:p>
+          <a:p>
+            <a:pPr lvl="3"/>
+            <a:r>
+              <a:rPr lang="en-US" smtClean="0"/>
+              <a:t>Fourth level</a:t>
+            </a:r>
+          </a:p>
+          <a:p>
+            <a:pPr lvl="4"/>
+            <a:r>
+              <a:rPr lang="en-US" smtClean="0"/>
+              <a:t>Fifth level</a:t>
+            </a:r>
+            <a:endParaRPr lang="en-US"/>
+          </a:p>
+        </p:txBody>
+      </p:sp>
+      <p:sp>
+        <p:nvSpPr>
+          <p:cNvPr id="6" name="Footer Placeholder 5"/>
+          <p:cNvSpPr>
+            <a:spLocks noGrp="1"/>
+          </p:cNvSpPr>
+          <p:nvPr>
+            <p:ph type="ftr" sz="quarter" idx="4"/>
+          </p:nvPr>
+        </p:nvSpPr>
+        <p:spPr>
+          <a:xfrm>
+            <a:off x="0" y="8685213"/>
+            <a:ext cx="2971800" cy="457200"/>
+          </a:xfrm>
+          <a:prstGeom prst="rect">
+            <a:avLst/>
+          </a:prstGeom>
+        </p:spPr>
+        <p:txBody>
+          <a:bodyPr vert="horz" lIns="91440" tIns="45720" rIns="91440" bIns="45720" rtlCol="0" anchor="b"/>
+          <a:lstStyle>
+            <a:lvl1pPr algn="l">
+              <a:defRPr sz="1200"/>
+            </a:lvl1pPr>
+          </a:lstStyle>
+          <a:p>
+            <a:endParaRPr lang="en-US"/>
+          </a:p>
+        </p:txBody>
+      </p:sp>
+      <p:sp>
+        <p:nvSpPr>
+          <p:cNvPr id="7" name="Slide Number Placeholder 6"/>
+          <p:cNvSpPr>
+            <a:spLocks noGrp="1"/>
+          </p:cNvSpPr>
+          <p:nvPr>
+            <p:ph type="sldNum" sz="quarter" idx="5"/>
+          </p:nvPr>
+        </p:nvSpPr>
+        <p:spPr>
+          <a:xfrm>
+            <a:off x="3884613" y="8685213"/>
+            <a:ext cx="2971800" cy="457200"/>
+          </a:xfrm>
+          <a:prstGeom prst="rect">
+            <a:avLst/>
+          </a:prstGeom>
+        </p:spPr>
+        <p:txBody>
+          <a:bodyPr vert="horz" lIns="91440" tIns="45720" rIns="91440" bIns="45720" rtlCol="0" anchor="b"/>
+          <a:lstStyle>
+            <a:lvl1pPr algn="r">
+              <a:defRPr sz="1200"/>
+            </a:lvl1pPr>
+          </a:lstStyle>
+          <a:p>
+            <a:fld id="{E595339F-42C5-4ABA-A714-109434CDF7B4}" type="slidenum">
+              <a:rPr lang="en-US" smtClean="0"/>
+              <a:t>‹#›</a:t>
+            </a:fld>
+            <a:endParaRPr lang="en-US"/>
+          </a:p>
+        </p:txBody>
+      </p:sp>
+    </p:spTree>
+    <p:extLst>
+      <p:ext uri="{BB962C8B-B14F-4D97-AF65-F5344CB8AC3E}">
+        <p14:creationId xmlns:p14="http://schemas.microsoft.com/office/powerpoint/2010/main" val="1626777633"/>
+      </p:ext>
+    </p:extLst>
+  </p:cSld>
+  <p:clrMap bg1="lt1" tx1="dk1" bg2="lt2" tx2="dk2" accent1="accent1" accent2="accent2" accent3="accent3" accent4="accent4" accent5="accent5" accent6="accent6" hlink="hlink" folHlink="folHlink"/>
+  <p:notesStyle>
+    <a:lvl1pPr marL="0" algn="l" defTabSz="914400" rtl="0" eaLnBrk="1" latinLnBrk="0" hangingPunct="1">
+      <a:defRPr sz="1200" kern="1200">
+        <a:solidFill>
+          <a:schemeClr val="tx1"/>
+        </a:solidFill>
+        <a:latin typeface="+mn-lt"/>
+        <a:ea typeface="+mn-ea"/>
+        <a:cs typeface="+mn-cs"/>
+      </a:defRPr>
+    </a:lvl1pPr>
+    <a:lvl2pPr marL="457200" algn="l" defTabSz="914400" rtl="0" eaLnBrk="1" latinLnBrk="0" hangingPunct="1">
+      <a:defRPr sz="1200" kern="1200">
+        <a:solidFill>
+          <a:schemeClr val="tx1"/>
+        </a:solidFill>
+        <a:latin typeface="+mn-lt"/>
+        <a:ea typeface="+mn-ea"/>
+        <a:cs typeface="+mn-cs"/>
+      </a:defRPr>
+    </a:lvl2pPr>
+    <a:lvl3pPr marL="914400" algn="l" defTabSz="914400" rtl="0" eaLnBrk="1" latinLnBrk="0" hangingPunct="1">
+      <a:defRPr sz="1200" kern="1200">
+        <a:solidFill>
+          <a:schemeClr val="tx1"/>
+        </a:solidFill>
+        <a:latin typeface="+mn-lt"/>
+        <a:ea typeface="+mn-ea"/>
+        <a:cs typeface="+mn-cs"/>
+      </a:defRPr>
+    </a:lvl3pPr>
+    <a:lvl4pPr marL="1371600" algn="l" defTabSz="914400" rtl="0" eaLnBrk="1" latinLnBrk="0" hangingPunct="1">
+      <a:defRPr sz="1200" kern="1200">
+        <a:solidFill>
+          <a:schemeClr val="tx1"/>
+        </a:solidFill>
+        <a:latin typeface="+mn-lt"/>
+        <a:ea typeface="+mn-ea"/>
+        <a:cs typeface="+mn-cs"/>
+      </a:defRPr>
+    </a:lvl4pPr>
+    <a:lvl5pPr marL="1828800" algn="l" defTabSz="914400" rtl="0" eaLnBrk="1" latinLnBrk="0" hangingPunct="1">
+      <a:defRPr sz="1200" kern="1200">
+        <a:solidFill>
+          <a:schemeClr val="tx1"/>
+        </a:solidFill>
+        <a:latin typeface="+mn-lt"/>
+        <a:ea typeface="+mn-ea"/>
+        <a:cs typeface="+mn-cs"/>
+      </a:defRPr>
+    </a:lvl5pPr>
+    <a:lvl6pPr marL="2286000" algn="l" defTabSz="914400" rtl="0" eaLnBrk="1" latinLnBrk="0" hangingPunct="1">
+      <a:defRPr sz="1200" kern="1200">
+        <a:solidFill>
+          <a:schemeClr val="tx1"/>
+        </a:solidFill>
+        <a:latin typeface="+mn-lt"/>
+        <a:ea typeface="+mn-ea"/>
+        <a:cs typeface="+mn-cs"/>
+      </a:defRPr>
+    </a:lvl6pPr>
+    <a:lvl7pPr marL="2743200" algn="l" defTabSz="914400" rtl="0" eaLnBrk="1" latinLnBrk="0" hangingPunct="1">
+      <a:defRPr sz="1200" kern="1200">
+        <a:solidFill>
+          <a:schemeClr val="tx1"/>
+        </a:solidFill>
+        <a:latin typeface="+mn-lt"/>
+        <a:ea typeface="+mn-ea"/>
+        <a:cs typeface="+mn-cs"/>
+      </a:defRPr>
+    </a:lvl7pPr>
+    <a:lvl8pPr marL="3200400" algn="l" defTabSz="914400" rtl="0" eaLnBrk="1" latinLnBrk="0" hangingPunct="1">
+      <a:defRPr sz="1200" kern="1200">
+        <a:solidFill>
+          <a:schemeClr val="tx1"/>
+        </a:solidFill>
+        <a:latin typeface="+mn-lt"/>
+        <a:ea typeface="+mn-ea"/>
+        <a:cs typeface="+mn-cs"/>
+      </a:defRPr>
+    </a:lvl8pPr>
+    <a:lvl9pPr marL="3657600" algn="l" defTabSz="914400" rtl="0" eaLnBrk="1" latinLnBrk="0" hangingPunct="1">
+      <a:defRPr sz="1200" kern="1200">
+        <a:solidFill>
+          <a:schemeClr val="tx1"/>
+        </a:solidFill>
+        <a:latin typeface="+mn-lt"/>
+        <a:ea typeface="+mn-ea"/>
+        <a:cs typeface="+mn-cs"/>
+      </a:defRPr>
+    </a:lvl9pPr>
+  </p:notesStyle>
+</p:notesMaster>
+</file>
+
+<file path=ppt/notesSlides/notesSlide1.xml><?xml version="1.0" encoding="utf-8"?>
+<p:notes xmlns:a="http://schemas.openxmlformats.org/drawingml/2006/main" xmlns:r="http://schemas.openxmlformats.org/officeDocument/2006/relationships" xmlns:p="http://schemas.openxmlformats.org/presentationml/2006/main">
+  <p:cSld>
+    <p:spTree>
+      <p:nvGrpSpPr>
+        <p:cNvPr id="1" name=""/>
+        <p:cNvGrpSpPr/>
+        <p:nvPr/>
+      </p:nvGrpSpPr>
+      <p:grpSpPr>
+        <a:xfrm>
+          <a:off x="0" y="0"/>
+          <a:ext cx="0" cy="0"/>
+          <a:chOff x="0" y="0"/>
+          <a:chExt cx="0" cy="0"/>
+        </a:xfrm>
+      </p:grpSpPr>
+      <p:sp>
+        <p:nvSpPr>
+          <p:cNvPr id="2" name="Slide Image Placeholder 1"/>
+          <p:cNvSpPr>
+            <a:spLocks noGrp="1" noRot="1" noChangeAspect="1"/>
+          </p:cNvSpPr>
+          <p:nvPr>
+            <p:ph type="sldImg"/>
+          </p:nvPr>
+        </p:nvSpPr>
+        <p:spPr/>
+      </p:sp>
+      <p:sp>
+        <p:nvSpPr>
+          <p:cNvPr id="3" name="Notes Placeholder 2"/>
+          <p:cNvSpPr>
+            <a:spLocks noGrp="1"/>
+          </p:cNvSpPr>
+          <p:nvPr>
+            <p:ph type="body" idx="1"/>
+          </p:nvPr>
+        </p:nvSpPr>
+        <p:spPr/>
+        <p:txBody>
+          <a:bodyPr/>
+          <a:lstStyle/>
+          <a:p>
+            <a:r>
+              <a:rPr lang="en-US" dirty="0" smtClean="0"/>
+              <a:t>Rob</a:t>
+            </a:r>
+            <a:endParaRPr lang="en-US" dirty="0"/>
+          </a:p>
+        </p:txBody>
+      </p:sp>
+      <p:sp>
+        <p:nvSpPr>
+          <p:cNvPr id="4" name="Slide Number Placeholder 3"/>
+          <p:cNvSpPr>
+            <a:spLocks noGrp="1"/>
+          </p:cNvSpPr>
+          <p:nvPr>
+            <p:ph type="sldNum" sz="quarter" idx="10"/>
+          </p:nvPr>
+        </p:nvSpPr>
+        <p:spPr/>
+        <p:txBody>
+          <a:bodyPr/>
+          <a:lstStyle/>
+          <a:p>
+            <a:fld id="{E595339F-42C5-4ABA-A714-109434CDF7B4}" type="slidenum">
+              <a:rPr lang="en-US" smtClean="0"/>
+              <a:t>1</a:t>
+            </a:fld>
+            <a:endParaRPr lang="en-US"/>
+          </a:p>
+        </p:txBody>
+      </p:sp>
+    </p:spTree>
+    <p:extLst>
+      <p:ext uri="{BB962C8B-B14F-4D97-AF65-F5344CB8AC3E}">
+        <p14:creationId xmlns:p14="http://schemas.microsoft.com/office/powerpoint/2010/main" val="3346848648"/>
+      </p:ext>
+    </p:extLst>
+  </p:cSld>
+  <p:clrMapOvr>
+    <a:masterClrMapping/>
+  </p:clrMapOvr>
+</p:notes>
+</file>
+
+<file path=ppt/notesSlides/notesSlide10.xml><?xml version="1.0" encoding="utf-8"?>
+<p:notes xmlns:a="http://schemas.openxmlformats.org/drawingml/2006/main" xmlns:r="http://schemas.openxmlformats.org/officeDocument/2006/relationships" xmlns:p="http://schemas.openxmlformats.org/presentationml/2006/main">
+  <p:cSld>
+    <p:spTree>
+      <p:nvGrpSpPr>
+        <p:cNvPr id="1" name=""/>
+        <p:cNvGrpSpPr/>
+        <p:nvPr/>
+      </p:nvGrpSpPr>
+      <p:grpSpPr>
+        <a:xfrm>
+          <a:off x="0" y="0"/>
+          <a:ext cx="0" cy="0"/>
+          <a:chOff x="0" y="0"/>
+          <a:chExt cx="0" cy="0"/>
+        </a:xfrm>
+      </p:grpSpPr>
+      <p:sp>
+        <p:nvSpPr>
+          <p:cNvPr id="2" name="Slide Image Placeholder 1"/>
+          <p:cNvSpPr>
+            <a:spLocks noGrp="1" noRot="1" noChangeAspect="1"/>
+          </p:cNvSpPr>
+          <p:nvPr>
+            <p:ph type="sldImg"/>
+          </p:nvPr>
+        </p:nvSpPr>
+        <p:spPr/>
+      </p:sp>
+      <p:sp>
+        <p:nvSpPr>
+          <p:cNvPr id="3" name="Notes Placeholder 2"/>
+          <p:cNvSpPr>
+            <a:spLocks noGrp="1"/>
+          </p:cNvSpPr>
+          <p:nvPr>
+            <p:ph type="body" idx="1"/>
+          </p:nvPr>
+        </p:nvSpPr>
+        <p:spPr/>
+        <p:txBody>
+          <a:bodyPr/>
+          <a:lstStyle/>
+          <a:p>
+            <a:r>
+              <a:rPr lang="en-US" dirty="0" smtClean="0"/>
+              <a:t>SRC: </a:t>
+            </a:r>
+            <a:r>
+              <a:rPr lang="en-US" dirty="0" smtClean="0">
+                <a:hlinkClick r:id="rId3"/>
+              </a:rPr>
+              <a:t>http://www.forbes.com/sites/parmyolson/2011/10/12/sony-freezes-93000-online-accounts-after-security-breach/</a:t>
+            </a:r>
+            <a:endParaRPr lang="en-US" dirty="0" smtClean="0"/>
+          </a:p>
+          <a:p>
+            <a:r>
+              <a:rPr lang="en-US" dirty="0" smtClean="0"/>
+              <a:t>Alex, then Ryne (bank</a:t>
+            </a:r>
+            <a:r>
+              <a:rPr lang="en-US" baseline="0" dirty="0" smtClean="0"/>
+              <a:t> stuff)</a:t>
+            </a:r>
+            <a:endParaRPr lang="en-US" dirty="0"/>
+          </a:p>
+        </p:txBody>
+      </p:sp>
+      <p:sp>
+        <p:nvSpPr>
+          <p:cNvPr id="4" name="Slide Number Placeholder 3"/>
+          <p:cNvSpPr>
+            <a:spLocks noGrp="1"/>
+          </p:cNvSpPr>
+          <p:nvPr>
+            <p:ph type="sldNum" sz="quarter" idx="10"/>
+          </p:nvPr>
+        </p:nvSpPr>
+        <p:spPr/>
+        <p:txBody>
+          <a:bodyPr/>
+          <a:lstStyle/>
+          <a:p>
+            <a:fld id="{E595339F-42C5-4ABA-A714-109434CDF7B4}" type="slidenum">
+              <a:rPr lang="en-US" smtClean="0"/>
+              <a:t>10</a:t>
+            </a:fld>
+            <a:endParaRPr lang="en-US"/>
+          </a:p>
+        </p:txBody>
+      </p:sp>
+    </p:spTree>
+    <p:extLst>
+      <p:ext uri="{BB962C8B-B14F-4D97-AF65-F5344CB8AC3E}">
+        <p14:creationId xmlns:p14="http://schemas.microsoft.com/office/powerpoint/2010/main" val="1933536401"/>
+      </p:ext>
+    </p:extLst>
+  </p:cSld>
+  <p:clrMapOvr>
+    <a:masterClrMapping/>
+  </p:clrMapOvr>
+</p:notes>
+</file>
+
+<file path=ppt/notesSlides/notesSlide11.xml><?xml version="1.0" encoding="utf-8"?>
+<p:notes xmlns:a="http://schemas.openxmlformats.org/drawingml/2006/main" xmlns:r="http://schemas.openxmlformats.org/officeDocument/2006/relationships" xmlns:p="http://schemas.openxmlformats.org/presentationml/2006/main">
+  <p:cSld>
+    <p:spTree>
+      <p:nvGrpSpPr>
+        <p:cNvPr id="1" name=""/>
+        <p:cNvGrpSpPr/>
+        <p:nvPr/>
+      </p:nvGrpSpPr>
+      <p:grpSpPr>
+        <a:xfrm>
+          <a:off x="0" y="0"/>
+          <a:ext cx="0" cy="0"/>
+          <a:chOff x="0" y="0"/>
+          <a:chExt cx="0" cy="0"/>
+        </a:xfrm>
+      </p:grpSpPr>
+      <p:sp>
+        <p:nvSpPr>
+          <p:cNvPr id="2" name="Slide Image Placeholder 1"/>
+          <p:cNvSpPr>
+            <a:spLocks noGrp="1" noRot="1" noChangeAspect="1"/>
+          </p:cNvSpPr>
+          <p:nvPr>
+            <p:ph type="sldImg"/>
+          </p:nvPr>
+        </p:nvSpPr>
+        <p:spPr/>
+      </p:sp>
+      <p:sp>
+        <p:nvSpPr>
+          <p:cNvPr id="3" name="Notes Placeholder 2"/>
+          <p:cNvSpPr>
+            <a:spLocks noGrp="1"/>
+          </p:cNvSpPr>
+          <p:nvPr>
+            <p:ph type="body" idx="1"/>
+          </p:nvPr>
+        </p:nvSpPr>
+        <p:spPr/>
+        <p:txBody>
+          <a:bodyPr/>
+          <a:lstStyle/>
+          <a:p>
+            <a:r>
+              <a:rPr lang="en-US" dirty="0" smtClean="0"/>
+              <a:t>Ryne</a:t>
+            </a:r>
+            <a:endParaRPr lang="en-US" dirty="0"/>
+          </a:p>
+        </p:txBody>
+      </p:sp>
+      <p:sp>
+        <p:nvSpPr>
+          <p:cNvPr id="4" name="Slide Number Placeholder 3"/>
+          <p:cNvSpPr>
+            <a:spLocks noGrp="1"/>
+          </p:cNvSpPr>
+          <p:nvPr>
+            <p:ph type="sldNum" sz="quarter" idx="10"/>
+          </p:nvPr>
+        </p:nvSpPr>
+        <p:spPr/>
+        <p:txBody>
+          <a:bodyPr/>
+          <a:lstStyle/>
+          <a:p>
+            <a:fld id="{E595339F-42C5-4ABA-A714-109434CDF7B4}" type="slidenum">
+              <a:rPr lang="en-US" smtClean="0"/>
+              <a:t>11</a:t>
+            </a:fld>
+            <a:endParaRPr lang="en-US"/>
+          </a:p>
+        </p:txBody>
+      </p:sp>
+    </p:spTree>
+    <p:extLst>
+      <p:ext uri="{BB962C8B-B14F-4D97-AF65-F5344CB8AC3E}">
+        <p14:creationId xmlns:p14="http://schemas.microsoft.com/office/powerpoint/2010/main" val="2080936046"/>
+      </p:ext>
+    </p:extLst>
+  </p:cSld>
+  <p:clrMapOvr>
+    <a:masterClrMapping/>
+  </p:clrMapOvr>
+</p:notes>
+</file>
+
+<file path=ppt/notesSlides/notesSlide12.xml><?xml version="1.0" encoding="utf-8"?>
+<p:notes xmlns:a="http://schemas.openxmlformats.org/drawingml/2006/main" xmlns:r="http://schemas.openxmlformats.org/officeDocument/2006/relationships" xmlns:p="http://schemas.openxmlformats.org/presentationml/2006/main">
+  <p:cSld>
+    <p:spTree>
+      <p:nvGrpSpPr>
+        <p:cNvPr id="1" name=""/>
+        <p:cNvGrpSpPr/>
+        <p:nvPr/>
+      </p:nvGrpSpPr>
+      <p:grpSpPr>
+        <a:xfrm>
+          <a:off x="0" y="0"/>
+          <a:ext cx="0" cy="0"/>
+          <a:chOff x="0" y="0"/>
+          <a:chExt cx="0" cy="0"/>
+        </a:xfrm>
+      </p:grpSpPr>
+      <p:sp>
+        <p:nvSpPr>
+          <p:cNvPr id="2" name="Slide Image Placeholder 1"/>
+          <p:cNvSpPr>
+            <a:spLocks noGrp="1" noRot="1" noChangeAspect="1"/>
+          </p:cNvSpPr>
+          <p:nvPr>
+            <p:ph type="sldImg"/>
+          </p:nvPr>
+        </p:nvSpPr>
+        <p:spPr/>
+      </p:sp>
+      <p:sp>
+        <p:nvSpPr>
+          <p:cNvPr id="3" name="Notes Placeholder 2"/>
+          <p:cNvSpPr>
+            <a:spLocks noGrp="1"/>
+          </p:cNvSpPr>
+          <p:nvPr>
+            <p:ph type="body" idx="1"/>
+          </p:nvPr>
+        </p:nvSpPr>
+        <p:spPr/>
+        <p:txBody>
+          <a:bodyPr/>
+          <a:lstStyle/>
+          <a:p>
+            <a:r>
+              <a:rPr lang="en-US" dirty="0" smtClean="0"/>
+              <a:t>Ryne</a:t>
+            </a:r>
+            <a:endParaRPr lang="en-US" dirty="0"/>
+          </a:p>
+        </p:txBody>
+      </p:sp>
+      <p:sp>
+        <p:nvSpPr>
+          <p:cNvPr id="4" name="Slide Number Placeholder 3"/>
+          <p:cNvSpPr>
+            <a:spLocks noGrp="1"/>
+          </p:cNvSpPr>
+          <p:nvPr>
+            <p:ph type="sldNum" sz="quarter" idx="10"/>
+          </p:nvPr>
+        </p:nvSpPr>
+        <p:spPr/>
+        <p:txBody>
+          <a:bodyPr/>
+          <a:lstStyle/>
+          <a:p>
+            <a:fld id="{E595339F-42C5-4ABA-A714-109434CDF7B4}" type="slidenum">
+              <a:rPr lang="en-US" smtClean="0"/>
+              <a:t>12</a:t>
+            </a:fld>
+            <a:endParaRPr lang="en-US"/>
+          </a:p>
+        </p:txBody>
+      </p:sp>
+    </p:spTree>
+    <p:extLst>
+      <p:ext uri="{BB962C8B-B14F-4D97-AF65-F5344CB8AC3E}">
+        <p14:creationId xmlns:p14="http://schemas.microsoft.com/office/powerpoint/2010/main" val="2092045185"/>
+      </p:ext>
+    </p:extLst>
+  </p:cSld>
+  <p:clrMapOvr>
+    <a:masterClrMapping/>
+  </p:clrMapOvr>
+</p:notes>
+</file>
+
+<file path=ppt/notesSlides/notesSlide13.xml><?xml version="1.0" encoding="utf-8"?>
+<p:notes xmlns:a="http://schemas.openxmlformats.org/drawingml/2006/main" xmlns:r="http://schemas.openxmlformats.org/officeDocument/2006/relationships" xmlns:p="http://schemas.openxmlformats.org/presentationml/2006/main">
+  <p:cSld>
+    <p:spTree>
+      <p:nvGrpSpPr>
+        <p:cNvPr id="1" name=""/>
+        <p:cNvGrpSpPr/>
+        <p:nvPr/>
+      </p:nvGrpSpPr>
+      <p:grpSpPr>
+        <a:xfrm>
+          <a:off x="0" y="0"/>
+          <a:ext cx="0" cy="0"/>
+          <a:chOff x="0" y="0"/>
+          <a:chExt cx="0" cy="0"/>
+        </a:xfrm>
+      </p:grpSpPr>
+      <p:sp>
+        <p:nvSpPr>
+          <p:cNvPr id="2" name="Slide Image Placeholder 1"/>
+          <p:cNvSpPr>
+            <a:spLocks noGrp="1" noRot="1" noChangeAspect="1"/>
+          </p:cNvSpPr>
+          <p:nvPr>
+            <p:ph type="sldImg"/>
+          </p:nvPr>
+        </p:nvSpPr>
+        <p:spPr/>
+      </p:sp>
+      <p:sp>
+        <p:nvSpPr>
+          <p:cNvPr id="3" name="Notes Placeholder 2"/>
+          <p:cNvSpPr>
+            <a:spLocks noGrp="1"/>
+          </p:cNvSpPr>
+          <p:nvPr>
+            <p:ph type="body" idx="1"/>
+          </p:nvPr>
+        </p:nvSpPr>
+        <p:spPr/>
+        <p:txBody>
+          <a:bodyPr/>
+          <a:lstStyle/>
+          <a:p>
+            <a:r>
+              <a:rPr lang="en-US" dirty="0" smtClean="0"/>
+              <a:t>Rob</a:t>
+            </a:r>
+            <a:endParaRPr lang="en-US" dirty="0"/>
+          </a:p>
+        </p:txBody>
+      </p:sp>
+      <p:sp>
+        <p:nvSpPr>
+          <p:cNvPr id="4" name="Slide Number Placeholder 3"/>
+          <p:cNvSpPr>
+            <a:spLocks noGrp="1"/>
+          </p:cNvSpPr>
+          <p:nvPr>
+            <p:ph type="sldNum" sz="quarter" idx="10"/>
+          </p:nvPr>
+        </p:nvSpPr>
+        <p:spPr/>
+        <p:txBody>
+          <a:bodyPr/>
+          <a:lstStyle/>
+          <a:p>
+            <a:fld id="{E595339F-42C5-4ABA-A714-109434CDF7B4}" type="slidenum">
+              <a:rPr lang="en-US" smtClean="0"/>
+              <a:t>13</a:t>
+            </a:fld>
+            <a:endParaRPr lang="en-US"/>
+          </a:p>
+        </p:txBody>
+      </p:sp>
+    </p:spTree>
+    <p:extLst>
+      <p:ext uri="{BB962C8B-B14F-4D97-AF65-F5344CB8AC3E}">
+        <p14:creationId xmlns:p14="http://schemas.microsoft.com/office/powerpoint/2010/main" val="2573792775"/>
+      </p:ext>
+    </p:extLst>
+  </p:cSld>
+  <p:clrMapOvr>
+    <a:masterClrMapping/>
+  </p:clrMapOvr>
+</p:notes>
+</file>
+
+<file path=ppt/notesSlides/notesSlide14.xml><?xml version="1.0" encoding="utf-8"?>
+<p:notes xmlns:a="http://schemas.openxmlformats.org/drawingml/2006/main" xmlns:r="http://schemas.openxmlformats.org/officeDocument/2006/relationships" xmlns:p="http://schemas.openxmlformats.org/presentationml/2006/main">
+  <p:cSld>
+    <p:spTree>
+      <p:nvGrpSpPr>
+        <p:cNvPr id="1" name=""/>
+        <p:cNvGrpSpPr/>
+        <p:nvPr/>
+      </p:nvGrpSpPr>
+      <p:grpSpPr>
+        <a:xfrm>
+          <a:off x="0" y="0"/>
+          <a:ext cx="0" cy="0"/>
+          <a:chOff x="0" y="0"/>
+          <a:chExt cx="0" cy="0"/>
+        </a:xfrm>
+      </p:grpSpPr>
+      <p:sp>
+        <p:nvSpPr>
+          <p:cNvPr id="2" name="Slide Image Placeholder 1"/>
+          <p:cNvSpPr>
+            <a:spLocks noGrp="1" noRot="1" noChangeAspect="1"/>
+          </p:cNvSpPr>
+          <p:nvPr>
+            <p:ph type="sldImg"/>
+          </p:nvPr>
+        </p:nvSpPr>
+        <p:spPr/>
+      </p:sp>
+      <p:sp>
+        <p:nvSpPr>
+          <p:cNvPr id="3" name="Notes Placeholder 2"/>
+          <p:cNvSpPr>
+            <a:spLocks noGrp="1"/>
+          </p:cNvSpPr>
+          <p:nvPr>
+            <p:ph type="body" idx="1"/>
+          </p:nvPr>
+        </p:nvSpPr>
+        <p:spPr/>
+        <p:txBody>
+          <a:bodyPr/>
+          <a:lstStyle/>
+          <a:p>
+            <a:pPr algn="l"/>
+            <a:r>
+              <a:rPr lang="en-US" dirty="0" smtClean="0"/>
+              <a:t>Rob</a:t>
+            </a:r>
+            <a:endParaRPr lang="en-US" dirty="0"/>
+          </a:p>
+        </p:txBody>
+      </p:sp>
+      <p:sp>
+        <p:nvSpPr>
+          <p:cNvPr id="4" name="Slide Number Placeholder 3"/>
+          <p:cNvSpPr>
+            <a:spLocks noGrp="1"/>
+          </p:cNvSpPr>
+          <p:nvPr>
+            <p:ph type="sldNum" sz="quarter" idx="10"/>
+          </p:nvPr>
+        </p:nvSpPr>
+        <p:spPr/>
+        <p:txBody>
+          <a:bodyPr/>
+          <a:lstStyle/>
+          <a:p>
+            <a:fld id="{E595339F-42C5-4ABA-A714-109434CDF7B4}" type="slidenum">
+              <a:rPr lang="en-US" smtClean="0"/>
+              <a:t>14</a:t>
+            </a:fld>
+            <a:endParaRPr lang="en-US"/>
+          </a:p>
+        </p:txBody>
+      </p:sp>
+    </p:spTree>
+    <p:extLst>
+      <p:ext uri="{BB962C8B-B14F-4D97-AF65-F5344CB8AC3E}">
+        <p14:creationId xmlns:p14="http://schemas.microsoft.com/office/powerpoint/2010/main" val="103421987"/>
+      </p:ext>
+    </p:extLst>
+  </p:cSld>
+  <p:clrMapOvr>
+    <a:masterClrMapping/>
+  </p:clrMapOvr>
+</p:notes>
+</file>
+
+<file path=ppt/notesSlides/notesSlide15.xml><?xml version="1.0" encoding="utf-8"?>
+<p:notes xmlns:a="http://schemas.openxmlformats.org/drawingml/2006/main" xmlns:r="http://schemas.openxmlformats.org/officeDocument/2006/relationships" xmlns:p="http://schemas.openxmlformats.org/presentationml/2006/main">
+  <p:cSld>
+    <p:spTree>
+      <p:nvGrpSpPr>
+        <p:cNvPr id="1" name=""/>
+        <p:cNvGrpSpPr/>
+        <p:nvPr/>
+      </p:nvGrpSpPr>
+      <p:grpSpPr>
+        <a:xfrm>
+          <a:off x="0" y="0"/>
+          <a:ext cx="0" cy="0"/>
+          <a:chOff x="0" y="0"/>
+          <a:chExt cx="0" cy="0"/>
+        </a:xfrm>
+      </p:grpSpPr>
+      <p:sp>
+        <p:nvSpPr>
+          <p:cNvPr id="2" name="Slide Image Placeholder 1"/>
+          <p:cNvSpPr>
+            <a:spLocks noGrp="1" noRot="1" noChangeAspect="1"/>
+          </p:cNvSpPr>
+          <p:nvPr>
+            <p:ph type="sldImg"/>
+          </p:nvPr>
+        </p:nvSpPr>
+        <p:spPr/>
+      </p:sp>
+      <p:sp>
+        <p:nvSpPr>
+          <p:cNvPr id="3" name="Notes Placeholder 2"/>
+          <p:cNvSpPr>
+            <a:spLocks noGrp="1"/>
+          </p:cNvSpPr>
+          <p:nvPr>
+            <p:ph type="body" idx="1"/>
+          </p:nvPr>
+        </p:nvSpPr>
+        <p:spPr/>
+        <p:txBody>
+          <a:bodyPr/>
+          <a:lstStyle/>
+          <a:p>
+            <a:r>
+              <a:rPr lang="en-US" dirty="0" smtClean="0"/>
+              <a:t>Ryne</a:t>
+            </a:r>
+            <a:endParaRPr lang="en-US" dirty="0"/>
+          </a:p>
+        </p:txBody>
+      </p:sp>
+      <p:sp>
+        <p:nvSpPr>
+          <p:cNvPr id="4" name="Slide Number Placeholder 3"/>
+          <p:cNvSpPr>
+            <a:spLocks noGrp="1"/>
+          </p:cNvSpPr>
+          <p:nvPr>
+            <p:ph type="sldNum" sz="quarter" idx="10"/>
+          </p:nvPr>
+        </p:nvSpPr>
+        <p:spPr/>
+        <p:txBody>
+          <a:bodyPr/>
+          <a:lstStyle/>
+          <a:p>
+            <a:fld id="{E595339F-42C5-4ABA-A714-109434CDF7B4}" type="slidenum">
+              <a:rPr lang="en-US" smtClean="0"/>
+              <a:t>15</a:t>
+            </a:fld>
+            <a:endParaRPr lang="en-US"/>
+          </a:p>
+        </p:txBody>
+      </p:sp>
+    </p:spTree>
+    <p:extLst>
+      <p:ext uri="{BB962C8B-B14F-4D97-AF65-F5344CB8AC3E}">
+        <p14:creationId xmlns:p14="http://schemas.microsoft.com/office/powerpoint/2010/main" val="1148393660"/>
+      </p:ext>
+    </p:extLst>
+  </p:cSld>
+  <p:clrMapOvr>
+    <a:masterClrMapping/>
+  </p:clrMapOvr>
+</p:notes>
+</file>
+
+<file path=ppt/notesSlides/notesSlide16.xml><?xml version="1.0" encoding="utf-8"?>
+<p:notes xmlns:a="http://schemas.openxmlformats.org/drawingml/2006/main" xmlns:r="http://schemas.openxmlformats.org/officeDocument/2006/relationships" xmlns:p="http://schemas.openxmlformats.org/presentationml/2006/main">
+  <p:cSld>
+    <p:spTree>
+      <p:nvGrpSpPr>
+        <p:cNvPr id="1" name=""/>
+        <p:cNvGrpSpPr/>
+        <p:nvPr/>
+      </p:nvGrpSpPr>
+      <p:grpSpPr>
+        <a:xfrm>
+          <a:off x="0" y="0"/>
+          <a:ext cx="0" cy="0"/>
+          <a:chOff x="0" y="0"/>
+          <a:chExt cx="0" cy="0"/>
+        </a:xfrm>
+      </p:grpSpPr>
+      <p:sp>
+        <p:nvSpPr>
+          <p:cNvPr id="2" name="Slide Image Placeholder 1"/>
+          <p:cNvSpPr>
+            <a:spLocks noGrp="1" noRot="1" noChangeAspect="1"/>
+          </p:cNvSpPr>
+          <p:nvPr>
+            <p:ph type="sldImg"/>
+          </p:nvPr>
+        </p:nvSpPr>
+        <p:spPr/>
+      </p:sp>
+      <p:sp>
+        <p:nvSpPr>
+          <p:cNvPr id="3" name="Notes Placeholder 2"/>
+          <p:cNvSpPr>
+            <a:spLocks noGrp="1"/>
+          </p:cNvSpPr>
+          <p:nvPr>
+            <p:ph type="body" idx="1"/>
+          </p:nvPr>
+        </p:nvSpPr>
+        <p:spPr/>
+        <p:txBody>
+          <a:bodyPr/>
+          <a:lstStyle/>
+          <a:p>
+            <a:r>
+              <a:rPr lang="en-US" dirty="0" smtClean="0"/>
+              <a:t>Ryne</a:t>
+            </a:r>
+            <a:endParaRPr lang="en-US" dirty="0"/>
+          </a:p>
+        </p:txBody>
+      </p:sp>
+      <p:sp>
+        <p:nvSpPr>
+          <p:cNvPr id="4" name="Slide Number Placeholder 3"/>
+          <p:cNvSpPr>
+            <a:spLocks noGrp="1"/>
+          </p:cNvSpPr>
+          <p:nvPr>
+            <p:ph type="sldNum" sz="quarter" idx="10"/>
+          </p:nvPr>
+        </p:nvSpPr>
+        <p:spPr/>
+        <p:txBody>
+          <a:bodyPr/>
+          <a:lstStyle/>
+          <a:p>
+            <a:fld id="{E595339F-42C5-4ABA-A714-109434CDF7B4}" type="slidenum">
+              <a:rPr lang="en-US" smtClean="0"/>
+              <a:t>16</a:t>
+            </a:fld>
+            <a:endParaRPr lang="en-US"/>
+          </a:p>
+        </p:txBody>
+      </p:sp>
+    </p:spTree>
+    <p:extLst>
+      <p:ext uri="{BB962C8B-B14F-4D97-AF65-F5344CB8AC3E}">
+        <p14:creationId xmlns:p14="http://schemas.microsoft.com/office/powerpoint/2010/main" val="67567625"/>
+      </p:ext>
+    </p:extLst>
+  </p:cSld>
+  <p:clrMapOvr>
+    <a:masterClrMapping/>
+  </p:clrMapOvr>
+</p:notes>
+</file>
+
+<file path=ppt/notesSlides/notesSlide17.xml><?xml version="1.0" encoding="utf-8"?>
+<p:notes xmlns:a="http://schemas.openxmlformats.org/drawingml/2006/main" xmlns:r="http://schemas.openxmlformats.org/officeDocument/2006/relationships" xmlns:p="http://schemas.openxmlformats.org/presentationml/2006/main">
+  <p:cSld>
+    <p:spTree>
+      <p:nvGrpSpPr>
+        <p:cNvPr id="1" name=""/>
+        <p:cNvGrpSpPr/>
+        <p:nvPr/>
+      </p:nvGrpSpPr>
+      <p:grpSpPr>
+        <a:xfrm>
+          <a:off x="0" y="0"/>
+          <a:ext cx="0" cy="0"/>
+          <a:chOff x="0" y="0"/>
+          <a:chExt cx="0" cy="0"/>
+        </a:xfrm>
+      </p:grpSpPr>
+      <p:sp>
+        <p:nvSpPr>
+          <p:cNvPr id="2" name="Slide Image Placeholder 1"/>
+          <p:cNvSpPr>
+            <a:spLocks noGrp="1" noRot="1" noChangeAspect="1"/>
+          </p:cNvSpPr>
+          <p:nvPr>
+            <p:ph type="sldImg"/>
+          </p:nvPr>
+        </p:nvSpPr>
+        <p:spPr/>
+      </p:sp>
+      <p:sp>
+        <p:nvSpPr>
+          <p:cNvPr id="3" name="Notes Placeholder 2"/>
+          <p:cNvSpPr>
+            <a:spLocks noGrp="1"/>
+          </p:cNvSpPr>
+          <p:nvPr>
+            <p:ph type="body" idx="1"/>
+          </p:nvPr>
+        </p:nvSpPr>
+        <p:spPr/>
+        <p:txBody>
+          <a:bodyPr/>
+          <a:lstStyle/>
+          <a:p>
+            <a:r>
+              <a:rPr lang="en-US" dirty="0" smtClean="0"/>
+              <a:t>Alex</a:t>
+            </a:r>
+            <a:endParaRPr lang="en-US" dirty="0"/>
+          </a:p>
+        </p:txBody>
+      </p:sp>
+      <p:sp>
+        <p:nvSpPr>
+          <p:cNvPr id="4" name="Slide Number Placeholder 3"/>
+          <p:cNvSpPr>
+            <a:spLocks noGrp="1"/>
+          </p:cNvSpPr>
+          <p:nvPr>
+            <p:ph type="sldNum" sz="quarter" idx="10"/>
+          </p:nvPr>
+        </p:nvSpPr>
+        <p:spPr/>
+        <p:txBody>
+          <a:bodyPr/>
+          <a:lstStyle/>
+          <a:p>
+            <a:fld id="{E595339F-42C5-4ABA-A714-109434CDF7B4}" type="slidenum">
+              <a:rPr lang="en-US" smtClean="0"/>
+              <a:t>17</a:t>
+            </a:fld>
+            <a:endParaRPr lang="en-US"/>
+          </a:p>
+        </p:txBody>
+      </p:sp>
+    </p:spTree>
+    <p:extLst>
+      <p:ext uri="{BB962C8B-B14F-4D97-AF65-F5344CB8AC3E}">
+        <p14:creationId xmlns:p14="http://schemas.microsoft.com/office/powerpoint/2010/main" val="1196441866"/>
+      </p:ext>
+    </p:extLst>
+  </p:cSld>
+  <p:clrMapOvr>
+    <a:masterClrMapping/>
+  </p:clrMapOvr>
+</p:notes>
+</file>
+
+<file path=ppt/notesSlides/notesSlide18.xml><?xml version="1.0" encoding="utf-8"?>
+<p:notes xmlns:a="http://schemas.openxmlformats.org/drawingml/2006/main" xmlns:r="http://schemas.openxmlformats.org/officeDocument/2006/relationships" xmlns:p="http://schemas.openxmlformats.org/presentationml/2006/main">
+  <p:cSld>
+    <p:spTree>
+      <p:nvGrpSpPr>
+        <p:cNvPr id="1" name=""/>
+        <p:cNvGrpSpPr/>
+        <p:nvPr/>
+      </p:nvGrpSpPr>
+      <p:grpSpPr>
+        <a:xfrm>
+          <a:off x="0" y="0"/>
+          <a:ext cx="0" cy="0"/>
+          <a:chOff x="0" y="0"/>
+          <a:chExt cx="0" cy="0"/>
+        </a:xfrm>
+      </p:grpSpPr>
+      <p:sp>
+        <p:nvSpPr>
+          <p:cNvPr id="2" name="Slide Image Placeholder 1"/>
+          <p:cNvSpPr>
+            <a:spLocks noGrp="1" noRot="1" noChangeAspect="1"/>
+          </p:cNvSpPr>
+          <p:nvPr>
+            <p:ph type="sldImg"/>
+          </p:nvPr>
+        </p:nvSpPr>
+        <p:spPr/>
+      </p:sp>
+      <p:sp>
+        <p:nvSpPr>
+          <p:cNvPr id="3" name="Notes Placeholder 2"/>
+          <p:cNvSpPr>
+            <a:spLocks noGrp="1"/>
+          </p:cNvSpPr>
+          <p:nvPr>
+            <p:ph type="body" idx="1"/>
+          </p:nvPr>
+        </p:nvSpPr>
+        <p:spPr/>
+        <p:txBody>
+          <a:bodyPr/>
+          <a:lstStyle/>
+          <a:p>
+            <a:r>
+              <a:rPr lang="en-US" dirty="0" smtClean="0"/>
+              <a:t>Alex</a:t>
+            </a:r>
+            <a:endParaRPr lang="en-US" dirty="0"/>
+          </a:p>
+        </p:txBody>
+      </p:sp>
+      <p:sp>
+        <p:nvSpPr>
+          <p:cNvPr id="4" name="Slide Number Placeholder 3"/>
+          <p:cNvSpPr>
+            <a:spLocks noGrp="1"/>
+          </p:cNvSpPr>
+          <p:nvPr>
+            <p:ph type="sldNum" sz="quarter" idx="10"/>
+          </p:nvPr>
+        </p:nvSpPr>
+        <p:spPr/>
+        <p:txBody>
+          <a:bodyPr/>
+          <a:lstStyle/>
+          <a:p>
+            <a:fld id="{E595339F-42C5-4ABA-A714-109434CDF7B4}" type="slidenum">
+              <a:rPr lang="en-US" smtClean="0"/>
+              <a:t>18</a:t>
+            </a:fld>
+            <a:endParaRPr lang="en-US"/>
+          </a:p>
+        </p:txBody>
+      </p:sp>
+    </p:spTree>
+    <p:extLst>
+      <p:ext uri="{BB962C8B-B14F-4D97-AF65-F5344CB8AC3E}">
+        <p14:creationId xmlns:p14="http://schemas.microsoft.com/office/powerpoint/2010/main" val="4275892554"/>
+      </p:ext>
+    </p:extLst>
+  </p:cSld>
+  <p:clrMapOvr>
+    <a:masterClrMapping/>
+  </p:clrMapOvr>
+</p:notes>
+</file>
+
+<file path=ppt/notesSlides/notesSlide19.xml><?xml version="1.0" encoding="utf-8"?>
+<p:notes xmlns:a="http://schemas.openxmlformats.org/drawingml/2006/main" xmlns:r="http://schemas.openxmlformats.org/officeDocument/2006/relationships" xmlns:p="http://schemas.openxmlformats.org/presentationml/2006/main">
+  <p:cSld>
+    <p:spTree>
+      <p:nvGrpSpPr>
+        <p:cNvPr id="1" name=""/>
+        <p:cNvGrpSpPr/>
+        <p:nvPr/>
+      </p:nvGrpSpPr>
+      <p:grpSpPr>
+        <a:xfrm>
+          <a:off x="0" y="0"/>
+          <a:ext cx="0" cy="0"/>
+          <a:chOff x="0" y="0"/>
+          <a:chExt cx="0" cy="0"/>
+        </a:xfrm>
+      </p:grpSpPr>
+      <p:sp>
+        <p:nvSpPr>
+          <p:cNvPr id="2" name="Slide Image Placeholder 1"/>
+          <p:cNvSpPr>
+            <a:spLocks noGrp="1" noRot="1" noChangeAspect="1"/>
+          </p:cNvSpPr>
+          <p:nvPr>
+            <p:ph type="sldImg"/>
+          </p:nvPr>
+        </p:nvSpPr>
+        <p:spPr/>
+      </p:sp>
+      <p:sp>
+        <p:nvSpPr>
+          <p:cNvPr id="3" name="Notes Placeholder 2"/>
+          <p:cNvSpPr>
+            <a:spLocks noGrp="1"/>
+          </p:cNvSpPr>
+          <p:nvPr>
+            <p:ph type="body" idx="1"/>
+          </p:nvPr>
+        </p:nvSpPr>
+        <p:spPr/>
+        <p:txBody>
+          <a:bodyPr/>
+          <a:lstStyle/>
+          <a:p>
+            <a:r>
+              <a:rPr lang="en-US" dirty="0" smtClean="0"/>
+              <a:t>Ryne</a:t>
+            </a:r>
+            <a:endParaRPr lang="en-US" dirty="0"/>
+          </a:p>
+        </p:txBody>
+      </p:sp>
+      <p:sp>
+        <p:nvSpPr>
+          <p:cNvPr id="4" name="Slide Number Placeholder 3"/>
+          <p:cNvSpPr>
+            <a:spLocks noGrp="1"/>
+          </p:cNvSpPr>
+          <p:nvPr>
+            <p:ph type="sldNum" sz="quarter" idx="10"/>
+          </p:nvPr>
+        </p:nvSpPr>
+        <p:spPr/>
+        <p:txBody>
+          <a:bodyPr/>
+          <a:lstStyle/>
+          <a:p>
+            <a:fld id="{E595339F-42C5-4ABA-A714-109434CDF7B4}" type="slidenum">
+              <a:rPr lang="en-US" smtClean="0"/>
+              <a:t>19</a:t>
+            </a:fld>
+            <a:endParaRPr lang="en-US"/>
+          </a:p>
+        </p:txBody>
+      </p:sp>
+    </p:spTree>
+    <p:extLst>
+      <p:ext uri="{BB962C8B-B14F-4D97-AF65-F5344CB8AC3E}">
+        <p14:creationId xmlns:p14="http://schemas.microsoft.com/office/powerpoint/2010/main" val="878885963"/>
+      </p:ext>
+    </p:extLst>
+  </p:cSld>
+  <p:clrMapOvr>
+    <a:masterClrMapping/>
+  </p:clrMapOvr>
+</p:notes>
+</file>
+
+<file path=ppt/notesSlides/notesSlide2.xml><?xml version="1.0" encoding="utf-8"?>
+<p:notes xmlns:a="http://schemas.openxmlformats.org/drawingml/2006/main" xmlns:r="http://schemas.openxmlformats.org/officeDocument/2006/relationships" xmlns:p="http://schemas.openxmlformats.org/presentationml/2006/main">
+  <p:cSld>
+    <p:spTree>
+      <p:nvGrpSpPr>
+        <p:cNvPr id="1" name=""/>
+        <p:cNvGrpSpPr/>
+        <p:nvPr/>
+      </p:nvGrpSpPr>
+      <p:grpSpPr>
+        <a:xfrm>
+          <a:off x="0" y="0"/>
+          <a:ext cx="0" cy="0"/>
+          <a:chOff x="0" y="0"/>
+          <a:chExt cx="0" cy="0"/>
+        </a:xfrm>
+      </p:grpSpPr>
+      <p:sp>
+        <p:nvSpPr>
+          <p:cNvPr id="2" name="Slide Image Placeholder 1"/>
+          <p:cNvSpPr>
+            <a:spLocks noGrp="1" noRot="1" noChangeAspect="1"/>
+          </p:cNvSpPr>
+          <p:nvPr>
+            <p:ph type="sldImg"/>
+          </p:nvPr>
+        </p:nvSpPr>
+        <p:spPr/>
+      </p:sp>
+      <p:sp>
+        <p:nvSpPr>
+          <p:cNvPr id="3" name="Notes Placeholder 2"/>
+          <p:cNvSpPr>
+            <a:spLocks noGrp="1"/>
+          </p:cNvSpPr>
+          <p:nvPr>
+            <p:ph type="body" idx="1"/>
+          </p:nvPr>
+        </p:nvSpPr>
+        <p:spPr/>
+        <p:txBody>
+          <a:bodyPr/>
+          <a:lstStyle/>
+          <a:p>
+            <a:r>
+              <a:rPr lang="en-US" dirty="0" smtClean="0"/>
+              <a:t>Rob</a:t>
+            </a:r>
+            <a:endParaRPr lang="en-US" dirty="0"/>
+          </a:p>
+        </p:txBody>
+      </p:sp>
+      <p:sp>
+        <p:nvSpPr>
+          <p:cNvPr id="4" name="Slide Number Placeholder 3"/>
+          <p:cNvSpPr>
+            <a:spLocks noGrp="1"/>
+          </p:cNvSpPr>
+          <p:nvPr>
+            <p:ph type="sldNum" sz="quarter" idx="10"/>
+          </p:nvPr>
+        </p:nvSpPr>
+        <p:spPr/>
+        <p:txBody>
+          <a:bodyPr/>
+          <a:lstStyle/>
+          <a:p>
+            <a:fld id="{E595339F-42C5-4ABA-A714-109434CDF7B4}" type="slidenum">
+              <a:rPr lang="en-US" smtClean="0"/>
+              <a:t>2</a:t>
+            </a:fld>
+            <a:endParaRPr lang="en-US"/>
+          </a:p>
+        </p:txBody>
+      </p:sp>
+    </p:spTree>
+    <p:extLst>
+      <p:ext uri="{BB962C8B-B14F-4D97-AF65-F5344CB8AC3E}">
+        <p14:creationId xmlns:p14="http://schemas.microsoft.com/office/powerpoint/2010/main" val="1417344992"/>
+      </p:ext>
+    </p:extLst>
+  </p:cSld>
+  <p:clrMapOvr>
+    <a:masterClrMapping/>
+  </p:clrMapOvr>
+</p:notes>
+</file>
+
+<file path=ppt/notesSlides/notesSlide20.xml><?xml version="1.0" encoding="utf-8"?>
+<p:notes xmlns:a="http://schemas.openxmlformats.org/drawingml/2006/main" xmlns:r="http://schemas.openxmlformats.org/officeDocument/2006/relationships" xmlns:p="http://schemas.openxmlformats.org/presentationml/2006/main">
+  <p:cSld>
+    <p:spTree>
+      <p:nvGrpSpPr>
+        <p:cNvPr id="1" name=""/>
+        <p:cNvGrpSpPr/>
+        <p:nvPr/>
+      </p:nvGrpSpPr>
+      <p:grpSpPr>
+        <a:xfrm>
+          <a:off x="0" y="0"/>
+          <a:ext cx="0" cy="0"/>
+          <a:chOff x="0" y="0"/>
+          <a:chExt cx="0" cy="0"/>
+        </a:xfrm>
+      </p:grpSpPr>
+      <p:sp>
+        <p:nvSpPr>
+          <p:cNvPr id="2" name="Slide Image Placeholder 1"/>
+          <p:cNvSpPr>
+            <a:spLocks noGrp="1" noRot="1" noChangeAspect="1"/>
+          </p:cNvSpPr>
+          <p:nvPr>
+            <p:ph type="sldImg"/>
+          </p:nvPr>
+        </p:nvSpPr>
+        <p:spPr/>
+      </p:sp>
+      <p:sp>
+        <p:nvSpPr>
+          <p:cNvPr id="3" name="Notes Placeholder 2"/>
+          <p:cNvSpPr>
+            <a:spLocks noGrp="1"/>
+          </p:cNvSpPr>
+          <p:nvPr>
+            <p:ph type="body" idx="1"/>
+          </p:nvPr>
+        </p:nvSpPr>
+        <p:spPr/>
+        <p:txBody>
+          <a:bodyPr/>
+          <a:lstStyle/>
+          <a:p>
+            <a:r>
+              <a:rPr lang="en-US" dirty="0" smtClean="0"/>
+              <a:t>Rob</a:t>
+            </a:r>
+          </a:p>
+          <a:p>
+            <a:r>
+              <a:rPr lang="en-US" smtClean="0">
+                <a:hlinkClick r:id="rId3"/>
+              </a:rPr>
+              <a:t>http://www.cert.org/secure-coding/</a:t>
+            </a:r>
+            <a:endParaRPr lang="en-US" dirty="0"/>
+          </a:p>
+        </p:txBody>
+      </p:sp>
+      <p:sp>
+        <p:nvSpPr>
+          <p:cNvPr id="4" name="Slide Number Placeholder 3"/>
+          <p:cNvSpPr>
+            <a:spLocks noGrp="1"/>
+          </p:cNvSpPr>
+          <p:nvPr>
+            <p:ph type="sldNum" sz="quarter" idx="10"/>
+          </p:nvPr>
+        </p:nvSpPr>
+        <p:spPr/>
+        <p:txBody>
+          <a:bodyPr/>
+          <a:lstStyle/>
+          <a:p>
+            <a:fld id="{E595339F-42C5-4ABA-A714-109434CDF7B4}" type="slidenum">
+              <a:rPr lang="en-US" smtClean="0"/>
+              <a:t>20</a:t>
+            </a:fld>
+            <a:endParaRPr lang="en-US"/>
+          </a:p>
+        </p:txBody>
+      </p:sp>
+    </p:spTree>
+    <p:extLst>
+      <p:ext uri="{BB962C8B-B14F-4D97-AF65-F5344CB8AC3E}">
+        <p14:creationId xmlns:p14="http://schemas.microsoft.com/office/powerpoint/2010/main" val="1443998945"/>
+      </p:ext>
+    </p:extLst>
+  </p:cSld>
+  <p:clrMapOvr>
+    <a:masterClrMapping/>
+  </p:clrMapOvr>
+</p:notes>
+</file>
+
+<file path=ppt/notesSlides/notesSlide3.xml><?xml version="1.0" encoding="utf-8"?>
+<p:notes xmlns:a="http://schemas.openxmlformats.org/drawingml/2006/main" xmlns:r="http://schemas.openxmlformats.org/officeDocument/2006/relationships" xmlns:p="http://schemas.openxmlformats.org/presentationml/2006/main">
+  <p:cSld>
+    <p:spTree>
+      <p:nvGrpSpPr>
+        <p:cNvPr id="1" name=""/>
+        <p:cNvGrpSpPr/>
+        <p:nvPr/>
+      </p:nvGrpSpPr>
+      <p:grpSpPr>
+        <a:xfrm>
+          <a:off x="0" y="0"/>
+          <a:ext cx="0" cy="0"/>
+          <a:chOff x="0" y="0"/>
+          <a:chExt cx="0" cy="0"/>
+        </a:xfrm>
+      </p:grpSpPr>
+      <p:sp>
+        <p:nvSpPr>
+          <p:cNvPr id="2" name="Slide Image Placeholder 1"/>
+          <p:cNvSpPr>
+            <a:spLocks noGrp="1" noRot="1" noChangeAspect="1"/>
+          </p:cNvSpPr>
+          <p:nvPr>
+            <p:ph type="sldImg"/>
+          </p:nvPr>
+        </p:nvSpPr>
+        <p:spPr/>
+      </p:sp>
+      <p:sp>
+        <p:nvSpPr>
+          <p:cNvPr id="3" name="Notes Placeholder 2"/>
+          <p:cNvSpPr>
+            <a:spLocks noGrp="1"/>
+          </p:cNvSpPr>
+          <p:nvPr>
+            <p:ph type="body" idx="1"/>
+          </p:nvPr>
+        </p:nvSpPr>
+        <p:spPr/>
+        <p:txBody>
+          <a:bodyPr/>
+          <a:lstStyle/>
+          <a:p>
+            <a:r>
+              <a:rPr lang="en-US" dirty="0" smtClean="0"/>
+              <a:t>Rob</a:t>
+            </a:r>
+            <a:endParaRPr lang="en-US" dirty="0"/>
+          </a:p>
+        </p:txBody>
+      </p:sp>
+      <p:sp>
+        <p:nvSpPr>
+          <p:cNvPr id="4" name="Slide Number Placeholder 3"/>
+          <p:cNvSpPr>
+            <a:spLocks noGrp="1"/>
+          </p:cNvSpPr>
+          <p:nvPr>
+            <p:ph type="sldNum" sz="quarter" idx="10"/>
+          </p:nvPr>
+        </p:nvSpPr>
+        <p:spPr/>
+        <p:txBody>
+          <a:bodyPr/>
+          <a:lstStyle/>
+          <a:p>
+            <a:fld id="{E595339F-42C5-4ABA-A714-109434CDF7B4}" type="slidenum">
+              <a:rPr lang="en-US" smtClean="0"/>
+              <a:t>3</a:t>
+            </a:fld>
+            <a:endParaRPr lang="en-US"/>
+          </a:p>
+        </p:txBody>
+      </p:sp>
+    </p:spTree>
+    <p:extLst>
+      <p:ext uri="{BB962C8B-B14F-4D97-AF65-F5344CB8AC3E}">
+        <p14:creationId xmlns:p14="http://schemas.microsoft.com/office/powerpoint/2010/main" val="4036997303"/>
+      </p:ext>
+    </p:extLst>
+  </p:cSld>
+  <p:clrMapOvr>
+    <a:masterClrMapping/>
+  </p:clrMapOvr>
+</p:notes>
+</file>
+
+<file path=ppt/notesSlides/notesSlide4.xml><?xml version="1.0" encoding="utf-8"?>
+<p:notes xmlns:a="http://schemas.openxmlformats.org/drawingml/2006/main" xmlns:r="http://schemas.openxmlformats.org/officeDocument/2006/relationships" xmlns:p="http://schemas.openxmlformats.org/presentationml/2006/main">
+  <p:cSld>
+    <p:spTree>
+      <p:nvGrpSpPr>
+        <p:cNvPr id="1" name=""/>
+        <p:cNvGrpSpPr/>
+        <p:nvPr/>
+      </p:nvGrpSpPr>
+      <p:grpSpPr>
+        <a:xfrm>
+          <a:off x="0" y="0"/>
+          <a:ext cx="0" cy="0"/>
+          <a:chOff x="0" y="0"/>
+          <a:chExt cx="0" cy="0"/>
+        </a:xfrm>
+      </p:grpSpPr>
+      <p:sp>
+        <p:nvSpPr>
+          <p:cNvPr id="2" name="Slide Image Placeholder 1"/>
+          <p:cNvSpPr>
+            <a:spLocks noGrp="1" noRot="1" noChangeAspect="1"/>
+          </p:cNvSpPr>
+          <p:nvPr>
+            <p:ph type="sldImg"/>
+          </p:nvPr>
+        </p:nvSpPr>
+        <p:spPr/>
+      </p:sp>
+      <p:sp>
+        <p:nvSpPr>
+          <p:cNvPr id="3" name="Notes Placeholder 2"/>
+          <p:cNvSpPr>
+            <a:spLocks noGrp="1"/>
+          </p:cNvSpPr>
+          <p:nvPr>
+            <p:ph type="body" idx="1"/>
+          </p:nvPr>
+        </p:nvSpPr>
+        <p:spPr/>
+        <p:txBody>
+          <a:bodyPr/>
+          <a:lstStyle/>
+          <a:p>
+            <a:r>
+              <a:rPr lang="en-US" dirty="0" smtClean="0"/>
+              <a:t>Alex</a:t>
+            </a:r>
+            <a:endParaRPr lang="en-US" dirty="0"/>
+          </a:p>
+        </p:txBody>
+      </p:sp>
+      <p:sp>
+        <p:nvSpPr>
+          <p:cNvPr id="4" name="Slide Number Placeholder 3"/>
+          <p:cNvSpPr>
+            <a:spLocks noGrp="1"/>
+          </p:cNvSpPr>
+          <p:nvPr>
+            <p:ph type="sldNum" sz="quarter" idx="10"/>
+          </p:nvPr>
+        </p:nvSpPr>
+        <p:spPr/>
+        <p:txBody>
+          <a:bodyPr/>
+          <a:lstStyle/>
+          <a:p>
+            <a:fld id="{E595339F-42C5-4ABA-A714-109434CDF7B4}" type="slidenum">
+              <a:rPr lang="en-US" smtClean="0"/>
+              <a:t>4</a:t>
+            </a:fld>
+            <a:endParaRPr lang="en-US"/>
+          </a:p>
+        </p:txBody>
+      </p:sp>
+    </p:spTree>
+    <p:extLst>
+      <p:ext uri="{BB962C8B-B14F-4D97-AF65-F5344CB8AC3E}">
+        <p14:creationId xmlns:p14="http://schemas.microsoft.com/office/powerpoint/2010/main" val="4194979142"/>
+      </p:ext>
+    </p:extLst>
+  </p:cSld>
+  <p:clrMapOvr>
+    <a:masterClrMapping/>
+  </p:clrMapOvr>
+</p:notes>
+</file>
+
+<file path=ppt/notesSlides/notesSlide5.xml><?xml version="1.0" encoding="utf-8"?>
+<p:notes xmlns:a="http://schemas.openxmlformats.org/drawingml/2006/main" xmlns:r="http://schemas.openxmlformats.org/officeDocument/2006/relationships" xmlns:p="http://schemas.openxmlformats.org/presentationml/2006/main">
+  <p:cSld>
+    <p:spTree>
+      <p:nvGrpSpPr>
+        <p:cNvPr id="1" name=""/>
+        <p:cNvGrpSpPr/>
+        <p:nvPr/>
+      </p:nvGrpSpPr>
+      <p:grpSpPr>
+        <a:xfrm>
+          <a:off x="0" y="0"/>
+          <a:ext cx="0" cy="0"/>
+          <a:chOff x="0" y="0"/>
+          <a:chExt cx="0" cy="0"/>
+        </a:xfrm>
+      </p:grpSpPr>
+      <p:sp>
+        <p:nvSpPr>
+          <p:cNvPr id="2" name="Slide Image Placeholder 1"/>
+          <p:cNvSpPr>
+            <a:spLocks noGrp="1" noRot="1" noChangeAspect="1"/>
+          </p:cNvSpPr>
+          <p:nvPr>
+            <p:ph type="sldImg"/>
+          </p:nvPr>
+        </p:nvSpPr>
+        <p:spPr/>
+      </p:sp>
+      <p:sp>
+        <p:nvSpPr>
+          <p:cNvPr id="3" name="Notes Placeholder 2"/>
+          <p:cNvSpPr>
+            <a:spLocks noGrp="1"/>
+          </p:cNvSpPr>
+          <p:nvPr>
+            <p:ph type="body" idx="1"/>
+          </p:nvPr>
+        </p:nvSpPr>
+        <p:spPr/>
+        <p:txBody>
+          <a:bodyPr/>
+          <a:lstStyle/>
+          <a:p>
+            <a:r>
+              <a:rPr lang="en-US" dirty="0" smtClean="0"/>
+              <a:t>Alex</a:t>
+            </a:r>
+            <a:endParaRPr lang="en-US" dirty="0"/>
+          </a:p>
+        </p:txBody>
+      </p:sp>
+      <p:sp>
+        <p:nvSpPr>
+          <p:cNvPr id="4" name="Slide Number Placeholder 3"/>
+          <p:cNvSpPr>
+            <a:spLocks noGrp="1"/>
+          </p:cNvSpPr>
+          <p:nvPr>
+            <p:ph type="sldNum" sz="quarter" idx="10"/>
+          </p:nvPr>
+        </p:nvSpPr>
+        <p:spPr/>
+        <p:txBody>
+          <a:bodyPr/>
+          <a:lstStyle/>
+          <a:p>
+            <a:fld id="{E595339F-42C5-4ABA-A714-109434CDF7B4}" type="slidenum">
+              <a:rPr lang="en-US" smtClean="0"/>
+              <a:t>5</a:t>
+            </a:fld>
+            <a:endParaRPr lang="en-US"/>
+          </a:p>
+        </p:txBody>
+      </p:sp>
+    </p:spTree>
+    <p:extLst>
+      <p:ext uri="{BB962C8B-B14F-4D97-AF65-F5344CB8AC3E}">
+        <p14:creationId xmlns:p14="http://schemas.microsoft.com/office/powerpoint/2010/main" val="3151064593"/>
+      </p:ext>
+    </p:extLst>
+  </p:cSld>
+  <p:clrMapOvr>
+    <a:masterClrMapping/>
+  </p:clrMapOvr>
+</p:notes>
+</file>
+
+<file path=ppt/notesSlides/notesSlide6.xml><?xml version="1.0" encoding="utf-8"?>
+<p:notes xmlns:a="http://schemas.openxmlformats.org/drawingml/2006/main" xmlns:r="http://schemas.openxmlformats.org/officeDocument/2006/relationships" xmlns:p="http://schemas.openxmlformats.org/presentationml/2006/main">
+  <p:cSld>
+    <p:spTree>
+      <p:nvGrpSpPr>
+        <p:cNvPr id="1" name=""/>
+        <p:cNvGrpSpPr/>
+        <p:nvPr/>
+      </p:nvGrpSpPr>
+      <p:grpSpPr>
+        <a:xfrm>
+          <a:off x="0" y="0"/>
+          <a:ext cx="0" cy="0"/>
+          <a:chOff x="0" y="0"/>
+          <a:chExt cx="0" cy="0"/>
+        </a:xfrm>
+      </p:grpSpPr>
+      <p:sp>
+        <p:nvSpPr>
+          <p:cNvPr id="2" name="Slide Image Placeholder 1"/>
+          <p:cNvSpPr>
+            <a:spLocks noGrp="1" noRot="1" noChangeAspect="1"/>
+          </p:cNvSpPr>
+          <p:nvPr>
+            <p:ph type="sldImg"/>
+          </p:nvPr>
+        </p:nvSpPr>
+        <p:spPr/>
+      </p:sp>
+      <p:sp>
+        <p:nvSpPr>
+          <p:cNvPr id="3" name="Notes Placeholder 2"/>
+          <p:cNvSpPr>
+            <a:spLocks noGrp="1"/>
+          </p:cNvSpPr>
+          <p:nvPr>
+            <p:ph type="body" idx="1"/>
+          </p:nvPr>
+        </p:nvSpPr>
+        <p:spPr/>
+        <p:txBody>
+          <a:bodyPr/>
+          <a:lstStyle/>
+          <a:p>
+            <a:r>
+              <a:rPr lang="en-US" dirty="0" smtClean="0"/>
+              <a:t>Alex</a:t>
+            </a:r>
+            <a:endParaRPr lang="en-US" dirty="0"/>
+          </a:p>
+        </p:txBody>
+      </p:sp>
+      <p:sp>
+        <p:nvSpPr>
+          <p:cNvPr id="4" name="Slide Number Placeholder 3"/>
+          <p:cNvSpPr>
+            <a:spLocks noGrp="1"/>
+          </p:cNvSpPr>
+          <p:nvPr>
+            <p:ph type="sldNum" sz="quarter" idx="10"/>
+          </p:nvPr>
+        </p:nvSpPr>
+        <p:spPr/>
+        <p:txBody>
+          <a:bodyPr/>
+          <a:lstStyle/>
+          <a:p>
+            <a:fld id="{E595339F-42C5-4ABA-A714-109434CDF7B4}" type="slidenum">
+              <a:rPr lang="en-US" smtClean="0"/>
+              <a:t>6</a:t>
+            </a:fld>
+            <a:endParaRPr lang="en-US"/>
+          </a:p>
+        </p:txBody>
+      </p:sp>
+    </p:spTree>
+    <p:extLst>
+      <p:ext uri="{BB962C8B-B14F-4D97-AF65-F5344CB8AC3E}">
+        <p14:creationId xmlns:p14="http://schemas.microsoft.com/office/powerpoint/2010/main" val="3066396784"/>
+      </p:ext>
+    </p:extLst>
+  </p:cSld>
+  <p:clrMapOvr>
+    <a:masterClrMapping/>
+  </p:clrMapOvr>
+</p:notes>
+</file>
+
+<file path=ppt/notesSlides/notesSlide7.xml><?xml version="1.0" encoding="utf-8"?>
+<p:notes xmlns:a="http://schemas.openxmlformats.org/drawingml/2006/main" xmlns:r="http://schemas.openxmlformats.org/officeDocument/2006/relationships" xmlns:p="http://schemas.openxmlformats.org/presentationml/2006/main">
+  <p:cSld>
+    <p:spTree>
+      <p:nvGrpSpPr>
+        <p:cNvPr id="1" name=""/>
+        <p:cNvGrpSpPr/>
+        <p:nvPr/>
+      </p:nvGrpSpPr>
+      <p:grpSpPr>
+        <a:xfrm>
+          <a:off x="0" y="0"/>
+          <a:ext cx="0" cy="0"/>
+          <a:chOff x="0" y="0"/>
+          <a:chExt cx="0" cy="0"/>
+        </a:xfrm>
+      </p:grpSpPr>
+      <p:sp>
+        <p:nvSpPr>
+          <p:cNvPr id="2" name="Slide Image Placeholder 1"/>
+          <p:cNvSpPr>
+            <a:spLocks noGrp="1" noRot="1" noChangeAspect="1"/>
+          </p:cNvSpPr>
+          <p:nvPr>
+            <p:ph type="sldImg"/>
+          </p:nvPr>
+        </p:nvSpPr>
+        <p:spPr/>
+      </p:sp>
+      <p:sp>
+        <p:nvSpPr>
+          <p:cNvPr id="3" name="Notes Placeholder 2"/>
+          <p:cNvSpPr>
+            <a:spLocks noGrp="1"/>
+          </p:cNvSpPr>
+          <p:nvPr>
+            <p:ph type="body" idx="1"/>
+          </p:nvPr>
+        </p:nvSpPr>
+        <p:spPr/>
+        <p:txBody>
+          <a:bodyPr/>
+          <a:lstStyle/>
+          <a:p>
+            <a:r>
+              <a:rPr lang="en-US" dirty="0" smtClean="0"/>
+              <a:t>Ryne</a:t>
+            </a:r>
+            <a:endParaRPr lang="en-US" dirty="0"/>
+          </a:p>
+        </p:txBody>
+      </p:sp>
+      <p:sp>
+        <p:nvSpPr>
+          <p:cNvPr id="4" name="Slide Number Placeholder 3"/>
+          <p:cNvSpPr>
+            <a:spLocks noGrp="1"/>
+          </p:cNvSpPr>
+          <p:nvPr>
+            <p:ph type="sldNum" sz="quarter" idx="10"/>
+          </p:nvPr>
+        </p:nvSpPr>
+        <p:spPr/>
+        <p:txBody>
+          <a:bodyPr/>
+          <a:lstStyle/>
+          <a:p>
+            <a:fld id="{E595339F-42C5-4ABA-A714-109434CDF7B4}" type="slidenum">
+              <a:rPr lang="en-US" smtClean="0"/>
+              <a:t>7</a:t>
+            </a:fld>
+            <a:endParaRPr lang="en-US"/>
+          </a:p>
+        </p:txBody>
+      </p:sp>
+    </p:spTree>
+    <p:extLst>
+      <p:ext uri="{BB962C8B-B14F-4D97-AF65-F5344CB8AC3E}">
+        <p14:creationId xmlns:p14="http://schemas.microsoft.com/office/powerpoint/2010/main" val="979498158"/>
+      </p:ext>
+    </p:extLst>
+  </p:cSld>
+  <p:clrMapOvr>
+    <a:masterClrMapping/>
+  </p:clrMapOvr>
+</p:notes>
+</file>
+
+<file path=ppt/notesSlides/notesSlide8.xml><?xml version="1.0" encoding="utf-8"?>
+<p:notes xmlns:a="http://schemas.openxmlformats.org/drawingml/2006/main" xmlns:r="http://schemas.openxmlformats.org/officeDocument/2006/relationships" xmlns:p="http://schemas.openxmlformats.org/presentationml/2006/main">
+  <p:cSld>
+    <p:spTree>
+      <p:nvGrpSpPr>
+        <p:cNvPr id="1" name=""/>
+        <p:cNvGrpSpPr/>
+        <p:nvPr/>
+      </p:nvGrpSpPr>
+      <p:grpSpPr>
+        <a:xfrm>
+          <a:off x="0" y="0"/>
+          <a:ext cx="0" cy="0"/>
+          <a:chOff x="0" y="0"/>
+          <a:chExt cx="0" cy="0"/>
+        </a:xfrm>
+      </p:grpSpPr>
+      <p:sp>
+        <p:nvSpPr>
+          <p:cNvPr id="2" name="Slide Image Placeholder 1"/>
+          <p:cNvSpPr>
+            <a:spLocks noGrp="1" noRot="1" noChangeAspect="1"/>
+          </p:cNvSpPr>
+          <p:nvPr>
+            <p:ph type="sldImg"/>
+          </p:nvPr>
+        </p:nvSpPr>
+        <p:spPr/>
+      </p:sp>
+      <p:sp>
+        <p:nvSpPr>
+          <p:cNvPr id="3" name="Notes Placeholder 2"/>
+          <p:cNvSpPr>
+            <a:spLocks noGrp="1"/>
+          </p:cNvSpPr>
+          <p:nvPr>
+            <p:ph type="body" idx="1"/>
+          </p:nvPr>
+        </p:nvSpPr>
+        <p:spPr/>
+        <p:txBody>
+          <a:bodyPr/>
+          <a:lstStyle/>
+          <a:p>
+            <a:r>
+              <a:rPr lang="en-US" dirty="0" smtClean="0"/>
+              <a:t>Ryne</a:t>
+            </a:r>
+            <a:endParaRPr lang="en-US" dirty="0"/>
+          </a:p>
+        </p:txBody>
+      </p:sp>
+      <p:sp>
+        <p:nvSpPr>
+          <p:cNvPr id="4" name="Slide Number Placeholder 3"/>
+          <p:cNvSpPr>
+            <a:spLocks noGrp="1"/>
+          </p:cNvSpPr>
+          <p:nvPr>
+            <p:ph type="sldNum" sz="quarter" idx="10"/>
+          </p:nvPr>
+        </p:nvSpPr>
+        <p:spPr/>
+        <p:txBody>
+          <a:bodyPr/>
+          <a:lstStyle/>
+          <a:p>
+            <a:fld id="{E595339F-42C5-4ABA-A714-109434CDF7B4}" type="slidenum">
+              <a:rPr lang="en-US" smtClean="0"/>
+              <a:t>8</a:t>
+            </a:fld>
+            <a:endParaRPr lang="en-US"/>
+          </a:p>
+        </p:txBody>
+      </p:sp>
+    </p:spTree>
+    <p:extLst>
+      <p:ext uri="{BB962C8B-B14F-4D97-AF65-F5344CB8AC3E}">
+        <p14:creationId xmlns:p14="http://schemas.microsoft.com/office/powerpoint/2010/main" val="2565654804"/>
+      </p:ext>
+    </p:extLst>
+  </p:cSld>
+  <p:clrMapOvr>
+    <a:masterClrMapping/>
+  </p:clrMapOvr>
+</p:notes>
+</file>
+
+<file path=ppt/notesSlides/notesSlide9.xml><?xml version="1.0" encoding="utf-8"?>
+<p:notes xmlns:a="http://schemas.openxmlformats.org/drawingml/2006/main" xmlns:r="http://schemas.openxmlformats.org/officeDocument/2006/relationships" xmlns:p="http://schemas.openxmlformats.org/presentationml/2006/main">
+  <p:cSld>
+    <p:spTree>
+      <p:nvGrpSpPr>
+        <p:cNvPr id="1" name=""/>
+        <p:cNvGrpSpPr/>
+        <p:nvPr/>
+      </p:nvGrpSpPr>
+      <p:grpSpPr>
+        <a:xfrm>
+          <a:off x="0" y="0"/>
+          <a:ext cx="0" cy="0"/>
+          <a:chOff x="0" y="0"/>
+          <a:chExt cx="0" cy="0"/>
+        </a:xfrm>
+      </p:grpSpPr>
+      <p:sp>
+        <p:nvSpPr>
+          <p:cNvPr id="2" name="Slide Image Placeholder 1"/>
+          <p:cNvSpPr>
+            <a:spLocks noGrp="1" noRot="1" noChangeAspect="1"/>
+          </p:cNvSpPr>
+          <p:nvPr>
+            <p:ph type="sldImg"/>
+          </p:nvPr>
+        </p:nvSpPr>
+        <p:spPr/>
+      </p:sp>
+      <p:sp>
+        <p:nvSpPr>
+          <p:cNvPr id="3" name="Notes Placeholder 2"/>
+          <p:cNvSpPr>
+            <a:spLocks noGrp="1"/>
+          </p:cNvSpPr>
+          <p:nvPr>
+            <p:ph type="body" idx="1"/>
+          </p:nvPr>
+        </p:nvSpPr>
+        <p:spPr/>
+        <p:txBody>
+          <a:bodyPr/>
+          <a:lstStyle/>
+          <a:p>
+            <a:r>
+              <a:rPr lang="en-US" dirty="0" smtClean="0"/>
+              <a:t>SRC: </a:t>
+            </a:r>
+            <a:r>
+              <a:rPr lang="en-US" dirty="0" smtClean="0">
+                <a:hlinkClick r:id="rId3"/>
+              </a:rPr>
+              <a:t>http://venturebeat.com/2011/11/10/valve-steam-service-experiences-security-breach/</a:t>
+            </a:r>
+            <a:endParaRPr lang="en-US" dirty="0" smtClean="0"/>
+          </a:p>
+          <a:p>
+            <a:r>
+              <a:rPr lang="en-US" dirty="0" smtClean="0"/>
+              <a:t>Rob</a:t>
+            </a:r>
+            <a:endParaRPr lang="en-US" dirty="0"/>
+          </a:p>
+        </p:txBody>
+      </p:sp>
+      <p:sp>
+        <p:nvSpPr>
+          <p:cNvPr id="4" name="Slide Number Placeholder 3"/>
+          <p:cNvSpPr>
+            <a:spLocks noGrp="1"/>
+          </p:cNvSpPr>
+          <p:nvPr>
+            <p:ph type="sldNum" sz="quarter" idx="10"/>
+          </p:nvPr>
+        </p:nvSpPr>
+        <p:spPr/>
+        <p:txBody>
+          <a:bodyPr/>
+          <a:lstStyle/>
+          <a:p>
+            <a:fld id="{E595339F-42C5-4ABA-A714-109434CDF7B4}" type="slidenum">
+              <a:rPr lang="en-US" smtClean="0"/>
+              <a:t>9</a:t>
+            </a:fld>
+            <a:endParaRPr lang="en-US"/>
+          </a:p>
+        </p:txBody>
+      </p:sp>
+    </p:spTree>
+    <p:extLst>
+      <p:ext uri="{BB962C8B-B14F-4D97-AF65-F5344CB8AC3E}">
+        <p14:creationId xmlns:p14="http://schemas.microsoft.com/office/powerpoint/2010/main" val="1558670730"/>
+      </p:ext>
+    </p:extLst>
+  </p:cSld>
+  <p:clrMapOvr>
+    <a:masterClrMapping/>
+  </p:clrMapOvr>
+</p:notes>
+</file>
+
 <file path=ppt/slideLayouts/slideLayout1.xml><?xml version="1.0" encoding="utf-8"?>
-<p:sldLayout xmlns:a="http://schemas.openxmlformats.org/drawingml/2006/main" xmlns:r="http://schemas.openxmlformats.org/officeDocument/2006/relationships" xmlns:p="http://schemas.openxmlformats.org/presentationml/2006/main" type="title" preserve="1">
+<p:sldLayout xmlns:a="http://schemas.openxmlformats.org/drawingml/2006/main" xmlns:r="http://schemas.openxmlformats.org/officeDocument/2006/relationships" xmlns:p="http://schemas.openxmlformats.org/presentationml/2006/main" showMasterSp="0" type="title" preserve="1">
   <p:cSld name="Title Slide">
     <p:spTree>
       <p:nvGrpSpPr>
@@ -133,30 +2295,92 @@
           <a:chExt cx="0" cy="0"/>
         </a:xfrm>
       </p:grpSpPr>
-      <p:sp>
-        <p:nvSpPr>
-          <p:cNvPr id="2" name="Title 1"/>
-          <p:cNvSpPr>
-            <a:spLocks noGrp="1"/>
-          </p:cNvSpPr>
-          <p:nvPr>
-            <p:ph type="ctrTitle"/>
-          </p:nvPr>
-        </p:nvSpPr>
+      <p:pic>
+        <p:nvPicPr>
+          <p:cNvPr id="7" name="Picture 6" descr="horizon.png"/>
+          <p:cNvPicPr>
+            <a:picLocks noChangeAspect="1"/>
+          </p:cNvPicPr>
+          <p:nvPr/>
+        </p:nvPicPr>
+        <p:blipFill>
+          <a:blip r:embed="rId2" cstate="print"/>
+          <a:srcRect t="33333"/>
+          <a:stretch>
+            <a:fillRect/>
+          </a:stretch>
+        </p:blipFill>
         <p:spPr>
           <a:xfrm>
-            <a:off x="685800" y="2130425"/>
-            <a:ext cx="7772400" cy="1470025"/>
+            <a:off x="0" y="0"/>
+            <a:ext cx="9144000" cy="4572000"/>
           </a:xfrm>
+          <a:prstGeom prst="rect">
+            <a:avLst/>
+          </a:prstGeom>
         </p:spPr>
-        <p:txBody>
-          <a:bodyPr/>
-          <a:lstStyle/>
-          <a:p>
-            <a:r>
-              <a:rPr lang="en-US" smtClean="0"/>
-              <a:t>Click to edit Master title style</a:t>
-            </a:r>
+      </p:pic>
+      <p:sp>
+        <p:nvSpPr>
+          <p:cNvPr id="4" name="Date Placeholder 3"/>
+          <p:cNvSpPr>
+            <a:spLocks noGrp="1"/>
+          </p:cNvSpPr>
+          <p:nvPr>
+            <p:ph type="dt" sz="half" idx="10"/>
+          </p:nvPr>
+        </p:nvSpPr>
+        <p:spPr/>
+        <p:txBody>
+          <a:bodyPr/>
+          <a:lstStyle/>
+          <a:p>
+            <a:fld id="{9BF0437B-958D-4ACD-BC9D-5A6BF09C5E94}" type="datetimeFigureOut">
+              <a:rPr lang="en-US" smtClean="0"/>
+              <a:t>5/7/2012</a:t>
+            </a:fld>
+            <a:endParaRPr lang="en-US"/>
+          </a:p>
+        </p:txBody>
+      </p:sp>
+      <p:sp>
+        <p:nvSpPr>
+          <p:cNvPr id="5" name="Footer Placeholder 4"/>
+          <p:cNvSpPr>
+            <a:spLocks noGrp="1"/>
+          </p:cNvSpPr>
+          <p:nvPr>
+            <p:ph type="ftr" sz="quarter" idx="11"/>
+          </p:nvPr>
+        </p:nvSpPr>
+        <p:spPr/>
+        <p:txBody>
+          <a:bodyPr/>
+          <a:lstStyle/>
+          <a:p>
+            <a:endParaRPr lang="en-US"/>
+          </a:p>
+        </p:txBody>
+      </p:sp>
+      <p:sp>
+        <p:nvSpPr>
+          <p:cNvPr id="6" name="Slide Number Placeholder 5"/>
+          <p:cNvSpPr>
+            <a:spLocks noGrp="1"/>
+          </p:cNvSpPr>
+          <p:nvPr>
+            <p:ph type="sldNum" sz="quarter" idx="12"/>
+          </p:nvPr>
+        </p:nvSpPr>
+        <p:spPr/>
+        <p:txBody>
+          <a:bodyPr/>
+          <a:lstStyle/>
+          <a:p>
+            <a:fld id="{223BFC71-1C03-4457-81A6-9A8B92F78357}" type="slidenum">
+              <a:rPr lang="en-US" smtClean="0"/>
+              <a:t>‹#›</a:t>
+            </a:fld>
             <a:endParaRPr lang="en-US"/>
           </a:p>
         </p:txBody>
@@ -173,20 +2397,20 @@
         </p:nvSpPr>
         <p:spPr>
           <a:xfrm>
-            <a:off x="1371600" y="3886200"/>
+            <a:off x="1219200" y="3886200"/>
             <a:ext cx="6400800" cy="1752600"/>
           </a:xfrm>
         </p:spPr>
         <p:txBody>
-          <a:bodyPr/>
+          <a:bodyPr>
+            <a:normAutofit/>
+          </a:bodyPr>
           <a:lstStyle>
             <a:lvl1pPr marL="0" indent="0" algn="ctr">
               <a:buNone/>
-              <a:defRPr>
+              <a:defRPr sz="1700" baseline="0">
                 <a:solidFill>
-                  <a:schemeClr val="tx1">
-                    <a:tint val="75000"/>
-                  </a:schemeClr>
+                  <a:schemeClr val="tx2"/>
                 </a:solidFill>
               </a:defRPr>
             </a:lvl1pPr>
@@ -276,81 +2500,43 @@
               <a:rPr lang="en-US" smtClean="0"/>
               <a:t>Click to edit Master subtitle style</a:t>
             </a:r>
-            <a:endParaRPr lang="en-US"/>
-          </a:p>
-        </p:txBody>
-      </p:sp>
-      <p:sp>
-        <p:nvSpPr>
-          <p:cNvPr id="4" name="Date Placeholder 3"/>
-          <p:cNvSpPr>
-            <a:spLocks noGrp="1"/>
-          </p:cNvSpPr>
-          <p:nvPr>
-            <p:ph type="dt" sz="half" idx="10"/>
-          </p:nvPr>
-        </p:nvSpPr>
-        <p:spPr/>
-        <p:txBody>
-          <a:bodyPr/>
-          <a:lstStyle/>
-          <a:p>
-            <a:fld id="{9BF0437B-958D-4ACD-BC9D-5A6BF09C5E94}" type="datetimeFigureOut">
-              <a:rPr lang="en-US" smtClean="0"/>
-              <a:t>5/6/2012</a:t>
-            </a:fld>
-            <a:endParaRPr lang="en-US"/>
-          </a:p>
-        </p:txBody>
-      </p:sp>
-      <p:sp>
-        <p:nvSpPr>
-          <p:cNvPr id="5" name="Footer Placeholder 4"/>
-          <p:cNvSpPr>
-            <a:spLocks noGrp="1"/>
-          </p:cNvSpPr>
-          <p:nvPr>
-            <p:ph type="ftr" sz="quarter" idx="11"/>
-          </p:nvPr>
-        </p:nvSpPr>
-        <p:spPr/>
-        <p:txBody>
-          <a:bodyPr/>
-          <a:lstStyle/>
-          <a:p>
-            <a:endParaRPr lang="en-US"/>
-          </a:p>
-        </p:txBody>
-      </p:sp>
-      <p:sp>
-        <p:nvSpPr>
-          <p:cNvPr id="6" name="Slide Number Placeholder 5"/>
-          <p:cNvSpPr>
-            <a:spLocks noGrp="1"/>
-          </p:cNvSpPr>
-          <p:nvPr>
-            <p:ph type="sldNum" sz="quarter" idx="12"/>
-          </p:nvPr>
-        </p:nvSpPr>
-        <p:spPr/>
-        <p:txBody>
-          <a:bodyPr/>
-          <a:lstStyle/>
-          <a:p>
-            <a:fld id="{223BFC71-1C03-4457-81A6-9A8B92F78357}" type="slidenum">
-              <a:rPr lang="en-US" smtClean="0"/>
-              <a:t>‹#›</a:t>
-            </a:fld>
-            <a:endParaRPr lang="en-US"/>
+            <a:endParaRPr lang="en-US" dirty="0"/>
+          </a:p>
+        </p:txBody>
+      </p:sp>
+      <p:sp>
+        <p:nvSpPr>
+          <p:cNvPr id="2" name="Title 1"/>
+          <p:cNvSpPr>
+            <a:spLocks noGrp="1"/>
+          </p:cNvSpPr>
+          <p:nvPr>
+            <p:ph type="ctrTitle"/>
+          </p:nvPr>
+        </p:nvSpPr>
+        <p:spPr>
+          <a:xfrm>
+            <a:off x="685800" y="2007888"/>
+            <a:ext cx="7772400" cy="1470025"/>
+          </a:xfrm>
+        </p:spPr>
+        <p:txBody>
+          <a:bodyPr/>
+          <a:lstStyle>
+            <a:lvl1pPr algn="ctr">
+              <a:defRPr sz="3200"/>
+            </a:lvl1pPr>
+          </a:lstStyle>
+          <a:p>
+            <a:r>
+              <a:rPr lang="en-US" smtClean="0"/>
+              <a:t>Click to edit Master title style</a:t>
+            </a:r>
+            <a:endParaRPr lang="en-US" dirty="0"/>
           </a:p>
         </p:txBody>
       </p:sp>
     </p:spTree>
-    <p:extLst>
-      <p:ext uri="{BB962C8B-B14F-4D97-AF65-F5344CB8AC3E}">
-        <p14:creationId xmlns:p14="http://schemas.microsoft.com/office/powerpoint/2010/main" val="3548230697"/>
-      </p:ext>
-    </p:extLst>
   </p:cSld>
   <p:clrMapOvr>
     <a:masterClrMapping/>
@@ -394,64 +2580,64 @@
               <a:rPr lang="en-US" smtClean="0"/>
               <a:t>Click to edit Master title style</a:t>
             </a:r>
+            <a:endParaRPr lang="en-US" dirty="0"/>
+          </a:p>
+        </p:txBody>
+      </p:sp>
+      <p:sp>
+        <p:nvSpPr>
+          <p:cNvPr id="3" name="Vertical Text Placeholder 2"/>
+          <p:cNvSpPr>
+            <a:spLocks noGrp="1"/>
+          </p:cNvSpPr>
+          <p:nvPr>
+            <p:ph type="body" orient="vert" idx="1"/>
+          </p:nvPr>
+        </p:nvSpPr>
+        <p:spPr/>
+        <p:txBody>
+          <a:bodyPr vert="eaVert"/>
+          <a:lstStyle/>
+          <a:p>
+            <a:pPr lvl="0"/>
+            <a:r>
+              <a:rPr lang="en-US" smtClean="0"/>
+              <a:t>Click to edit Master text styles</a:t>
+            </a:r>
+          </a:p>
+          <a:p>
+            <a:pPr lvl="1"/>
+            <a:r>
+              <a:rPr lang="en-US" smtClean="0"/>
+              <a:t>Second level</a:t>
+            </a:r>
+          </a:p>
+          <a:p>
+            <a:pPr lvl="2"/>
+            <a:r>
+              <a:rPr lang="en-US" smtClean="0"/>
+              <a:t>Third level</a:t>
+            </a:r>
+          </a:p>
+          <a:p>
+            <a:pPr lvl="3"/>
+            <a:r>
+              <a:rPr lang="en-US" smtClean="0"/>
+              <a:t>Fourth level</a:t>
+            </a:r>
+          </a:p>
+          <a:p>
+            <a:pPr lvl="4"/>
+            <a:r>
+              <a:rPr lang="en-US" smtClean="0"/>
+              <a:t>Fifth level</a:t>
+            </a:r>
             <a:endParaRPr lang="en-US"/>
           </a:p>
         </p:txBody>
       </p:sp>
       <p:sp>
         <p:nvSpPr>
-          <p:cNvPr id="3" name="Vertical Text Placeholder 2"/>
-          <p:cNvSpPr>
-            <a:spLocks noGrp="1"/>
-          </p:cNvSpPr>
-          <p:nvPr>
-            <p:ph type="body" orient="vert" idx="1"/>
-          </p:nvPr>
-        </p:nvSpPr>
-        <p:spPr/>
-        <p:txBody>
-          <a:bodyPr vert="eaVert"/>
-          <a:lstStyle/>
-          <a:p>
-            <a:pPr lvl="0"/>
-            <a:r>
-              <a:rPr lang="en-US" smtClean="0"/>
-              <a:t>Click to edit Master text styles</a:t>
-            </a:r>
-          </a:p>
-          <a:p>
-            <a:pPr lvl="1"/>
-            <a:r>
-              <a:rPr lang="en-US" smtClean="0"/>
-              <a:t>Second level</a:t>
-            </a:r>
-          </a:p>
-          <a:p>
-            <a:pPr lvl="2"/>
-            <a:r>
-              <a:rPr lang="en-US" smtClean="0"/>
-              <a:t>Third level</a:t>
-            </a:r>
-          </a:p>
-          <a:p>
-            <a:pPr lvl="3"/>
-            <a:r>
-              <a:rPr lang="en-US" smtClean="0"/>
-              <a:t>Fourth level</a:t>
-            </a:r>
-          </a:p>
-          <a:p>
-            <a:pPr lvl="4"/>
-            <a:r>
-              <a:rPr lang="en-US" smtClean="0"/>
-              <a:t>Fifth level</a:t>
-            </a:r>
-            <a:endParaRPr lang="en-US"/>
-          </a:p>
-        </p:txBody>
-      </p:sp>
-      <p:sp>
-        <p:nvSpPr>
           <p:cNvPr id="4" name="Date Placeholder 3"/>
           <p:cNvSpPr>
             <a:spLocks noGrp="1"/>
@@ -467,7 +2653,7 @@
           <a:p>
             <a:fld id="{9BF0437B-958D-4ACD-BC9D-5A6BF09C5E94}" type="datetimeFigureOut">
               <a:rPr lang="en-US" smtClean="0"/>
-              <a:t>5/6/2012</a:t>
+              <a:t>5/7/2012</a:t>
             </a:fld>
             <a:endParaRPr lang="en-US"/>
           </a:p>
@@ -516,11 +2702,6 @@
         </p:txBody>
       </p:sp>
     </p:spTree>
-    <p:extLst>
-      <p:ext uri="{BB962C8B-B14F-4D97-AF65-F5344CB8AC3E}">
-        <p14:creationId xmlns:p14="http://schemas.microsoft.com/office/powerpoint/2010/main" val="3300446057"/>
-      </p:ext>
-    </p:extLst>
   </p:cSld>
   <p:clrMapOvr>
     <a:masterClrMapping/>
@@ -569,7 +2750,7 @@
               <a:rPr lang="en-US" smtClean="0"/>
               <a:t>Click to edit Master title style</a:t>
             </a:r>
-            <a:endParaRPr lang="en-US"/>
+            <a:endParaRPr lang="en-US" dirty="0"/>
           </a:p>
         </p:txBody>
       </p:sp>
@@ -647,7 +2828,7 @@
           <a:p>
             <a:fld id="{9BF0437B-958D-4ACD-BC9D-5A6BF09C5E94}" type="datetimeFigureOut">
               <a:rPr lang="en-US" smtClean="0"/>
-              <a:t>5/6/2012</a:t>
+              <a:t>5/7/2012</a:t>
             </a:fld>
             <a:endParaRPr lang="en-US"/>
           </a:p>
@@ -696,11 +2877,6 @@
         </p:txBody>
       </p:sp>
     </p:spTree>
-    <p:extLst>
-      <p:ext uri="{BB962C8B-B14F-4D97-AF65-F5344CB8AC3E}">
-        <p14:creationId xmlns:p14="http://schemas.microsoft.com/office/powerpoint/2010/main" val="3288067446"/>
-      </p:ext>
-    </p:extLst>
   </p:cSld>
   <p:clrMapOvr>
     <a:masterClrMapping/>
@@ -735,7 +2911,12 @@
             <p:ph type="title"/>
           </p:nvPr>
         </p:nvSpPr>
-        <p:spPr/>
+        <p:spPr>
+          <a:xfrm>
+            <a:off x="609600" y="274638"/>
+            <a:ext cx="7924800" cy="1143000"/>
+          </a:xfrm>
+        </p:spPr>
         <p:txBody>
           <a:bodyPr/>
           <a:lstStyle/>
@@ -744,59 +2925,7 @@
               <a:rPr lang="en-US" smtClean="0"/>
               <a:t>Click to edit Master title style</a:t>
             </a:r>
-            <a:endParaRPr lang="en-US"/>
-          </a:p>
-        </p:txBody>
-      </p:sp>
-      <p:sp>
-        <p:nvSpPr>
-          <p:cNvPr id="3" name="Content Placeholder 2"/>
-          <p:cNvSpPr>
-            <a:spLocks noGrp="1"/>
-          </p:cNvSpPr>
-          <p:nvPr>
-            <p:ph idx="1"/>
-          </p:nvPr>
-        </p:nvSpPr>
-        <p:spPr/>
-        <p:txBody>
-          <a:bodyPr/>
-          <a:lstStyle/>
-          <a:p>
-            <a:pPr lvl="0"/>
-            <a:r>
-              <a:rPr lang="en-US" smtClean="0"/>
-              <a:t>Click to edit Master text styles</a:t>
-            </a:r>
-          </a:p>
-          <a:p>
-            <a:pPr lvl="1"/>
-            <a:r>
-              <a:rPr lang="en-US" smtClean="0"/>
-              <a:t>Second level</a:t>
-            </a:r>
-          </a:p>
-          <a:p>
-            <a:pPr lvl="2"/>
-            <a:r>
-              <a:rPr lang="en-US" smtClean="0"/>
-              <a:t>Third level</a:t>
-            </a:r>
-          </a:p>
-          <a:p>
-            <a:pPr lvl="3"/>
-            <a:r>
-              <a:rPr lang="en-US" smtClean="0"/>
-              <a:t>Fourth level</a:t>
-            </a:r>
-          </a:p>
-          <a:p>
-            <a:pPr lvl="4"/>
-            <a:r>
-              <a:rPr lang="en-US" smtClean="0"/>
-              <a:t>Fifth level</a:t>
-            </a:r>
-            <a:endParaRPr lang="en-US"/>
+            <a:endParaRPr lang="en-US" dirty="0"/>
           </a:p>
         </p:txBody>
       </p:sp>
@@ -817,7 +2946,7 @@
           <a:p>
             <a:fld id="{9BF0437B-958D-4ACD-BC9D-5A6BF09C5E94}" type="datetimeFigureOut">
               <a:rPr lang="en-US" smtClean="0"/>
-              <a:t>5/6/2012</a:t>
+              <a:t>5/7/2012</a:t>
             </a:fld>
             <a:endParaRPr lang="en-US"/>
           </a:p>
@@ -865,12 +2994,64 @@
           </a:p>
         </p:txBody>
       </p:sp>
+      <p:sp>
+        <p:nvSpPr>
+          <p:cNvPr id="8" name="Content Placeholder 7"/>
+          <p:cNvSpPr>
+            <a:spLocks noGrp="1"/>
+          </p:cNvSpPr>
+          <p:nvPr>
+            <p:ph sz="quarter" idx="13"/>
+          </p:nvPr>
+        </p:nvSpPr>
+        <p:spPr>
+          <a:xfrm>
+            <a:off x="609600" y="1600200"/>
+            <a:ext cx="7924800" cy="4114800"/>
+          </a:xfrm>
+        </p:spPr>
+        <p:txBody>
+          <a:bodyPr/>
+          <a:lstStyle/>
+          <a:p>
+            <a:pPr lvl="0"/>
+            <a:r>
+              <a:rPr lang="en-US" smtClean="0"/>
+              <a:t>Click to edit Master text styles</a:t>
+            </a:r>
+          </a:p>
+          <a:p>
+            <a:pPr lvl="1"/>
+            <a:r>
+              <a:rPr lang="en-US" smtClean="0"/>
+              <a:t>Second level</a:t>
+            </a:r>
+          </a:p>
+          <a:p>
+            <a:pPr lvl="2"/>
+            <a:r>
+              <a:rPr lang="en-US" smtClean="0"/>
+              <a:t>Third level</a:t>
+            </a:r>
+          </a:p>
+          <a:p>
+            <a:pPr lvl="3"/>
+            <a:r>
+              <a:rPr lang="en-US" smtClean="0"/>
+              <a:t>Fourth level</a:t>
+            </a:r>
+          </a:p>
+          <a:p>
+            <a:pPr lvl="4"/>
+            <a:r>
+              <a:rPr lang="en-US" smtClean="0"/>
+              <a:t>Fifth level</a:t>
+            </a:r>
+            <a:endParaRPr lang="en-US" dirty="0"/>
+          </a:p>
+        </p:txBody>
+      </p:sp>
     </p:spTree>
-    <p:extLst>
-      <p:ext uri="{BB962C8B-B14F-4D97-AF65-F5344CB8AC3E}">
-        <p14:creationId xmlns:p14="http://schemas.microsoft.com/office/powerpoint/2010/main" val="3798279289"/>
-      </p:ext>
-    </p:extLst>
   </p:cSld>
   <p:clrMapOvr>
     <a:masterClrMapping/>
@@ -879,7 +3060,7 @@
 </file>
 
 <file path=ppt/slideLayouts/slideLayout3.xml><?xml version="1.0" encoding="utf-8"?>
-<p:sldLayout xmlns:a="http://schemas.openxmlformats.org/drawingml/2006/main" xmlns:r="http://schemas.openxmlformats.org/officeDocument/2006/relationships" xmlns:p="http://schemas.openxmlformats.org/presentationml/2006/main" type="secHead" preserve="1">
+<p:sldLayout xmlns:a="http://schemas.openxmlformats.org/drawingml/2006/main" xmlns:r="http://schemas.openxmlformats.org/officeDocument/2006/relationships" xmlns:p="http://schemas.openxmlformats.org/presentationml/2006/main" showMasterSp="0" type="secHead" preserve="1">
   <p:cSld name="Section Header">
     <p:spTree>
       <p:nvGrpSpPr>
@@ -907,15 +3088,15 @@
         </p:nvSpPr>
         <p:spPr>
           <a:xfrm>
-            <a:off x="722313" y="4406900"/>
-            <a:ext cx="7772400" cy="1362075"/>
+            <a:off x="609600" y="4962525"/>
+            <a:ext cx="7885113" cy="1362075"/>
           </a:xfrm>
         </p:spPr>
         <p:txBody>
           <a:bodyPr anchor="t"/>
           <a:lstStyle>
             <a:lvl1pPr algn="l">
-              <a:defRPr sz="4000" b="1" cap="all"/>
+              <a:defRPr sz="3200" b="0" i="0" cap="all" baseline="0"/>
             </a:lvl1pPr>
           </a:lstStyle>
           <a:p>
@@ -923,7 +3104,7 @@
               <a:rPr lang="en-US" smtClean="0"/>
               <a:t>Click to edit Master title style</a:t>
             </a:r>
-            <a:endParaRPr lang="en-US"/>
+            <a:endParaRPr lang="en-US" dirty="0"/>
           </a:p>
         </p:txBody>
       </p:sp>
@@ -939,20 +3120,20 @@
         </p:nvSpPr>
         <p:spPr>
           <a:xfrm>
-            <a:off x="722313" y="2906713"/>
-            <a:ext cx="7772400" cy="1500187"/>
+            <a:off x="609600" y="3462338"/>
+            <a:ext cx="7885113" cy="1500187"/>
           </a:xfrm>
         </p:spPr>
         <p:txBody>
-          <a:bodyPr anchor="b"/>
+          <a:bodyPr anchor="b">
+            <a:normAutofit/>
+          </a:bodyPr>
           <a:lstStyle>
             <a:lvl1pPr marL="0" indent="0">
               <a:buNone/>
-              <a:defRPr sz="2000">
+              <a:defRPr sz="1700" baseline="0">
                 <a:solidFill>
-                  <a:schemeClr val="tx1">
-                    <a:tint val="75000"/>
-                  </a:schemeClr>
+                  <a:schemeClr val="tx2"/>
                 </a:solidFill>
               </a:defRPr>
             </a:lvl1pPr>
@@ -1063,7 +3244,7 @@
           <a:p>
             <a:fld id="{9BF0437B-958D-4ACD-BC9D-5A6BF09C5E94}" type="datetimeFigureOut">
               <a:rPr lang="en-US" smtClean="0"/>
-              <a:t>5/6/2012</a:t>
+              <a:t>5/7/2012</a:t>
             </a:fld>
             <a:endParaRPr lang="en-US"/>
           </a:p>
@@ -1112,11 +3293,6 @@
         </p:txBody>
       </p:sp>
     </p:spTree>
-    <p:extLst>
-      <p:ext uri="{BB962C8B-B14F-4D97-AF65-F5344CB8AC3E}">
-        <p14:creationId xmlns:p14="http://schemas.microsoft.com/office/powerpoint/2010/main" val="4041635884"/>
-      </p:ext>
-    </p:extLst>
   </p:cSld>
   <p:clrMapOvr>
     <a:masterClrMapping/>
@@ -1143,72 +3319,57 @@
       </p:grpSpPr>
       <p:sp>
         <p:nvSpPr>
-          <p:cNvPr id="2" name="Title 1"/>
-          <p:cNvSpPr>
-            <a:spLocks noGrp="1"/>
-          </p:cNvSpPr>
-          <p:nvPr>
-            <p:ph type="title"/>
-          </p:nvPr>
-        </p:nvSpPr>
-        <p:spPr/>
-        <p:txBody>
-          <a:bodyPr/>
-          <a:lstStyle/>
-          <a:p>
-            <a:r>
-              <a:rPr lang="en-US" smtClean="0"/>
-              <a:t>Click to edit Master title style</a:t>
-            </a:r>
-            <a:endParaRPr lang="en-US"/>
-          </a:p>
-        </p:txBody>
-      </p:sp>
-      <p:sp>
-        <p:nvSpPr>
-          <p:cNvPr id="3" name="Content Placeholder 2"/>
-          <p:cNvSpPr>
-            <a:spLocks noGrp="1"/>
-          </p:cNvSpPr>
-          <p:nvPr>
-            <p:ph sz="half" idx="1"/>
+          <p:cNvPr id="11" name="Content Placeholder 10"/>
+          <p:cNvSpPr>
+            <a:spLocks noGrp="1"/>
+          </p:cNvSpPr>
+          <p:nvPr>
+            <p:ph sz="quarter" idx="13"/>
           </p:nvPr>
         </p:nvSpPr>
         <p:spPr>
           <a:xfrm>
-            <a:off x="457200" y="1600200"/>
-            <a:ext cx="4038600" cy="4525963"/>
+            <a:off x="609600" y="1600200"/>
+            <a:ext cx="3733800" cy="4114800"/>
           </a:xfrm>
         </p:spPr>
         <p:txBody>
           <a:bodyPr/>
           <a:lstStyle>
-            <a:lvl1pPr>
-              <a:defRPr sz="2800"/>
-            </a:lvl1pPr>
-            <a:lvl2pPr>
-              <a:defRPr sz="2400"/>
-            </a:lvl2pPr>
-            <a:lvl3pPr>
-              <a:defRPr sz="2000"/>
-            </a:lvl3pPr>
-            <a:lvl4pPr>
-              <a:defRPr sz="1800"/>
-            </a:lvl4pPr>
             <a:lvl5pPr>
-              <a:defRPr sz="1800"/>
+              <a:defRPr/>
             </a:lvl5pPr>
             <a:lvl6pPr>
-              <a:defRPr sz="1800"/>
+              <a:buClr>
+                <a:schemeClr val="tx2"/>
+              </a:buClr>
+              <a:buFont typeface="Arial" pitchFamily="34" charset="0"/>
+              <a:buChar char="•"/>
+              <a:defRPr/>
             </a:lvl6pPr>
             <a:lvl7pPr>
-              <a:defRPr sz="1800"/>
+              <a:buClr>
+                <a:schemeClr val="tx2"/>
+              </a:buClr>
+              <a:buFont typeface="Arial" pitchFamily="34" charset="0"/>
+              <a:buChar char="•"/>
+              <a:defRPr/>
             </a:lvl7pPr>
             <a:lvl8pPr>
-              <a:defRPr sz="1800"/>
+              <a:buClr>
+                <a:schemeClr val="tx2"/>
+              </a:buClr>
+              <a:buFont typeface="Arial" pitchFamily="34" charset="0"/>
+              <a:buChar char="•"/>
+              <a:defRPr/>
             </a:lvl8pPr>
             <a:lvl9pPr>
-              <a:defRPr sz="1800"/>
+              <a:buClr>
+                <a:schemeClr val="tx2"/>
+              </a:buClr>
+              <a:buFont typeface="Arial" pitchFamily="34" charset="0"/>
+              <a:buChar char="•"/>
+              <a:defRPr/>
             </a:lvl9pPr>
           </a:lstStyle>
           <a:p>
@@ -1245,55 +3406,52 @@
               <a:rPr lang="en-US" smtClean="0"/>
               <a:t>Fifth level</a:t>
             </a:r>
-            <a:endParaRPr lang="en-US"/>
-          </a:p>
-        </p:txBody>
-      </p:sp>
-      <p:sp>
-        <p:nvSpPr>
-          <p:cNvPr id="4" name="Content Placeholder 3"/>
-          <p:cNvSpPr>
-            <a:spLocks noGrp="1"/>
-          </p:cNvSpPr>
-          <p:nvPr>
-            <p:ph sz="half" idx="2"/>
+            <a:endParaRPr lang="en-US" dirty="0" smtClean="0"/>
+          </a:p>
+        </p:txBody>
+      </p:sp>
+      <p:sp>
+        <p:nvSpPr>
+          <p:cNvPr id="13" name="Content Placeholder 12"/>
+          <p:cNvSpPr>
+            <a:spLocks noGrp="1"/>
+          </p:cNvSpPr>
+          <p:nvPr>
+            <p:ph sz="quarter" idx="14"/>
           </p:nvPr>
         </p:nvSpPr>
         <p:spPr>
           <a:xfrm>
-            <a:off x="4648200" y="1600200"/>
-            <a:ext cx="4038600" cy="4525963"/>
+            <a:off x="4800600" y="1600200"/>
+            <a:ext cx="3733800" cy="4114800"/>
           </a:xfrm>
         </p:spPr>
         <p:txBody>
           <a:bodyPr/>
           <a:lstStyle>
-            <a:lvl1pPr>
-              <a:defRPr sz="2800"/>
-            </a:lvl1pPr>
-            <a:lvl2pPr>
-              <a:defRPr sz="2400"/>
-            </a:lvl2pPr>
-            <a:lvl3pPr>
-              <a:defRPr sz="2000"/>
-            </a:lvl3pPr>
-            <a:lvl4pPr>
-              <a:defRPr sz="1800"/>
-            </a:lvl4pPr>
-            <a:lvl5pPr>
-              <a:defRPr sz="1800"/>
-            </a:lvl5pPr>
             <a:lvl6pPr>
-              <a:defRPr sz="1800"/>
+              <a:buClr>
+                <a:schemeClr val="tx2"/>
+              </a:buClr>
+              <a:defRPr/>
             </a:lvl6pPr>
             <a:lvl7pPr>
-              <a:defRPr sz="1800"/>
+              <a:buClr>
+                <a:schemeClr val="tx2"/>
+              </a:buClr>
+              <a:defRPr/>
             </a:lvl7pPr>
             <a:lvl8pPr>
-              <a:defRPr sz="1800"/>
+              <a:buClr>
+                <a:schemeClr val="tx2"/>
+              </a:buClr>
+              <a:defRPr/>
             </a:lvl8pPr>
             <a:lvl9pPr>
-              <a:defRPr sz="1800"/>
+              <a:buClr>
+                <a:schemeClr val="tx2"/>
+              </a:buClr>
+              <a:defRPr/>
             </a:lvl9pPr>
           </a:lstStyle>
           <a:p>
@@ -1330,7 +3488,35 @@
               <a:rPr lang="en-US" smtClean="0"/>
               <a:t>Fifth level</a:t>
             </a:r>
-            <a:endParaRPr lang="en-US"/>
+            <a:endParaRPr lang="en-US" dirty="0" smtClean="0"/>
+          </a:p>
+        </p:txBody>
+      </p:sp>
+      <p:sp>
+        <p:nvSpPr>
+          <p:cNvPr id="2" name="Title 1"/>
+          <p:cNvSpPr>
+            <a:spLocks noGrp="1"/>
+          </p:cNvSpPr>
+          <p:nvPr>
+            <p:ph type="title"/>
+          </p:nvPr>
+        </p:nvSpPr>
+        <p:spPr>
+          <a:xfrm>
+            <a:off x="609600" y="274638"/>
+            <a:ext cx="7924800" cy="1143000"/>
+          </a:xfrm>
+        </p:spPr>
+        <p:txBody>
+          <a:bodyPr/>
+          <a:lstStyle/>
+          <a:p>
+            <a:r>
+              <a:rPr lang="en-US" smtClean="0"/>
+              <a:t>Click to edit Master title style</a:t>
+            </a:r>
+            <a:endParaRPr lang="en-US" dirty="0"/>
           </a:p>
         </p:txBody>
       </p:sp>
@@ -1351,7 +3537,7 @@
           <a:p>
             <a:fld id="{9BF0437B-958D-4ACD-BC9D-5A6BF09C5E94}" type="datetimeFigureOut">
               <a:rPr lang="en-US" smtClean="0"/>
-              <a:t>5/6/2012</a:t>
+              <a:t>5/7/2012</a:t>
             </a:fld>
             <a:endParaRPr lang="en-US"/>
           </a:p>
@@ -1400,11 +3586,6 @@
         </p:txBody>
       </p:sp>
     </p:spTree>
-    <p:extLst>
-      <p:ext uri="{BB962C8B-B14F-4D97-AF65-F5344CB8AC3E}">
-        <p14:creationId xmlns:p14="http://schemas.microsoft.com/office/powerpoint/2010/main" val="495270617"/>
-      </p:ext>
-    </p:extLst>
   </p:cSld>
   <p:clrMapOvr>
     <a:masterClrMapping/>
@@ -1431,6 +3612,170 @@
       </p:grpSpPr>
       <p:sp>
         <p:nvSpPr>
+          <p:cNvPr id="13" name="Content Placeholder 12"/>
+          <p:cNvSpPr>
+            <a:spLocks noGrp="1"/>
+          </p:cNvSpPr>
+          <p:nvPr>
+            <p:ph sz="quarter" idx="14"/>
+          </p:nvPr>
+        </p:nvSpPr>
+        <p:spPr>
+          <a:xfrm>
+            <a:off x="4800600" y="2209800"/>
+            <a:ext cx="3733800" cy="3505200"/>
+          </a:xfrm>
+        </p:spPr>
+        <p:txBody>
+          <a:bodyPr/>
+          <a:lstStyle>
+            <a:lvl6pPr>
+              <a:buClr>
+                <a:schemeClr val="tx2"/>
+              </a:buClr>
+              <a:defRPr/>
+            </a:lvl6pPr>
+            <a:lvl7pPr>
+              <a:buClr>
+                <a:schemeClr val="tx2"/>
+              </a:buClr>
+              <a:defRPr/>
+            </a:lvl7pPr>
+            <a:lvl8pPr>
+              <a:buClr>
+                <a:schemeClr val="tx2"/>
+              </a:buClr>
+              <a:defRPr/>
+            </a:lvl8pPr>
+            <a:lvl9pPr>
+              <a:buClr>
+                <a:schemeClr val="tx2"/>
+              </a:buClr>
+              <a:defRPr/>
+            </a:lvl9pPr>
+          </a:lstStyle>
+          <a:p>
+            <a:pPr lvl="0"/>
+            <a:r>
+              <a:rPr lang="en-US" smtClean="0"/>
+              <a:t>Click to edit Master text styles</a:t>
+            </a:r>
+          </a:p>
+          <a:p>
+            <a:pPr lvl="1"/>
+            <a:r>
+              <a:rPr lang="en-US" smtClean="0"/>
+              <a:t>Second level</a:t>
+            </a:r>
+          </a:p>
+          <a:p>
+            <a:pPr lvl="2"/>
+            <a:r>
+              <a:rPr lang="en-US" smtClean="0"/>
+              <a:t>Third level</a:t>
+            </a:r>
+          </a:p>
+          <a:p>
+            <a:pPr lvl="3"/>
+            <a:r>
+              <a:rPr lang="en-US" smtClean="0"/>
+              <a:t>Fourth level</a:t>
+            </a:r>
+          </a:p>
+          <a:p>
+            <a:pPr lvl="4"/>
+            <a:r>
+              <a:rPr lang="en-US" smtClean="0"/>
+              <a:t>Fifth level</a:t>
+            </a:r>
+            <a:endParaRPr lang="en-US" dirty="0" smtClean="0"/>
+          </a:p>
+        </p:txBody>
+      </p:sp>
+      <p:sp>
+        <p:nvSpPr>
+          <p:cNvPr id="11" name="Content Placeholder 10"/>
+          <p:cNvSpPr>
+            <a:spLocks noGrp="1"/>
+          </p:cNvSpPr>
+          <p:nvPr>
+            <p:ph sz="quarter" idx="13"/>
+          </p:nvPr>
+        </p:nvSpPr>
+        <p:spPr>
+          <a:xfrm>
+            <a:off x="609600" y="2209800"/>
+            <a:ext cx="3733800" cy="3505200"/>
+          </a:xfrm>
+        </p:spPr>
+        <p:txBody>
+          <a:bodyPr/>
+          <a:lstStyle>
+            <a:lvl6pPr>
+              <a:buClr>
+                <a:schemeClr val="tx2"/>
+              </a:buClr>
+              <a:defRPr/>
+            </a:lvl6pPr>
+            <a:lvl7pPr>
+              <a:buClr>
+                <a:schemeClr val="tx2"/>
+              </a:buClr>
+              <a:defRPr/>
+            </a:lvl7pPr>
+            <a:lvl8pPr>
+              <a:buClr>
+                <a:schemeClr val="tx2"/>
+              </a:buClr>
+              <a:defRPr/>
+            </a:lvl8pPr>
+            <a:lvl9pPr>
+              <a:buClr>
+                <a:schemeClr val="tx2"/>
+              </a:buClr>
+              <a:defRPr/>
+            </a:lvl9pPr>
+          </a:lstStyle>
+          <a:p>
+            <a:pPr lvl="0"/>
+            <a:r>
+              <a:rPr lang="en-US" smtClean="0"/>
+              <a:t>Click to edit Master text styles</a:t>
+            </a:r>
+          </a:p>
+          <a:p>
+            <a:pPr lvl="1"/>
+            <a:r>
+              <a:rPr lang="en-US" smtClean="0"/>
+              <a:t>Second level</a:t>
+            </a:r>
+          </a:p>
+          <a:p>
+            <a:pPr lvl="2"/>
+            <a:r>
+              <a:rPr lang="en-US" smtClean="0"/>
+              <a:t>Third level</a:t>
+            </a:r>
+          </a:p>
+          <a:p>
+            <a:pPr lvl="3"/>
+            <a:r>
+              <a:rPr lang="en-US" smtClean="0"/>
+              <a:t>Fourth level</a:t>
+            </a:r>
+          </a:p>
+          <a:p>
+            <a:pPr lvl="4"/>
+            <a:r>
+              <a:rPr lang="en-US" smtClean="0"/>
+              <a:t>Fifth level</a:t>
+            </a:r>
+            <a:endParaRPr lang="en-US" dirty="0" smtClean="0"/>
+          </a:p>
+        </p:txBody>
+      </p:sp>
+      <p:sp>
+        <p:nvSpPr>
           <p:cNvPr id="2" name="Title 1"/>
           <p:cNvSpPr>
             <a:spLocks noGrp="1"/>
@@ -1439,7 +3784,12 @@
             <p:ph type="title"/>
           </p:nvPr>
         </p:nvSpPr>
-        <p:spPr/>
+        <p:spPr>
+          <a:xfrm>
+            <a:off x="609600" y="274638"/>
+            <a:ext cx="7924800" cy="1143000"/>
+          </a:xfrm>
+        </p:spPr>
         <p:txBody>
           <a:bodyPr/>
           <a:lstStyle>
@@ -1452,7 +3802,7 @@
               <a:rPr lang="en-US" smtClean="0"/>
               <a:t>Click to edit Master title style</a:t>
             </a:r>
-            <a:endParaRPr lang="en-US"/>
+            <a:endParaRPr lang="en-US" dirty="0"/>
           </a:p>
         </p:txBody>
       </p:sp>
@@ -1468,16 +3818,22 @@
         </p:nvSpPr>
         <p:spPr>
           <a:xfrm>
-            <a:off x="457200" y="1535113"/>
-            <a:ext cx="4040188" cy="639762"/>
+            <a:off x="609600" y="1600199"/>
+            <a:ext cx="3733800" cy="574675"/>
           </a:xfrm>
         </p:spPr>
         <p:txBody>
-          <a:bodyPr anchor="b"/>
+          <a:bodyPr anchor="b">
+            <a:normAutofit/>
+          </a:bodyPr>
           <a:lstStyle>
             <a:lvl1pPr marL="0" indent="0">
               <a:buNone/>
-              <a:defRPr sz="2400" b="1"/>
+              <a:defRPr sz="1700" b="0" i="0" baseline="0">
+                <a:solidFill>
+                  <a:schemeClr val="tx2"/>
+                </a:solidFill>
+              </a:defRPr>
             </a:lvl1pPr>
             <a:lvl2pPr marL="457200" indent="0">
               <a:buNone/>
@@ -1523,111 +3879,32 @@
       </p:sp>
       <p:sp>
         <p:nvSpPr>
-          <p:cNvPr id="4" name="Content Placeholder 3"/>
-          <p:cNvSpPr>
-            <a:spLocks noGrp="1"/>
-          </p:cNvSpPr>
-          <p:nvPr>
-            <p:ph sz="half" idx="2"/>
+          <p:cNvPr id="5" name="Text Placeholder 4"/>
+          <p:cNvSpPr>
+            <a:spLocks noGrp="1"/>
+          </p:cNvSpPr>
+          <p:nvPr>
+            <p:ph type="body" sz="quarter" idx="3"/>
           </p:nvPr>
         </p:nvSpPr>
         <p:spPr>
           <a:xfrm>
-            <a:off x="457200" y="2174875"/>
-            <a:ext cx="4040188" cy="3951288"/>
+            <a:off x="4800600" y="1600199"/>
+            <a:ext cx="3733800" cy="574675"/>
           </a:xfrm>
         </p:spPr>
         <p:txBody>
-          <a:bodyPr/>
-          <a:lstStyle>
-            <a:lvl1pPr>
-              <a:defRPr sz="2400"/>
-            </a:lvl1pPr>
-            <a:lvl2pPr>
-              <a:defRPr sz="2000"/>
-            </a:lvl2pPr>
-            <a:lvl3pPr>
-              <a:defRPr sz="1800"/>
-            </a:lvl3pPr>
-            <a:lvl4pPr>
-              <a:defRPr sz="1600"/>
-            </a:lvl4pPr>
-            <a:lvl5pPr>
-              <a:defRPr sz="1600"/>
-            </a:lvl5pPr>
-            <a:lvl6pPr>
-              <a:defRPr sz="1600"/>
-            </a:lvl6pPr>
-            <a:lvl7pPr>
-              <a:defRPr sz="1600"/>
-            </a:lvl7pPr>
-            <a:lvl8pPr>
-              <a:defRPr sz="1600"/>
-            </a:lvl8pPr>
-            <a:lvl9pPr>
-              <a:defRPr sz="1600"/>
-            </a:lvl9pPr>
-          </a:lstStyle>
-          <a:p>
-            <a:pPr lvl="0"/>
-            <a:r>
-              <a:rPr lang="en-US" smtClean="0"/>
-              <a:t>Click to edit Master text styles</a:t>
-            </a:r>
-          </a:p>
-          <a:p>
-            <a:pPr lvl="1"/>
-            <a:r>
-              <a:rPr lang="en-US" smtClean="0"/>
-              <a:t>Second level</a:t>
-            </a:r>
-          </a:p>
-          <a:p>
-            <a:pPr lvl="2"/>
-            <a:r>
-              <a:rPr lang="en-US" smtClean="0"/>
-              <a:t>Third level</a:t>
-            </a:r>
-          </a:p>
-          <a:p>
-            <a:pPr lvl="3"/>
-            <a:r>
-              <a:rPr lang="en-US" smtClean="0"/>
-              <a:t>Fourth level</a:t>
-            </a:r>
-          </a:p>
-          <a:p>
-            <a:pPr lvl="4"/>
-            <a:r>
-              <a:rPr lang="en-US" smtClean="0"/>
-              <a:t>Fifth level</a:t>
-            </a:r>
-            <a:endParaRPr lang="en-US"/>
-          </a:p>
-        </p:txBody>
-      </p:sp>
-      <p:sp>
-        <p:nvSpPr>
-          <p:cNvPr id="5" name="Text Placeholder 4"/>
-          <p:cNvSpPr>
-            <a:spLocks noGrp="1"/>
-          </p:cNvSpPr>
-          <p:nvPr>
-            <p:ph type="body" sz="quarter" idx="3"/>
-          </p:nvPr>
-        </p:nvSpPr>
-        <p:spPr>
-          <a:xfrm>
-            <a:off x="4645025" y="1535113"/>
-            <a:ext cx="4041775" cy="639762"/>
-          </a:xfrm>
-        </p:spPr>
-        <p:txBody>
-          <a:bodyPr anchor="b"/>
+          <a:bodyPr anchor="b">
+            <a:normAutofit/>
+          </a:bodyPr>
           <a:lstStyle>
             <a:lvl1pPr marL="0" indent="0">
               <a:buNone/>
-              <a:defRPr sz="2400" b="1"/>
+              <a:defRPr sz="1700" b="0" i="0" baseline="0">
+                <a:solidFill>
+                  <a:schemeClr val="tx2"/>
+                </a:solidFill>
+              </a:defRPr>
             </a:lvl1pPr>
             <a:lvl2pPr marL="457200" indent="0">
               <a:buNone/>
@@ -1673,91 +3950,6 @@
       </p:sp>
       <p:sp>
         <p:nvSpPr>
-          <p:cNvPr id="6" name="Content Placeholder 5"/>
-          <p:cNvSpPr>
-            <a:spLocks noGrp="1"/>
-          </p:cNvSpPr>
-          <p:nvPr>
-            <p:ph sz="quarter" idx="4"/>
-          </p:nvPr>
-        </p:nvSpPr>
-        <p:spPr>
-          <a:xfrm>
-            <a:off x="4645025" y="2174875"/>
-            <a:ext cx="4041775" cy="3951288"/>
-          </a:xfrm>
-        </p:spPr>
-        <p:txBody>
-          <a:bodyPr/>
-          <a:lstStyle>
-            <a:lvl1pPr>
-              <a:defRPr sz="2400"/>
-            </a:lvl1pPr>
-            <a:lvl2pPr>
-              <a:defRPr sz="2000"/>
-            </a:lvl2pPr>
-            <a:lvl3pPr>
-              <a:defRPr sz="1800"/>
-            </a:lvl3pPr>
-            <a:lvl4pPr>
-              <a:defRPr sz="1600"/>
-            </a:lvl4pPr>
-            <a:lvl5pPr>
-              <a:defRPr sz="1600"/>
-            </a:lvl5pPr>
-            <a:lvl6pPr>
-              <a:defRPr sz="1600"/>
-            </a:lvl6pPr>
-            <a:lvl7pPr>
-              <a:defRPr sz="1600"/>
-            </a:lvl7pPr>
-            <a:lvl8pPr>
-              <a:defRPr sz="1600"/>
-            </a:lvl8pPr>
-            <a:lvl9pPr>
-              <a:defRPr sz="1600"/>
-            </a:lvl9pPr>
-          </a:lstStyle>
-          <a:p>
-            <a:pPr lvl="0"/>
-            <a:r>
-              <a:rPr lang="en-US" smtClean="0"/>
-              <a:t>Click to edit Master text styles</a:t>
-            </a:r>
-          </a:p>
-          <a:p>
-            <a:pPr lvl="1"/>
-            <a:r>
-              <a:rPr lang="en-US" smtClean="0"/>
-              <a:t>Second level</a:t>
-            </a:r>
-          </a:p>
-          <a:p>
-            <a:pPr lvl="2"/>
-            <a:r>
-              <a:rPr lang="en-US" smtClean="0"/>
-              <a:t>Third level</a:t>
-            </a:r>
-          </a:p>
-          <a:p>
-            <a:pPr lvl="3"/>
-            <a:r>
-              <a:rPr lang="en-US" smtClean="0"/>
-              <a:t>Fourth level</a:t>
-            </a:r>
-          </a:p>
-          <a:p>
-            <a:pPr lvl="4"/>
-            <a:r>
-              <a:rPr lang="en-US" smtClean="0"/>
-              <a:t>Fifth level</a:t>
-            </a:r>
-            <a:endParaRPr lang="en-US"/>
-          </a:p>
-        </p:txBody>
-      </p:sp>
-      <p:sp>
-        <p:nvSpPr>
           <p:cNvPr id="7" name="Date Placeholder 6"/>
           <p:cNvSpPr>
             <a:spLocks noGrp="1"/>
@@ -1773,7 +3965,7 @@
           <a:p>
             <a:fld id="{9BF0437B-958D-4ACD-BC9D-5A6BF09C5E94}" type="datetimeFigureOut">
               <a:rPr lang="en-US" smtClean="0"/>
-              <a:t>5/6/2012</a:t>
+              <a:t>5/7/2012</a:t>
             </a:fld>
             <a:endParaRPr lang="en-US"/>
           </a:p>
@@ -1822,11 +4014,6 @@
         </p:txBody>
       </p:sp>
     </p:spTree>
-    <p:extLst>
-      <p:ext uri="{BB962C8B-B14F-4D97-AF65-F5344CB8AC3E}">
-        <p14:creationId xmlns:p14="http://schemas.microsoft.com/office/powerpoint/2010/main" val="1065355406"/>
-      </p:ext>
-    </p:extLst>
   </p:cSld>
   <p:clrMapOvr>
     <a:masterClrMapping/>
@@ -1861,7 +4048,12 @@
             <p:ph type="title"/>
           </p:nvPr>
         </p:nvSpPr>
-        <p:spPr/>
+        <p:spPr>
+          <a:xfrm>
+            <a:off x="609600" y="274638"/>
+            <a:ext cx="7924800" cy="1143000"/>
+          </a:xfrm>
+        </p:spPr>
         <p:txBody>
           <a:bodyPr/>
           <a:lstStyle/>
@@ -1870,7 +4062,7 @@
               <a:rPr lang="en-US" smtClean="0"/>
               <a:t>Click to edit Master title style</a:t>
             </a:r>
-            <a:endParaRPr lang="en-US"/>
+            <a:endParaRPr lang="en-US" dirty="0"/>
           </a:p>
         </p:txBody>
       </p:sp>
@@ -1891,7 +4083,7 @@
           <a:p>
             <a:fld id="{9BF0437B-958D-4ACD-BC9D-5A6BF09C5E94}" type="datetimeFigureOut">
               <a:rPr lang="en-US" smtClean="0"/>
-              <a:t>5/6/2012</a:t>
+              <a:t>5/7/2012</a:t>
             </a:fld>
             <a:endParaRPr lang="en-US"/>
           </a:p>
@@ -1940,11 +4132,6 @@
         </p:txBody>
       </p:sp>
     </p:spTree>
-    <p:extLst>
-      <p:ext uri="{BB962C8B-B14F-4D97-AF65-F5344CB8AC3E}">
-        <p14:creationId xmlns:p14="http://schemas.microsoft.com/office/powerpoint/2010/main" val="2661600986"/>
-      </p:ext>
-    </p:extLst>
   </p:cSld>
   <p:clrMapOvr>
     <a:masterClrMapping/>
@@ -1986,7 +4173,7 @@
           <a:p>
             <a:fld id="{9BF0437B-958D-4ACD-BC9D-5A6BF09C5E94}" type="datetimeFigureOut">
               <a:rPr lang="en-US" smtClean="0"/>
-              <a:t>5/6/2012</a:t>
+              <a:t>5/7/2012</a:t>
             </a:fld>
             <a:endParaRPr lang="en-US"/>
           </a:p>
@@ -2035,11 +4222,6 @@
         </p:txBody>
       </p:sp>
     </p:spTree>
-    <p:extLst>
-      <p:ext uri="{BB962C8B-B14F-4D97-AF65-F5344CB8AC3E}">
-        <p14:creationId xmlns:p14="http://schemas.microsoft.com/office/powerpoint/2010/main" val="4142356434"/>
-      </p:ext>
-    </p:extLst>
   </p:cSld>
   <p:clrMapOvr>
     <a:masterClrMapping/>
@@ -2066,25 +4248,86 @@
       </p:grpSpPr>
       <p:sp>
         <p:nvSpPr>
-          <p:cNvPr id="2" name="Title 1"/>
-          <p:cNvSpPr>
-            <a:spLocks noGrp="1"/>
-          </p:cNvSpPr>
-          <p:nvPr>
-            <p:ph type="title"/>
+          <p:cNvPr id="9" name="Content Placeholder 8"/>
+          <p:cNvSpPr>
+            <a:spLocks noGrp="1"/>
+          </p:cNvSpPr>
+          <p:nvPr>
+            <p:ph sz="quarter" idx="13"/>
           </p:nvPr>
         </p:nvSpPr>
         <p:spPr>
           <a:xfrm>
-            <a:off x="457200" y="273050"/>
-            <a:ext cx="3008313" cy="1162050"/>
+            <a:off x="3962400" y="1447800"/>
+            <a:ext cx="4648200" cy="4267200"/>
+          </a:xfrm>
+        </p:spPr>
+        <p:txBody>
+          <a:bodyPr/>
+          <a:lstStyle/>
+          <a:p>
+            <a:pPr lvl="0"/>
+            <a:r>
+              <a:rPr lang="en-US" smtClean="0"/>
+              <a:t>Click to edit Master text styles</a:t>
+            </a:r>
+          </a:p>
+          <a:p>
+            <a:pPr lvl="1"/>
+            <a:r>
+              <a:rPr lang="en-US" smtClean="0"/>
+              <a:t>Second level</a:t>
+            </a:r>
+          </a:p>
+          <a:p>
+            <a:pPr lvl="2"/>
+            <a:r>
+              <a:rPr lang="en-US" smtClean="0"/>
+              <a:t>Third level</a:t>
+            </a:r>
+          </a:p>
+          <a:p>
+            <a:pPr lvl="3"/>
+            <a:r>
+              <a:rPr lang="en-US" smtClean="0"/>
+              <a:t>Fourth level</a:t>
+            </a:r>
+          </a:p>
+          <a:p>
+            <a:pPr lvl="4"/>
+            <a:r>
+              <a:rPr lang="en-US" smtClean="0"/>
+              <a:t>Fifth level</a:t>
+            </a:r>
+            <a:endParaRPr lang="en-US" dirty="0"/>
+          </a:p>
+        </p:txBody>
+      </p:sp>
+      <p:sp>
+        <p:nvSpPr>
+          <p:cNvPr id="2" name="Title 1"/>
+          <p:cNvSpPr>
+            <a:spLocks noGrp="1"/>
+          </p:cNvSpPr>
+          <p:nvPr>
+            <p:ph type="title"/>
+          </p:nvPr>
+        </p:nvSpPr>
+        <p:spPr>
+          <a:xfrm>
+            <a:off x="612648" y="1447800"/>
+            <a:ext cx="2971800" cy="1097280"/>
           </a:xfrm>
         </p:spPr>
         <p:txBody>
           <a:bodyPr anchor="b"/>
           <a:lstStyle>
             <a:lvl1pPr algn="l">
-              <a:defRPr sz="2000" b="1"/>
+              <a:defRPr sz="1800" b="0" i="0" cap="none" baseline="0">
+                <a:solidFill>
+                  <a:schemeClr val="tx2"/>
+                </a:solidFill>
+              </a:defRPr>
             </a:lvl1pPr>
           </a:lstStyle>
           <a:p>
@@ -2092,113 +4335,30 @@
               <a:rPr lang="en-US" smtClean="0"/>
               <a:t>Click to edit Master title style</a:t>
             </a:r>
-            <a:endParaRPr lang="en-US"/>
-          </a:p>
-        </p:txBody>
-      </p:sp>
-      <p:sp>
-        <p:nvSpPr>
-          <p:cNvPr id="3" name="Content Placeholder 2"/>
-          <p:cNvSpPr>
-            <a:spLocks noGrp="1"/>
-          </p:cNvSpPr>
-          <p:nvPr>
-            <p:ph idx="1"/>
+            <a:endParaRPr lang="en-US" dirty="0"/>
+          </a:p>
+        </p:txBody>
+      </p:sp>
+      <p:sp>
+        <p:nvSpPr>
+          <p:cNvPr id="4" name="Text Placeholder 3"/>
+          <p:cNvSpPr>
+            <a:spLocks noGrp="1"/>
+          </p:cNvSpPr>
+          <p:nvPr>
+            <p:ph type="body" sz="half" idx="2"/>
           </p:nvPr>
         </p:nvSpPr>
         <p:spPr>
           <a:xfrm>
-            <a:off x="3575050" y="273050"/>
-            <a:ext cx="5111750" cy="5853113"/>
+            <a:off x="612648" y="2547891"/>
+            <a:ext cx="2971800" cy="3167109"/>
           </a:xfrm>
         </p:spPr>
         <p:txBody>
-          <a:bodyPr/>
-          <a:lstStyle>
-            <a:lvl1pPr>
-              <a:defRPr sz="3200"/>
-            </a:lvl1pPr>
-            <a:lvl2pPr>
-              <a:defRPr sz="2800"/>
-            </a:lvl2pPr>
-            <a:lvl3pPr>
-              <a:defRPr sz="2400"/>
-            </a:lvl3pPr>
-            <a:lvl4pPr>
-              <a:defRPr sz="2000"/>
-            </a:lvl4pPr>
-            <a:lvl5pPr>
-              <a:defRPr sz="2000"/>
-            </a:lvl5pPr>
-            <a:lvl6pPr>
-              <a:defRPr sz="2000"/>
-            </a:lvl6pPr>
-            <a:lvl7pPr>
-              <a:defRPr sz="2000"/>
-            </a:lvl7pPr>
-            <a:lvl8pPr>
-              <a:defRPr sz="2000"/>
-            </a:lvl8pPr>
-            <a:lvl9pPr>
-              <a:defRPr sz="2000"/>
-            </a:lvl9pPr>
-          </a:lstStyle>
-          <a:p>
-            <a:pPr lvl="0"/>
-            <a:r>
-              <a:rPr lang="en-US" smtClean="0"/>
-              <a:t>Click to edit Master text styles</a:t>
-            </a:r>
-          </a:p>
-          <a:p>
-            <a:pPr lvl="1"/>
-            <a:r>
-              <a:rPr lang="en-US" smtClean="0"/>
-              <a:t>Second level</a:t>
-            </a:r>
-          </a:p>
-          <a:p>
-            <a:pPr lvl="2"/>
-            <a:r>
-              <a:rPr lang="en-US" smtClean="0"/>
-              <a:t>Third level</a:t>
-            </a:r>
-          </a:p>
-          <a:p>
-            <a:pPr lvl="3"/>
-            <a:r>
-              <a:rPr lang="en-US" smtClean="0"/>
-              <a:t>Fourth level</a:t>
-            </a:r>
-          </a:p>
-          <a:p>
-            <a:pPr lvl="4"/>
-            <a:r>
-              <a:rPr lang="en-US" smtClean="0"/>
-              <a:t>Fifth level</a:t>
-            </a:r>
-            <a:endParaRPr lang="en-US"/>
-          </a:p>
-        </p:txBody>
-      </p:sp>
-      <p:sp>
-        <p:nvSpPr>
-          <p:cNvPr id="4" name="Text Placeholder 3"/>
-          <p:cNvSpPr>
-            <a:spLocks noGrp="1"/>
-          </p:cNvSpPr>
-          <p:nvPr>
-            <p:ph type="body" sz="half" idx="2"/>
-          </p:nvPr>
-        </p:nvSpPr>
-        <p:spPr>
-          <a:xfrm>
-            <a:off x="457200" y="1435100"/>
-            <a:ext cx="3008313" cy="4691063"/>
-          </a:xfrm>
-        </p:spPr>
-        <p:txBody>
-          <a:bodyPr/>
+          <a:bodyPr tIns="9144">
+            <a:normAutofit/>
+          </a:bodyPr>
           <a:lstStyle>
             <a:lvl1pPr marL="0" indent="0">
               <a:buNone/>
@@ -2263,7 +4423,7 @@
           <a:p>
             <a:fld id="{9BF0437B-958D-4ACD-BC9D-5A6BF09C5E94}" type="datetimeFigureOut">
               <a:rPr lang="en-US" smtClean="0"/>
-              <a:t>5/6/2012</a:t>
+              <a:t>5/7/2012</a:t>
             </a:fld>
             <a:endParaRPr lang="en-US"/>
           </a:p>
@@ -2312,11 +4472,6 @@
         </p:txBody>
       </p:sp>
     </p:spTree>
-    <p:extLst>
-      <p:ext uri="{BB962C8B-B14F-4D97-AF65-F5344CB8AC3E}">
-        <p14:creationId xmlns:p14="http://schemas.microsoft.com/office/powerpoint/2010/main" val="2598555237"/>
-      </p:ext>
-    </p:extLst>
   </p:cSld>
   <p:clrMapOvr>
     <a:masterClrMapping/>
@@ -2325,7 +4480,7 @@
 </file>
 
 <file path=ppt/slideLayouts/slideLayout9.xml><?xml version="1.0" encoding="utf-8"?>
-<p:sldLayout xmlns:a="http://schemas.openxmlformats.org/drawingml/2006/main" xmlns:r="http://schemas.openxmlformats.org/officeDocument/2006/relationships" xmlns:p="http://schemas.openxmlformats.org/presentationml/2006/main" type="picTx" preserve="1">
+<p:sldLayout xmlns:a="http://schemas.openxmlformats.org/drawingml/2006/main" xmlns:r="http://schemas.openxmlformats.org/officeDocument/2006/relationships" xmlns:p="http://schemas.openxmlformats.org/presentationml/2006/main" showMasterSp="0" type="picTx" preserve="1">
   <p:cSld name="Picture with Caption">
     <p:spTree>
       <p:nvGrpSpPr>
@@ -2341,27 +4496,55 @@
           <a:chExt cx="0" cy="0"/>
         </a:xfrm>
       </p:grpSpPr>
-      <p:sp>
-        <p:nvSpPr>
-          <p:cNvPr id="2" name="Title 1"/>
-          <p:cNvSpPr>
-            <a:spLocks noGrp="1"/>
-          </p:cNvSpPr>
-          <p:nvPr>
-            <p:ph type="title"/>
-          </p:nvPr>
-        </p:nvSpPr>
+      <p:pic>
+        <p:nvPicPr>
+          <p:cNvPr id="11" name="Picture 10" descr="horizon.png"/>
+          <p:cNvPicPr>
+            <a:picLocks noChangeAspect="1"/>
+          </p:cNvPicPr>
+          <p:nvPr/>
+        </p:nvPicPr>
+        <p:blipFill>
+          <a:blip r:embed="rId2" cstate="print"/>
+          <a:stretch>
+            <a:fillRect/>
+          </a:stretch>
+        </p:blipFill>
         <p:spPr>
           <a:xfrm>
-            <a:off x="1792288" y="4800600"/>
-            <a:ext cx="5486400" cy="566738"/>
+            <a:off x="0" y="0"/>
+            <a:ext cx="9144000" cy="6858000"/>
+          </a:xfrm>
+          <a:prstGeom prst="rect">
+            <a:avLst/>
+          </a:prstGeom>
+        </p:spPr>
+      </p:pic>
+      <p:sp>
+        <p:nvSpPr>
+          <p:cNvPr id="2" name="Title 1"/>
+          <p:cNvSpPr>
+            <a:spLocks noGrp="1"/>
+          </p:cNvSpPr>
+          <p:nvPr>
+            <p:ph type="title"/>
+          </p:nvPr>
+        </p:nvSpPr>
+        <p:spPr>
+          <a:xfrm>
+            <a:off x="609600" y="1447800"/>
+            <a:ext cx="2971800" cy="1097280"/>
           </a:xfrm>
         </p:spPr>
         <p:txBody>
           <a:bodyPr anchor="b"/>
           <a:lstStyle>
             <a:lvl1pPr algn="l">
-              <a:defRPr sz="2000" b="1"/>
+              <a:defRPr sz="1800" b="0" i="0" cap="none" baseline="0">
+                <a:solidFill>
+                  <a:schemeClr val="tx2"/>
+                </a:solidFill>
+              </a:defRPr>
             </a:lvl1pPr>
           </a:lstStyle>
           <a:p>
@@ -2369,7 +4552,7 @@
               <a:rPr lang="en-US" smtClean="0"/>
               <a:t>Click to edit Master title style</a:t>
             </a:r>
-            <a:endParaRPr lang="en-US"/>
+            <a:endParaRPr lang="en-US" dirty="0"/>
           </a:p>
         </p:txBody>
       </p:sp>
@@ -2385,16 +4568,250 @@
         </p:nvSpPr>
         <p:spPr>
           <a:xfrm>
-            <a:off x="1792288" y="612775"/>
-            <a:ext cx="5486400" cy="4114800"/>
+            <a:off x="4657344" y="1447800"/>
+            <a:ext cx="3419856" cy="3474720"/>
           </a:xfrm>
+          <a:custGeom>
+            <a:avLst/>
+            <a:gdLst>
+              <a:gd name="connsiteX0" fmla="*/ 0 w 3419856"/>
+              <a:gd name="connsiteY0" fmla="*/ 74450 h 3429000"/>
+              <a:gd name="connsiteX1" fmla="*/ 21806 w 3419856"/>
+              <a:gd name="connsiteY1" fmla="*/ 21806 h 3429000"/>
+              <a:gd name="connsiteX2" fmla="*/ 74450 w 3419856"/>
+              <a:gd name="connsiteY2" fmla="*/ 0 h 3429000"/>
+              <a:gd name="connsiteX3" fmla="*/ 3345406 w 3419856"/>
+              <a:gd name="connsiteY3" fmla="*/ 0 h 3429000"/>
+              <a:gd name="connsiteX4" fmla="*/ 3398050 w 3419856"/>
+              <a:gd name="connsiteY4" fmla="*/ 21806 h 3429000"/>
+              <a:gd name="connsiteX5" fmla="*/ 3419856 w 3419856"/>
+              <a:gd name="connsiteY5" fmla="*/ 74450 h 3429000"/>
+              <a:gd name="connsiteX6" fmla="*/ 3419856 w 3419856"/>
+              <a:gd name="connsiteY6" fmla="*/ 3354550 h 3429000"/>
+              <a:gd name="connsiteX7" fmla="*/ 3398050 w 3419856"/>
+              <a:gd name="connsiteY7" fmla="*/ 3407194 h 3429000"/>
+              <a:gd name="connsiteX8" fmla="*/ 3345406 w 3419856"/>
+              <a:gd name="connsiteY8" fmla="*/ 3429000 h 3429000"/>
+              <a:gd name="connsiteX9" fmla="*/ 74450 w 3419856"/>
+              <a:gd name="connsiteY9" fmla="*/ 3429000 h 3429000"/>
+              <a:gd name="connsiteX10" fmla="*/ 21806 w 3419856"/>
+              <a:gd name="connsiteY10" fmla="*/ 3407194 h 3429000"/>
+              <a:gd name="connsiteX11" fmla="*/ 0 w 3419856"/>
+              <a:gd name="connsiteY11" fmla="*/ 3354550 h 3429000"/>
+              <a:gd name="connsiteX12" fmla="*/ 0 w 3419856"/>
+              <a:gd name="connsiteY12" fmla="*/ 74450 h 3429000"/>
+              <a:gd name="connsiteX0" fmla="*/ 0 w 3419856"/>
+              <a:gd name="connsiteY0" fmla="*/ 74450 h 3429000"/>
+              <a:gd name="connsiteX1" fmla="*/ 21806 w 3419856"/>
+              <a:gd name="connsiteY1" fmla="*/ 21806 h 3429000"/>
+              <a:gd name="connsiteX2" fmla="*/ 74450 w 3419856"/>
+              <a:gd name="connsiteY2" fmla="*/ 0 h 3429000"/>
+              <a:gd name="connsiteX3" fmla="*/ 3345406 w 3419856"/>
+              <a:gd name="connsiteY3" fmla="*/ 0 h 3429000"/>
+              <a:gd name="connsiteX4" fmla="*/ 3398050 w 3419856"/>
+              <a:gd name="connsiteY4" fmla="*/ 21806 h 3429000"/>
+              <a:gd name="connsiteX5" fmla="*/ 3419856 w 3419856"/>
+              <a:gd name="connsiteY5" fmla="*/ 74450 h 3429000"/>
+              <a:gd name="connsiteX6" fmla="*/ 3419856 w 3419856"/>
+              <a:gd name="connsiteY6" fmla="*/ 3354550 h 3429000"/>
+              <a:gd name="connsiteX7" fmla="*/ 3398050 w 3419856"/>
+              <a:gd name="connsiteY7" fmla="*/ 3407194 h 3429000"/>
+              <a:gd name="connsiteX8" fmla="*/ 3345406 w 3419856"/>
+              <a:gd name="connsiteY8" fmla="*/ 3429000 h 3429000"/>
+              <a:gd name="connsiteX9" fmla="*/ 21806 w 3419856"/>
+              <a:gd name="connsiteY9" fmla="*/ 3407194 h 3429000"/>
+              <a:gd name="connsiteX10" fmla="*/ 0 w 3419856"/>
+              <a:gd name="connsiteY10" fmla="*/ 3354550 h 3429000"/>
+              <a:gd name="connsiteX11" fmla="*/ 0 w 3419856"/>
+              <a:gd name="connsiteY11" fmla="*/ 74450 h 3429000"/>
+              <a:gd name="connsiteX0" fmla="*/ 0 w 3964392"/>
+              <a:gd name="connsiteY0" fmla="*/ 74450 h 3415968"/>
+              <a:gd name="connsiteX1" fmla="*/ 21806 w 3964392"/>
+              <a:gd name="connsiteY1" fmla="*/ 21806 h 3415968"/>
+              <a:gd name="connsiteX2" fmla="*/ 74450 w 3964392"/>
+              <a:gd name="connsiteY2" fmla="*/ 0 h 3415968"/>
+              <a:gd name="connsiteX3" fmla="*/ 3345406 w 3964392"/>
+              <a:gd name="connsiteY3" fmla="*/ 0 h 3415968"/>
+              <a:gd name="connsiteX4" fmla="*/ 3398050 w 3964392"/>
+              <a:gd name="connsiteY4" fmla="*/ 21806 h 3415968"/>
+              <a:gd name="connsiteX5" fmla="*/ 3419856 w 3964392"/>
+              <a:gd name="connsiteY5" fmla="*/ 74450 h 3415968"/>
+              <a:gd name="connsiteX6" fmla="*/ 3419856 w 3964392"/>
+              <a:gd name="connsiteY6" fmla="*/ 3354550 h 3415968"/>
+              <a:gd name="connsiteX7" fmla="*/ 3398050 w 3964392"/>
+              <a:gd name="connsiteY7" fmla="*/ 3407194 h 3415968"/>
+              <a:gd name="connsiteX8" fmla="*/ 21806 w 3964392"/>
+              <a:gd name="connsiteY8" fmla="*/ 3407194 h 3415968"/>
+              <a:gd name="connsiteX9" fmla="*/ 0 w 3964392"/>
+              <a:gd name="connsiteY9" fmla="*/ 3354550 h 3415968"/>
+              <a:gd name="connsiteX10" fmla="*/ 0 w 3964392"/>
+              <a:gd name="connsiteY10" fmla="*/ 74450 h 3415968"/>
+              <a:gd name="connsiteX0" fmla="*/ 0 w 3964392"/>
+              <a:gd name="connsiteY0" fmla="*/ 74450 h 3415968"/>
+              <a:gd name="connsiteX1" fmla="*/ 21806 w 3964392"/>
+              <a:gd name="connsiteY1" fmla="*/ 21806 h 3415968"/>
+              <a:gd name="connsiteX2" fmla="*/ 74450 w 3964392"/>
+              <a:gd name="connsiteY2" fmla="*/ 0 h 3415968"/>
+              <a:gd name="connsiteX3" fmla="*/ 3345406 w 3964392"/>
+              <a:gd name="connsiteY3" fmla="*/ 0 h 3415968"/>
+              <a:gd name="connsiteX4" fmla="*/ 3398050 w 3964392"/>
+              <a:gd name="connsiteY4" fmla="*/ 21806 h 3415968"/>
+              <a:gd name="connsiteX5" fmla="*/ 3419856 w 3964392"/>
+              <a:gd name="connsiteY5" fmla="*/ 74450 h 3415968"/>
+              <a:gd name="connsiteX6" fmla="*/ 3419856 w 3964392"/>
+              <a:gd name="connsiteY6" fmla="*/ 3354550 h 3415968"/>
+              <a:gd name="connsiteX7" fmla="*/ 3398050 w 3964392"/>
+              <a:gd name="connsiteY7" fmla="*/ 3407194 h 3415968"/>
+              <a:gd name="connsiteX8" fmla="*/ 21806 w 3964392"/>
+              <a:gd name="connsiteY8" fmla="*/ 3407194 h 3415968"/>
+              <a:gd name="connsiteX9" fmla="*/ 0 w 3964392"/>
+              <a:gd name="connsiteY9" fmla="*/ 3354550 h 3415968"/>
+              <a:gd name="connsiteX10" fmla="*/ 0 w 3964392"/>
+              <a:gd name="connsiteY10" fmla="*/ 74450 h 3415968"/>
+              <a:gd name="connsiteX0" fmla="*/ 0 w 3968026"/>
+              <a:gd name="connsiteY0" fmla="*/ 74450 h 3910007"/>
+              <a:gd name="connsiteX1" fmla="*/ 21806 w 3968026"/>
+              <a:gd name="connsiteY1" fmla="*/ 21806 h 3910007"/>
+              <a:gd name="connsiteX2" fmla="*/ 74450 w 3968026"/>
+              <a:gd name="connsiteY2" fmla="*/ 0 h 3910007"/>
+              <a:gd name="connsiteX3" fmla="*/ 3345406 w 3968026"/>
+              <a:gd name="connsiteY3" fmla="*/ 0 h 3910007"/>
+              <a:gd name="connsiteX4" fmla="*/ 3398050 w 3968026"/>
+              <a:gd name="connsiteY4" fmla="*/ 21806 h 3910007"/>
+              <a:gd name="connsiteX5" fmla="*/ 3419856 w 3968026"/>
+              <a:gd name="connsiteY5" fmla="*/ 74450 h 3910007"/>
+              <a:gd name="connsiteX6" fmla="*/ 3419856 w 3968026"/>
+              <a:gd name="connsiteY6" fmla="*/ 3354550 h 3910007"/>
+              <a:gd name="connsiteX7" fmla="*/ 3398050 w 3968026"/>
+              <a:gd name="connsiteY7" fmla="*/ 3407194 h 3910007"/>
+              <a:gd name="connsiteX8" fmla="*/ 0 w 3968026"/>
+              <a:gd name="connsiteY8" fmla="*/ 3354550 h 3910007"/>
+              <a:gd name="connsiteX9" fmla="*/ 0 w 3968026"/>
+              <a:gd name="connsiteY9" fmla="*/ 74450 h 3910007"/>
+              <a:gd name="connsiteX0" fmla="*/ 0 w 3419856"/>
+              <a:gd name="connsiteY0" fmla="*/ 74450 h 3901233"/>
+              <a:gd name="connsiteX1" fmla="*/ 21806 w 3419856"/>
+              <a:gd name="connsiteY1" fmla="*/ 21806 h 3901233"/>
+              <a:gd name="connsiteX2" fmla="*/ 74450 w 3419856"/>
+              <a:gd name="connsiteY2" fmla="*/ 0 h 3901233"/>
+              <a:gd name="connsiteX3" fmla="*/ 3345406 w 3419856"/>
+              <a:gd name="connsiteY3" fmla="*/ 0 h 3901233"/>
+              <a:gd name="connsiteX4" fmla="*/ 3398050 w 3419856"/>
+              <a:gd name="connsiteY4" fmla="*/ 21806 h 3901233"/>
+              <a:gd name="connsiteX5" fmla="*/ 3419856 w 3419856"/>
+              <a:gd name="connsiteY5" fmla="*/ 74450 h 3901233"/>
+              <a:gd name="connsiteX6" fmla="*/ 3419856 w 3419856"/>
+              <a:gd name="connsiteY6" fmla="*/ 3354550 h 3901233"/>
+              <a:gd name="connsiteX7" fmla="*/ 0 w 3419856"/>
+              <a:gd name="connsiteY7" fmla="*/ 3354550 h 3901233"/>
+              <a:gd name="connsiteX8" fmla="*/ 0 w 3419856"/>
+              <a:gd name="connsiteY8" fmla="*/ 74450 h 3901233"/>
+              <a:gd name="connsiteX0" fmla="*/ 0 w 3419856"/>
+              <a:gd name="connsiteY0" fmla="*/ 74450 h 3354550"/>
+              <a:gd name="connsiteX1" fmla="*/ 21806 w 3419856"/>
+              <a:gd name="connsiteY1" fmla="*/ 21806 h 3354550"/>
+              <a:gd name="connsiteX2" fmla="*/ 74450 w 3419856"/>
+              <a:gd name="connsiteY2" fmla="*/ 0 h 3354550"/>
+              <a:gd name="connsiteX3" fmla="*/ 3345406 w 3419856"/>
+              <a:gd name="connsiteY3" fmla="*/ 0 h 3354550"/>
+              <a:gd name="connsiteX4" fmla="*/ 3398050 w 3419856"/>
+              <a:gd name="connsiteY4" fmla="*/ 21806 h 3354550"/>
+              <a:gd name="connsiteX5" fmla="*/ 3419856 w 3419856"/>
+              <a:gd name="connsiteY5" fmla="*/ 74450 h 3354550"/>
+              <a:gd name="connsiteX6" fmla="*/ 3419856 w 3419856"/>
+              <a:gd name="connsiteY6" fmla="*/ 3354550 h 3354550"/>
+              <a:gd name="connsiteX7" fmla="*/ 0 w 3419856"/>
+              <a:gd name="connsiteY7" fmla="*/ 3354550 h 3354550"/>
+              <a:gd name="connsiteX8" fmla="*/ 0 w 3419856"/>
+              <a:gd name="connsiteY8" fmla="*/ 74450 h 3354550"/>
+            </a:gdLst>
+            <a:ahLst/>
+            <a:cxnLst>
+              <a:cxn ang="0">
+                <a:pos x="connsiteX0" y="connsiteY0"/>
+              </a:cxn>
+              <a:cxn ang="0">
+                <a:pos x="connsiteX1" y="connsiteY1"/>
+              </a:cxn>
+              <a:cxn ang="0">
+                <a:pos x="connsiteX2" y="connsiteY2"/>
+              </a:cxn>
+              <a:cxn ang="0">
+                <a:pos x="connsiteX3" y="connsiteY3"/>
+              </a:cxn>
+              <a:cxn ang="0">
+                <a:pos x="connsiteX4" y="connsiteY4"/>
+              </a:cxn>
+              <a:cxn ang="0">
+                <a:pos x="connsiteX5" y="connsiteY5"/>
+              </a:cxn>
+              <a:cxn ang="0">
+                <a:pos x="connsiteX6" y="connsiteY6"/>
+              </a:cxn>
+              <a:cxn ang="0">
+                <a:pos x="connsiteX7" y="connsiteY7"/>
+              </a:cxn>
+              <a:cxn ang="0">
+                <a:pos x="connsiteX8" y="connsiteY8"/>
+              </a:cxn>
+            </a:cxnLst>
+            <a:rect l="l" t="t" r="r" b="b"/>
+            <a:pathLst>
+              <a:path w="3419856" h="3354550">
+                <a:moveTo>
+                  <a:pt x="0" y="74450"/>
+                </a:moveTo>
+                <a:cubicBezTo>
+                  <a:pt x="0" y="54705"/>
+                  <a:pt x="7844" y="35768"/>
+                  <a:pt x="21806" y="21806"/>
+                </a:cubicBezTo>
+                <a:cubicBezTo>
+                  <a:pt x="35768" y="7844"/>
+                  <a:pt x="54705" y="0"/>
+                  <a:pt x="74450" y="0"/>
+                </a:cubicBezTo>
+                <a:lnTo>
+                  <a:pt x="3345406" y="0"/>
+                </a:lnTo>
+                <a:cubicBezTo>
+                  <a:pt x="3365151" y="0"/>
+                  <a:pt x="3384088" y="7844"/>
+                  <a:pt x="3398050" y="21806"/>
+                </a:cubicBezTo>
+                <a:cubicBezTo>
+                  <a:pt x="3412012" y="35768"/>
+                  <a:pt x="3419856" y="54705"/>
+                  <a:pt x="3419856" y="74450"/>
+                </a:cubicBezTo>
+                <a:lnTo>
+                  <a:pt x="3419856" y="3354550"/>
+                </a:lnTo>
+                <a:lnTo>
+                  <a:pt x="0" y="3354550"/>
+                </a:lnTo>
+                <a:lnTo>
+                  <a:pt x="0" y="74450"/>
+                </a:lnTo>
+                <a:close/>
+              </a:path>
+            </a:pathLst>
+          </a:custGeom>
         </p:spPr>
         <p:txBody>
-          <a:bodyPr/>
+          <a:bodyPr>
+            <a:normAutofit/>
+          </a:bodyPr>
           <a:lstStyle>
-            <a:lvl1pPr marL="0" indent="0">
+            <a:lvl1pPr marL="0" indent="0" algn="ctr">
               <a:buNone/>
-              <a:defRPr sz="3200"/>
+              <a:defRPr sz="2000" baseline="0">
+                <a:solidFill>
+                  <a:schemeClr val="tx1">
+                    <a:lumMod val="65000"/>
+                  </a:schemeClr>
+                </a:solidFill>
+              </a:defRPr>
             </a:lvl1pPr>
             <a:lvl2pPr marL="457200" indent="0">
               <a:buNone/>
@@ -2430,7 +4847,11 @@
             </a:lvl9pPr>
           </a:lstStyle>
           <a:p>
-            <a:endParaRPr lang="en-US"/>
+            <a:r>
+              <a:rPr lang="en-US" smtClean="0"/>
+              <a:t>Click icon to add picture</a:t>
+            </a:r>
+            <a:endParaRPr lang="en-US" dirty="0"/>
           </a:p>
         </p:txBody>
       </p:sp>
@@ -2446,12 +4867,14 @@
         </p:nvSpPr>
         <p:spPr>
           <a:xfrm>
-            <a:off x="1792288" y="5367338"/>
-            <a:ext cx="5486400" cy="804862"/>
+            <a:off x="609600" y="2547890"/>
+            <a:ext cx="2971800" cy="2405109"/>
           </a:xfrm>
         </p:spPr>
         <p:txBody>
-          <a:bodyPr/>
+          <a:bodyPr tIns="9144">
+            <a:normAutofit/>
+          </a:bodyPr>
           <a:lstStyle>
             <a:lvl1pPr marL="0" indent="0">
               <a:buNone/>
@@ -2516,7 +4939,7 @@
           <a:p>
             <a:fld id="{9BF0437B-958D-4ACD-BC9D-5A6BF09C5E94}" type="datetimeFigureOut">
               <a:rPr lang="en-US" smtClean="0"/>
-              <a:t>5/6/2012</a:t>
+              <a:t>5/7/2012</a:t>
             </a:fld>
             <a:endParaRPr lang="en-US"/>
           </a:p>
@@ -2565,11 +4988,6 @@
         </p:txBody>
       </p:sp>
     </p:spTree>
-    <p:extLst>
-      <p:ext uri="{BB962C8B-B14F-4D97-AF65-F5344CB8AC3E}">
-        <p14:creationId xmlns:p14="http://schemas.microsoft.com/office/powerpoint/2010/main" val="482412628"/>
-      </p:ext>
-    </p:extLst>
   </p:cSld>
   <p:clrMapOvr>
     <a:masterClrMapping/>
@@ -2581,7 +4999,7 @@
 <p:sldMaster xmlns:a="http://schemas.openxmlformats.org/drawingml/2006/main" xmlns:r="http://schemas.openxmlformats.org/officeDocument/2006/relationships" xmlns:p="http://schemas.openxmlformats.org/presentationml/2006/main">
   <p:cSld>
     <p:bg>
-      <p:bgRef idx="1001">
+      <p:bgRef idx="1002">
         <a:schemeClr val="bg1"/>
       </p:bgRef>
     </p:bg>
@@ -2599,129 +5017,151 @@
           <a:chExt cx="0" cy="0"/>
         </a:xfrm>
       </p:grpSpPr>
-      <p:sp>
-        <p:nvSpPr>
-          <p:cNvPr id="2" name="Title Placeholder 1"/>
-          <p:cNvSpPr>
-            <a:spLocks noGrp="1"/>
-          </p:cNvSpPr>
-          <p:nvPr>
-            <p:ph type="title"/>
-          </p:nvPr>
-        </p:nvSpPr>
+      <p:pic>
+        <p:nvPicPr>
+          <p:cNvPr id="7" name="Picture 6" descr="horizon.png"/>
+          <p:cNvPicPr>
+            <a:picLocks noChangeAspect="1"/>
+          </p:cNvPicPr>
+          <p:nvPr/>
+        </p:nvPicPr>
+        <p:blipFill>
+          <a:blip r:embed="rId13" cstate="print"/>
+          <a:stretch>
+            <a:fillRect/>
+          </a:stretch>
+        </p:blipFill>
         <p:spPr>
           <a:xfrm>
-            <a:off x="457200" y="274638"/>
-            <a:ext cx="8229600" cy="1143000"/>
+            <a:off x="0" y="0"/>
+            <a:ext cx="9144000" cy="6858000"/>
           </a:xfrm>
           <a:prstGeom prst="rect">
             <a:avLst/>
           </a:prstGeom>
         </p:spPr>
-        <p:txBody>
-          <a:bodyPr vert="horz" lIns="91440" tIns="45720" rIns="91440" bIns="45720" rtlCol="0" anchor="ctr">
-            <a:normAutofit/>
-          </a:bodyPr>
-          <a:lstStyle/>
-          <a:p>
-            <a:r>
-              <a:rPr lang="en-US" smtClean="0"/>
-              <a:t>Click to edit Master title style</a:t>
-            </a:r>
-            <a:endParaRPr lang="en-US"/>
-          </a:p>
-        </p:txBody>
-      </p:sp>
-      <p:sp>
-        <p:nvSpPr>
-          <p:cNvPr id="3" name="Text Placeholder 2"/>
-          <p:cNvSpPr>
-            <a:spLocks noGrp="1"/>
-          </p:cNvSpPr>
-          <p:nvPr>
-            <p:ph type="body" idx="1"/>
+      </p:pic>
+      <p:sp>
+        <p:nvSpPr>
+          <p:cNvPr id="2" name="Title Placeholder 1"/>
+          <p:cNvSpPr>
+            <a:spLocks noGrp="1"/>
+          </p:cNvSpPr>
+          <p:nvPr>
+            <p:ph type="title"/>
           </p:nvPr>
         </p:nvSpPr>
         <p:spPr>
           <a:xfrm>
-            <a:off x="457200" y="1600200"/>
-            <a:ext cx="8229600" cy="4525963"/>
+            <a:off x="609600" y="274638"/>
+            <a:ext cx="7924800" cy="1143000"/>
           </a:xfrm>
           <a:prstGeom prst="rect">
             <a:avLst/>
           </a:prstGeom>
         </p:spPr>
         <p:txBody>
-          <a:bodyPr vert="horz" lIns="91440" tIns="45720" rIns="91440" bIns="45720" rtlCol="0">
-            <a:normAutofit/>
+          <a:bodyPr vert="horz" lIns="91440" tIns="45720" rIns="91440" bIns="45720" rtlCol="0" anchor="b" anchorCtr="0">
+            <a:noAutofit/>
           </a:bodyPr>
           <a:lstStyle/>
           <a:p>
-            <a:pPr lvl="0"/>
-            <a:r>
-              <a:rPr lang="en-US" smtClean="0"/>
-              <a:t>Click to edit Master text styles</a:t>
-            </a:r>
-          </a:p>
-          <a:p>
-            <a:pPr lvl="1"/>
-            <a:r>
-              <a:rPr lang="en-US" smtClean="0"/>
-              <a:t>Second level</a:t>
-            </a:r>
-          </a:p>
-          <a:p>
-            <a:pPr lvl="2"/>
-            <a:r>
-              <a:rPr lang="en-US" smtClean="0"/>
-              <a:t>Third level</a:t>
-            </a:r>
-          </a:p>
-          <a:p>
-            <a:pPr lvl="3"/>
-            <a:r>
-              <a:rPr lang="en-US" smtClean="0"/>
-              <a:t>Fourth level</a:t>
-            </a:r>
-          </a:p>
-          <a:p>
-            <a:pPr lvl="4"/>
-            <a:r>
-              <a:rPr lang="en-US" smtClean="0"/>
-              <a:t>Fifth level</a:t>
-            </a:r>
-            <a:endParaRPr lang="en-US"/>
-          </a:p>
-        </p:txBody>
-      </p:sp>
-      <p:sp>
-        <p:nvSpPr>
-          <p:cNvPr id="4" name="Date Placeholder 3"/>
-          <p:cNvSpPr>
-            <a:spLocks noGrp="1"/>
-          </p:cNvSpPr>
-          <p:nvPr>
-            <p:ph type="dt" sz="half" idx="2"/>
+            <a:r>
+              <a:rPr lang="en-US" smtClean="0"/>
+              <a:t>Click to edit Master title style</a:t>
+            </a:r>
+            <a:endParaRPr lang="en-US" dirty="0"/>
+          </a:p>
+        </p:txBody>
+      </p:sp>
+      <p:sp>
+        <p:nvSpPr>
+          <p:cNvPr id="3" name="Text Placeholder 2"/>
+          <p:cNvSpPr>
+            <a:spLocks noGrp="1"/>
+          </p:cNvSpPr>
+          <p:nvPr>
+            <p:ph type="body" idx="1"/>
           </p:nvPr>
         </p:nvSpPr>
         <p:spPr>
           <a:xfrm>
-            <a:off x="457200" y="6356350"/>
-            <a:ext cx="2133600" cy="365125"/>
+            <a:off x="609600" y="1600200"/>
+            <a:ext cx="7924800" cy="4525963"/>
           </a:xfrm>
           <a:prstGeom prst="rect">
             <a:avLst/>
           </a:prstGeom>
         </p:spPr>
         <p:txBody>
+          <a:bodyPr vert="horz" lIns="91440" tIns="45720" rIns="91440" bIns="45720" rtlCol="0">
+            <a:normAutofit/>
+          </a:bodyPr>
+          <a:lstStyle/>
+          <a:p>
+            <a:pPr lvl="0"/>
+            <a:r>
+              <a:rPr lang="en-US" smtClean="0"/>
+              <a:t>Click to edit Master text styles</a:t>
+            </a:r>
+          </a:p>
+          <a:p>
+            <a:pPr lvl="1"/>
+            <a:r>
+              <a:rPr lang="en-US" smtClean="0"/>
+              <a:t>Second level</a:t>
+            </a:r>
+          </a:p>
+          <a:p>
+            <a:pPr lvl="2"/>
+            <a:r>
+              <a:rPr lang="en-US" smtClean="0"/>
+              <a:t>Third level</a:t>
+            </a:r>
+          </a:p>
+          <a:p>
+            <a:pPr lvl="3"/>
+            <a:r>
+              <a:rPr lang="en-US" smtClean="0"/>
+              <a:t>Fourth level</a:t>
+            </a:r>
+          </a:p>
+          <a:p>
+            <a:pPr lvl="4"/>
+            <a:r>
+              <a:rPr lang="en-US" smtClean="0"/>
+              <a:t>Fifth level</a:t>
+            </a:r>
+            <a:endParaRPr lang="en-US" dirty="0" smtClean="0"/>
+          </a:p>
+        </p:txBody>
+      </p:sp>
+      <p:sp>
+        <p:nvSpPr>
+          <p:cNvPr id="4" name="Date Placeholder 3"/>
+          <p:cNvSpPr>
+            <a:spLocks noGrp="1"/>
+          </p:cNvSpPr>
+          <p:nvPr>
+            <p:ph type="dt" sz="half" idx="2"/>
+          </p:nvPr>
+        </p:nvSpPr>
+        <p:spPr>
+          <a:xfrm>
+            <a:off x="5715000" y="6356350"/>
+            <a:ext cx="1524000" cy="365125"/>
+          </a:xfrm>
+          <a:prstGeom prst="rect">
+            <a:avLst/>
+          </a:prstGeom>
+        </p:spPr>
+        <p:txBody>
           <a:bodyPr vert="horz" lIns="91440" tIns="45720" rIns="91440" bIns="45720" rtlCol="0" anchor="ctr"/>
           <a:lstStyle>
-            <a:lvl1pPr algn="l">
-              <a:defRPr sz="1200">
+            <a:lvl1pPr algn="r">
+              <a:defRPr sz="1000" strike="noStrike" spc="60" baseline="0">
                 <a:solidFill>
-                  <a:schemeClr val="tx1">
-                    <a:tint val="75000"/>
-                  </a:schemeClr>
+                  <a:schemeClr val="tx1"/>
                 </a:solidFill>
               </a:defRPr>
             </a:lvl1pPr>
@@ -2729,7 +5169,7 @@
           <a:p>
             <a:fld id="{9BF0437B-958D-4ACD-BC9D-5A6BF09C5E94}" type="datetimeFigureOut">
               <a:rPr lang="en-US" smtClean="0"/>
-              <a:t>5/6/2012</a:t>
+              <a:t>5/7/2012</a:t>
             </a:fld>
             <a:endParaRPr lang="en-US"/>
           </a:p>
@@ -2747,7 +5187,7 @@
         </p:nvSpPr>
         <p:spPr>
           <a:xfrm>
-            <a:off x="3124200" y="6356350"/>
+            <a:off x="609600" y="6356350"/>
             <a:ext cx="2895600" cy="365125"/>
           </a:xfrm>
           <a:prstGeom prst="rect">
@@ -2757,12 +5197,10 @@
         <p:txBody>
           <a:bodyPr vert="horz" lIns="91440" tIns="45720" rIns="91440" bIns="45720" rtlCol="0" anchor="ctr"/>
           <a:lstStyle>
-            <a:lvl1pPr algn="ctr">
-              <a:defRPr sz="1200">
+            <a:lvl1pPr algn="l">
+              <a:defRPr sz="1000" cap="all" spc="60" baseline="0">
                 <a:solidFill>
-                  <a:schemeClr val="tx1">
-                    <a:tint val="75000"/>
-                  </a:schemeClr>
+                  <a:schemeClr val="tx1"/>
                 </a:solidFill>
               </a:defRPr>
             </a:lvl1pPr>
@@ -2784,8 +5222,8 @@
         </p:nvSpPr>
         <p:spPr>
           <a:xfrm>
-            <a:off x="6553200" y="6356350"/>
-            <a:ext cx="2133600" cy="365125"/>
+            <a:off x="7543800" y="6356350"/>
+            <a:ext cx="990600" cy="365125"/>
           </a:xfrm>
           <a:prstGeom prst="rect">
             <a:avLst/>
@@ -2795,11 +5233,9 @@
           <a:bodyPr vert="horz" lIns="91440" tIns="45720" rIns="91440" bIns="45720" rtlCol="0" anchor="ctr"/>
           <a:lstStyle>
             <a:lvl1pPr algn="r">
-              <a:defRPr sz="1200">
+              <a:defRPr sz="1100" baseline="0">
                 <a:solidFill>
-                  <a:schemeClr val="tx1">
-                    <a:tint val="75000"/>
-                  </a:schemeClr>
+                  <a:schemeClr val="tx1"/>
                 </a:solidFill>
               </a:defRPr>
             </a:lvl1pPr>
@@ -2814,34 +5250,29 @@
         </p:txBody>
       </p:sp>
     </p:spTree>
-    <p:extLst>
-      <p:ext uri="{BB962C8B-B14F-4D97-AF65-F5344CB8AC3E}">
-        <p14:creationId xmlns:p14="http://schemas.microsoft.com/office/powerpoint/2010/main" val="1675996944"/>
-      </p:ext>
-    </p:extLst>
   </p:cSld>
-  <p:clrMap bg1="lt1" tx1="dk1" bg2="lt2" tx2="dk2" accent1="accent1" accent2="accent2" accent3="accent3" accent4="accent4" accent5="accent5" accent6="accent6" hlink="hlink" folHlink="folHlink"/>
+  <p:clrMap bg1="dk1" tx1="lt1" bg2="dk2" tx2="lt2" accent1="accent1" accent2="accent2" accent3="accent3" accent4="accent4" accent5="accent5" accent6="accent6" hlink="hlink" folHlink="folHlink"/>
   <p:sldLayoutIdLst>
-    <p:sldLayoutId id="2147483649" r:id="rId1"/>
-    <p:sldLayoutId id="2147483650" r:id="rId2"/>
-    <p:sldLayoutId id="2147483651" r:id="rId3"/>
-    <p:sldLayoutId id="2147483652" r:id="rId4"/>
-    <p:sldLayoutId id="2147483653" r:id="rId5"/>
-    <p:sldLayoutId id="2147483654" r:id="rId6"/>
-    <p:sldLayoutId id="2147483655" r:id="rId7"/>
-    <p:sldLayoutId id="2147483656" r:id="rId8"/>
-    <p:sldLayoutId id="2147483657" r:id="rId9"/>
-    <p:sldLayoutId id="2147483658" r:id="rId10"/>
-    <p:sldLayoutId id="2147483659" r:id="rId11"/>
+    <p:sldLayoutId id="2147483673" r:id="rId1"/>
+    <p:sldLayoutId id="2147483674" r:id="rId2"/>
+    <p:sldLayoutId id="2147483675" r:id="rId3"/>
+    <p:sldLayoutId id="2147483676" r:id="rId4"/>
+    <p:sldLayoutId id="2147483677" r:id="rId5"/>
+    <p:sldLayoutId id="2147483678" r:id="rId6"/>
+    <p:sldLayoutId id="2147483679" r:id="rId7"/>
+    <p:sldLayoutId id="2147483680" r:id="rId8"/>
+    <p:sldLayoutId id="2147483681" r:id="rId9"/>
+    <p:sldLayoutId id="2147483682" r:id="rId10"/>
+    <p:sldLayoutId id="2147483683" r:id="rId11"/>
   </p:sldLayoutIdLst>
   <p:txStyles>
     <p:titleStyle>
-      <a:lvl1pPr algn="ctr" defTabSz="914400" rtl="0" eaLnBrk="1" latinLnBrk="0" hangingPunct="1">
+      <a:lvl1pPr algn="l" defTabSz="914400" rtl="0" eaLnBrk="1" latinLnBrk="0" hangingPunct="1">
         <a:spcBef>
           <a:spcPct val="0"/>
         </a:spcBef>
         <a:buNone/>
-        <a:defRPr sz="4400" kern="1200">
+        <a:defRPr sz="3000" kern="1200" cap="all" spc="50" baseline="0">
           <a:solidFill>
             <a:schemeClr val="tx1"/>
           </a:solidFill>
@@ -2850,15 +5281,80 @@
           <a:cs typeface="+mj-cs"/>
         </a:defRPr>
       </a:lvl1pPr>
+      <a:lvl2pPr eaLnBrk="1" hangingPunct="1">
+        <a:defRPr>
+          <a:solidFill>
+            <a:schemeClr val="tx2"/>
+          </a:solidFill>
+        </a:defRPr>
+      </a:lvl2pPr>
+      <a:lvl3pPr eaLnBrk="1" hangingPunct="1">
+        <a:defRPr>
+          <a:solidFill>
+            <a:schemeClr val="tx2"/>
+          </a:solidFill>
+        </a:defRPr>
+      </a:lvl3pPr>
+      <a:lvl4pPr eaLnBrk="1" hangingPunct="1">
+        <a:defRPr>
+          <a:solidFill>
+            <a:schemeClr val="tx2"/>
+          </a:solidFill>
+        </a:defRPr>
+      </a:lvl4pPr>
+      <a:lvl5pPr eaLnBrk="1" hangingPunct="1">
+        <a:defRPr>
+          <a:solidFill>
+            <a:schemeClr val="tx2"/>
+          </a:solidFill>
+        </a:defRPr>
+      </a:lvl5pPr>
+      <a:lvl6pPr eaLnBrk="1" hangingPunct="1">
+        <a:defRPr>
+          <a:solidFill>
+            <a:schemeClr val="tx2"/>
+          </a:solidFill>
+        </a:defRPr>
+      </a:lvl6pPr>
+      <a:lvl7pPr eaLnBrk="1" hangingPunct="1">
+        <a:defRPr>
+          <a:solidFill>
+            <a:schemeClr val="tx2"/>
+          </a:solidFill>
+        </a:defRPr>
+      </a:lvl7pPr>
+      <a:lvl8pPr eaLnBrk="1" hangingPunct="1">
+        <a:defRPr>
+          <a:solidFill>
+            <a:schemeClr val="tx2"/>
+          </a:solidFill>
+        </a:defRPr>
+      </a:lvl8pPr>
+      <a:lvl9pPr eaLnBrk="1" hangingPunct="1">
+        <a:defRPr>
+          <a:solidFill>
+            <a:schemeClr val="tx2"/>
+          </a:solidFill>
+        </a:defRPr>
+      </a:lvl9pPr>
     </p:titleStyle>
     <p:bodyStyle>
       <a:lvl1pPr marL="342900" indent="-342900" algn="l" defTabSz="914400" rtl="0" eaLnBrk="1" latinLnBrk="0" hangingPunct="1">
+        <a:lnSpc>
+          <a:spcPct val="100000"/>
+        </a:lnSpc>
         <a:spcBef>
           <a:spcPct val="20000"/>
         </a:spcBef>
+        <a:spcAft>
+          <a:spcPts val="600"/>
+        </a:spcAft>
+        <a:buClr>
+          <a:schemeClr val="tx2"/>
+        </a:buClr>
         <a:buFont typeface="Arial" pitchFamily="34" charset="0"/>
         <a:buChar char="•"/>
-        <a:defRPr sz="3200" kern="1200">
+        <a:defRPr sz="1700" kern="1200" spc="30" baseline="0">
           <a:solidFill>
             <a:schemeClr val="tx1"/>
           </a:solidFill>
@@ -2868,12 +5364,21 @@
         </a:defRPr>
       </a:lvl1pPr>
       <a:lvl2pPr marL="742950" indent="-285750" algn="l" defTabSz="914400" rtl="0" eaLnBrk="1" latinLnBrk="0" hangingPunct="1">
+        <a:lnSpc>
+          <a:spcPct val="100000"/>
+        </a:lnSpc>
         <a:spcBef>
           <a:spcPct val="20000"/>
         </a:spcBef>
+        <a:spcAft>
+          <a:spcPts val="600"/>
+        </a:spcAft>
+        <a:buClr>
+          <a:schemeClr val="tx2"/>
+        </a:buClr>
         <a:buFont typeface="Arial" pitchFamily="34" charset="0"/>
-        <a:buChar char="–"/>
-        <a:defRPr sz="2800" kern="1200">
+        <a:buChar char="•"/>
+        <a:defRPr sz="1700" kern="1200" spc="30" baseline="0">
           <a:solidFill>
             <a:schemeClr val="tx1"/>
           </a:solidFill>
@@ -2883,12 +5388,21 @@
         </a:defRPr>
       </a:lvl2pPr>
       <a:lvl3pPr marL="1143000" indent="-228600" algn="l" defTabSz="914400" rtl="0" eaLnBrk="1" latinLnBrk="0" hangingPunct="1">
+        <a:lnSpc>
+          <a:spcPct val="100000"/>
+        </a:lnSpc>
         <a:spcBef>
           <a:spcPct val="20000"/>
         </a:spcBef>
+        <a:spcAft>
+          <a:spcPts val="600"/>
+        </a:spcAft>
+        <a:buClr>
+          <a:schemeClr val="tx2"/>
+        </a:buClr>
         <a:buFont typeface="Arial" pitchFamily="34" charset="0"/>
         <a:buChar char="•"/>
-        <a:defRPr sz="2400" kern="1200">
+        <a:defRPr sz="1700" kern="1200" spc="30" baseline="0">
           <a:solidFill>
             <a:schemeClr val="tx1"/>
           </a:solidFill>
@@ -2898,12 +5412,21 @@
         </a:defRPr>
       </a:lvl3pPr>
       <a:lvl4pPr marL="1600200" indent="-228600" algn="l" defTabSz="914400" rtl="0" eaLnBrk="1" latinLnBrk="0" hangingPunct="1">
+        <a:lnSpc>
+          <a:spcPct val="100000"/>
+        </a:lnSpc>
         <a:spcBef>
           <a:spcPct val="20000"/>
         </a:spcBef>
+        <a:spcAft>
+          <a:spcPts val="600"/>
+        </a:spcAft>
+        <a:buClr>
+          <a:schemeClr val="tx2"/>
+        </a:buClr>
         <a:buFont typeface="Arial" pitchFamily="34" charset="0"/>
-        <a:buChar char="–"/>
-        <a:defRPr sz="2000" kern="1200">
+        <a:buChar char="•"/>
+        <a:defRPr sz="1700" kern="1200" spc="30" baseline="0">
           <a:solidFill>
             <a:schemeClr val="tx1"/>
           </a:solidFill>
@@ -2913,12 +5436,21 @@
         </a:defRPr>
       </a:lvl4pPr>
       <a:lvl5pPr marL="2057400" indent="-228600" algn="l" defTabSz="914400" rtl="0" eaLnBrk="1" latinLnBrk="0" hangingPunct="1">
+        <a:lnSpc>
+          <a:spcPct val="100000"/>
+        </a:lnSpc>
         <a:spcBef>
           <a:spcPct val="20000"/>
         </a:spcBef>
+        <a:spcAft>
+          <a:spcPts val="600"/>
+        </a:spcAft>
+        <a:buClr>
+          <a:schemeClr val="tx2"/>
+        </a:buClr>
         <a:buFont typeface="Arial" pitchFamily="34" charset="0"/>
-        <a:buChar char="»"/>
-        <a:defRPr sz="2000" kern="1200">
+        <a:buChar char="•"/>
+        <a:defRPr sz="1700" kern="1200" spc="30" baseline="0">
           <a:solidFill>
             <a:schemeClr val="tx1"/>
           </a:solidFill>
@@ -2928,12 +5460,21 @@
         </a:defRPr>
       </a:lvl5pPr>
       <a:lvl6pPr marL="2514600" indent="-228600" algn="l" defTabSz="914400" rtl="0" eaLnBrk="1" latinLnBrk="0" hangingPunct="1">
+        <a:lnSpc>
+          <a:spcPct val="100000"/>
+        </a:lnSpc>
         <a:spcBef>
           <a:spcPct val="20000"/>
         </a:spcBef>
+        <a:spcAft>
+          <a:spcPts val="600"/>
+        </a:spcAft>
+        <a:buClr>
+          <a:schemeClr val="tx2"/>
+        </a:buClr>
         <a:buFont typeface="Arial" pitchFamily="34" charset="0"/>
         <a:buChar char="•"/>
-        <a:defRPr sz="2000" kern="1200">
+        <a:defRPr sz="1700" kern="1200">
           <a:solidFill>
             <a:schemeClr val="tx1"/>
           </a:solidFill>
@@ -2943,12 +5484,21 @@
         </a:defRPr>
       </a:lvl6pPr>
       <a:lvl7pPr marL="2971800" indent="-228600" algn="l" defTabSz="914400" rtl="0" eaLnBrk="1" latinLnBrk="0" hangingPunct="1">
+        <a:lnSpc>
+          <a:spcPct val="100000"/>
+        </a:lnSpc>
         <a:spcBef>
           <a:spcPct val="20000"/>
         </a:spcBef>
+        <a:spcAft>
+          <a:spcPts val="600"/>
+        </a:spcAft>
+        <a:buClr>
+          <a:schemeClr val="tx2"/>
+        </a:buClr>
         <a:buFont typeface="Arial" pitchFamily="34" charset="0"/>
         <a:buChar char="•"/>
-        <a:defRPr sz="2000" kern="1200">
+        <a:defRPr sz="1700" kern="1200">
           <a:solidFill>
             <a:schemeClr val="tx1"/>
           </a:solidFill>
@@ -2958,12 +5508,21 @@
         </a:defRPr>
       </a:lvl7pPr>
       <a:lvl8pPr marL="3429000" indent="-228600" algn="l" defTabSz="914400" rtl="0" eaLnBrk="1" latinLnBrk="0" hangingPunct="1">
+        <a:lnSpc>
+          <a:spcPct val="100000"/>
+        </a:lnSpc>
         <a:spcBef>
           <a:spcPct val="20000"/>
         </a:spcBef>
+        <a:spcAft>
+          <a:spcPts val="600"/>
+        </a:spcAft>
+        <a:buClr>
+          <a:schemeClr val="tx2"/>
+        </a:buClr>
         <a:buFont typeface="Arial" pitchFamily="34" charset="0"/>
         <a:buChar char="•"/>
-        <a:defRPr sz="2000" kern="1200">
+        <a:defRPr sz="1700" kern="1200">
           <a:solidFill>
             <a:schemeClr val="tx1"/>
           </a:solidFill>
@@ -2973,12 +5532,21 @@
         </a:defRPr>
       </a:lvl8pPr>
       <a:lvl9pPr marL="3886200" indent="-228600" algn="l" defTabSz="914400" rtl="0" eaLnBrk="1" latinLnBrk="0" hangingPunct="1">
+        <a:lnSpc>
+          <a:spcPct val="100000"/>
+        </a:lnSpc>
         <a:spcBef>
           <a:spcPct val="20000"/>
         </a:spcBef>
+        <a:spcAft>
+          <a:spcPts val="600"/>
+        </a:spcAft>
+        <a:buClr>
+          <a:schemeClr val="tx2"/>
+        </a:buClr>
         <a:buFont typeface="Arial" pitchFamily="34" charset="0"/>
         <a:buChar char="•"/>
-        <a:defRPr sz="2000" kern="1200">
+        <a:defRPr sz="1700" kern="1200">
           <a:solidFill>
             <a:schemeClr val="tx1"/>
           </a:solidFill>
@@ -3106,29 +5674,6 @@
       </p:grpSpPr>
       <p:sp>
         <p:nvSpPr>
-          <p:cNvPr id="2" name="Title 1"/>
-          <p:cNvSpPr>
-            <a:spLocks noGrp="1"/>
-          </p:cNvSpPr>
-          <p:nvPr>
-            <p:ph type="ctrTitle"/>
-          </p:nvPr>
-        </p:nvSpPr>
-        <p:spPr/>
-        <p:txBody>
-          <a:bodyPr/>
-          <a:lstStyle/>
-          <a:p>
-            <a:r>
-              <a:rPr lang="en-US" dirty="0" smtClean="0"/>
-              <a:t>Cyber Security</a:t>
-            </a:r>
-            <a:endParaRPr lang="en-US" dirty="0"/>
-          </a:p>
-        </p:txBody>
-      </p:sp>
-      <p:sp>
-        <p:nvSpPr>
           <p:cNvPr id="3" name="Subtitle 2"/>
           <p:cNvSpPr>
             <a:spLocks noGrp="1"/>
@@ -3147,6 +5692,34 @@
               <a:t>Rob Wagner, Alex Petitjean, Ryne Bell</a:t>
             </a:r>
             <a:endParaRPr lang="en-US" dirty="0"/>
+          </a:p>
+        </p:txBody>
+      </p:sp>
+      <p:sp>
+        <p:nvSpPr>
+          <p:cNvPr id="2" name="Title 1"/>
+          <p:cNvSpPr>
+            <a:spLocks noGrp="1"/>
+          </p:cNvSpPr>
+          <p:nvPr>
+            <p:ph type="ctrTitle"/>
+          </p:nvPr>
+        </p:nvSpPr>
+        <p:spPr>
+          <a:xfrm>
+            <a:off x="685800" y="2007888"/>
+            <a:ext cx="7772400" cy="1470025"/>
+          </a:xfrm>
+        </p:spPr>
+        <p:txBody>
+          <a:bodyPr/>
+          <a:lstStyle/>
+          <a:p>
+            <a:r>
+              <a:rPr lang="en-US" sz="4800" dirty="0" smtClean="0"/>
+              <a:t>Cyber Security</a:t>
+            </a:r>
+            <a:endParaRPr lang="en-US" sz="4800" dirty="0"/>
           </a:p>
         </p:txBody>
       </p:sp>
@@ -3160,11 +5733,11 @@
   <p:clrMapOvr>
     <a:masterClrMapping/>
   </p:clrMapOvr>
-  <mc:AlternateContent xmlns:mc="http://schemas.openxmlformats.org/markup-compatibility/2006">
-    <mc:Choice xmlns:p14="http://schemas.microsoft.com/office/powerpoint/2010/main" Requires="p14">
+  <mc:AlternateContent xmlns:mc="http://schemas.openxmlformats.org/markup-compatibility/2006" xmlns:p14="http://schemas.microsoft.com/office/powerpoint/2010/main">
+    <mc:Choice Requires="p14">
       <p:transition spd="slow" p14:dur="2000"/>
     </mc:Choice>
-    <mc:Fallback>
+    <mc:Fallback xmlns="">
       <p:transition spd="slow"/>
     </mc:Fallback>
   </mc:AlternateContent>
@@ -3195,54 +5768,62 @@
           <a:chExt cx="0" cy="0"/>
         </a:xfrm>
       </p:grpSpPr>
-      <p:sp>
-        <p:nvSpPr>
-          <p:cNvPr id="2" name="Title 1"/>
-          <p:cNvSpPr>
-            <a:spLocks noGrp="1"/>
-          </p:cNvSpPr>
-          <p:nvPr>
-            <p:ph type="title"/>
-          </p:nvPr>
-        </p:nvSpPr>
-        <p:spPr/>
-        <p:txBody>
-          <a:bodyPr/>
+      <p:pic>
+        <p:nvPicPr>
+          <p:cNvPr id="4" name="Picture 3"/>
+          <p:cNvPicPr>
+            <a:picLocks noChangeAspect="1"/>
+          </p:cNvPicPr>
+          <p:nvPr/>
+        </p:nvPicPr>
+        <p:blipFill>
+          <a:blip r:embed="rId3">
+            <a:extLst>
+              <a:ext uri="{28A0092B-C50C-407E-A947-70E740481C1C}">
+                <a14:useLocalDpi xmlns:a14="http://schemas.microsoft.com/office/drawing/2010/main" val="0"/>
+              </a:ext>
+            </a:extLst>
+          </a:blip>
+          <a:stretch>
+            <a:fillRect/>
+          </a:stretch>
+        </p:blipFill>
+        <p:spPr>
+          <a:xfrm>
+            <a:off x="1676400" y="717145"/>
+            <a:ext cx="5943600" cy="4700848"/>
+          </a:xfrm>
+          <a:prstGeom prst="rect">
+            <a:avLst/>
+          </a:prstGeom>
+        </p:spPr>
+      </p:pic>
+      <p:sp>
+        <p:nvSpPr>
+          <p:cNvPr id="5" name="TextBox 4"/>
+          <p:cNvSpPr txBox="1"/>
+          <p:nvPr/>
+        </p:nvSpPr>
+        <p:spPr>
+          <a:xfrm>
+            <a:off x="8451906" y="6400800"/>
+            <a:ext cx="692094" cy="369332"/>
+          </a:xfrm>
+          <a:prstGeom prst="rect">
+            <a:avLst/>
+          </a:prstGeom>
+          <a:noFill/>
+        </p:spPr>
+        <p:txBody>
+          <a:bodyPr wrap="square" rtlCol="0">
+            <a:spAutoFit/>
+          </a:bodyPr>
           <a:lstStyle/>
           <a:p>
             <a:r>
               <a:rPr lang="en-US" dirty="0" smtClean="0"/>
-              <a:t>Standards</a:t>
-            </a:r>
-            <a:endParaRPr lang="en-US" dirty="0"/>
-          </a:p>
-        </p:txBody>
-      </p:sp>
-      <p:sp>
-        <p:nvSpPr>
-          <p:cNvPr id="3" name="Content Placeholder 2"/>
-          <p:cNvSpPr>
-            <a:spLocks noGrp="1"/>
-          </p:cNvSpPr>
-          <p:nvPr>
-            <p:ph idx="1"/>
-          </p:nvPr>
-        </p:nvSpPr>
-        <p:spPr/>
-        <p:txBody>
-          <a:bodyPr/>
-          <a:lstStyle/>
-          <a:p>
-            <a:pPr lvl="0"/>
-            <a:r>
-              <a:rPr lang="en-US" dirty="0"/>
-              <a:t>Carnegie Mellon’s Computer Emergency Response Team (CERT) have published secure coding standards for several languages.  The standards were developed by members of their team and a community of software developers.</a:t>
-            </a:r>
-          </a:p>
-          <a:p>
-            <a:pPr marL="0" indent="0">
-              <a:buNone/>
-            </a:pPr>
+              <a:t>Q4</a:t>
+            </a:r>
             <a:endParaRPr lang="en-US" dirty="0"/>
           </a:p>
         </p:txBody>
@@ -3250,7 +5831,988 @@
     </p:spTree>
     <p:extLst>
       <p:ext uri="{BB962C8B-B14F-4D97-AF65-F5344CB8AC3E}">
-        <p14:creationId xmlns:p14="http://schemas.microsoft.com/office/powerpoint/2010/main" val="3606736370"/>
+        <p14:creationId xmlns:p14="http://schemas.microsoft.com/office/powerpoint/2010/main" val="401302526"/>
+      </p:ext>
+    </p:extLst>
+  </p:cSld>
+  <p:clrMapOvr>
+    <a:masterClrMapping/>
+  </p:clrMapOvr>
+</p:sld>
+</file>
+
+<file path=ppt/slides/slide11.xml><?xml version="1.0" encoding="utf-8"?>
+<p:sld xmlns:a="http://schemas.openxmlformats.org/drawingml/2006/main" xmlns:r="http://schemas.openxmlformats.org/officeDocument/2006/relationships" xmlns:p="http://schemas.openxmlformats.org/presentationml/2006/main">
+  <p:cSld>
+    <p:spTree>
+      <p:nvGrpSpPr>
+        <p:cNvPr id="1" name=""/>
+        <p:cNvGrpSpPr/>
+        <p:nvPr/>
+      </p:nvGrpSpPr>
+      <p:grpSpPr>
+        <a:xfrm>
+          <a:off x="0" y="0"/>
+          <a:ext cx="0" cy="0"/>
+          <a:chOff x="0" y="0"/>
+          <a:chExt cx="0" cy="0"/>
+        </a:xfrm>
+      </p:grpSpPr>
+      <p:sp>
+        <p:nvSpPr>
+          <p:cNvPr id="2" name="Title 1"/>
+          <p:cNvSpPr>
+            <a:spLocks noGrp="1"/>
+          </p:cNvSpPr>
+          <p:nvPr>
+            <p:ph type="title"/>
+          </p:nvPr>
+        </p:nvSpPr>
+        <p:spPr/>
+        <p:txBody>
+          <a:bodyPr/>
+          <a:lstStyle/>
+          <a:p>
+            <a:pPr algn="ctr"/>
+            <a:r>
+              <a:rPr lang="en-US" sz="3600" dirty="0" smtClean="0"/>
+              <a:t>Important Things to Take Away</a:t>
+            </a:r>
+            <a:endParaRPr lang="en-US" sz="3600" dirty="0"/>
+          </a:p>
+        </p:txBody>
+      </p:sp>
+      <p:sp>
+        <p:nvSpPr>
+          <p:cNvPr id="3" name="Content Placeholder 2"/>
+          <p:cNvSpPr>
+            <a:spLocks noGrp="1"/>
+          </p:cNvSpPr>
+          <p:nvPr>
+            <p:ph sz="quarter" idx="13"/>
+          </p:nvPr>
+        </p:nvSpPr>
+        <p:spPr/>
+        <p:txBody>
+          <a:bodyPr>
+            <a:normAutofit/>
+          </a:bodyPr>
+          <a:lstStyle/>
+          <a:p>
+            <a:r>
+              <a:rPr lang="en-US" sz="2800" dirty="0" smtClean="0"/>
+              <a:t>Establish trust with user base</a:t>
+            </a:r>
+          </a:p>
+          <a:p>
+            <a:r>
+              <a:rPr lang="en-US" sz="2800" dirty="0" smtClean="0"/>
+              <a:t>Assume users know nothing about your system</a:t>
+            </a:r>
+          </a:p>
+          <a:p>
+            <a:r>
+              <a:rPr lang="en-US" sz="2800" dirty="0" smtClean="0"/>
+              <a:t>Users should have minimum privileges and have access only to what they need</a:t>
+            </a:r>
+            <a:endParaRPr lang="en-US" sz="2800" dirty="0"/>
+          </a:p>
+        </p:txBody>
+      </p:sp>
+      <p:sp>
+        <p:nvSpPr>
+          <p:cNvPr id="4" name="TextBox 3"/>
+          <p:cNvSpPr txBox="1"/>
+          <p:nvPr/>
+        </p:nvSpPr>
+        <p:spPr>
+          <a:xfrm>
+            <a:off x="8382000" y="6400800"/>
+            <a:ext cx="609600" cy="381000"/>
+          </a:xfrm>
+          <a:prstGeom prst="rect">
+            <a:avLst/>
+          </a:prstGeom>
+          <a:noFill/>
+        </p:spPr>
+        <p:txBody>
+          <a:bodyPr wrap="square" rtlCol="0">
+            <a:spAutoFit/>
+          </a:bodyPr>
+          <a:lstStyle/>
+          <a:p>
+            <a:r>
+              <a:rPr lang="en-US" dirty="0" smtClean="0"/>
+              <a:t>Q5</a:t>
+            </a:r>
+            <a:endParaRPr lang="en-US" dirty="0"/>
+          </a:p>
+        </p:txBody>
+      </p:sp>
+    </p:spTree>
+    <p:extLst>
+      <p:ext uri="{BB962C8B-B14F-4D97-AF65-F5344CB8AC3E}">
+        <p14:creationId xmlns:p14="http://schemas.microsoft.com/office/powerpoint/2010/main" val="2644773763"/>
+      </p:ext>
+    </p:extLst>
+  </p:cSld>
+  <p:clrMapOvr>
+    <a:masterClrMapping/>
+  </p:clrMapOvr>
+</p:sld>
+</file>
+
+<file path=ppt/slides/slide12.xml><?xml version="1.0" encoding="utf-8"?>
+<p:sld xmlns:a="http://schemas.openxmlformats.org/drawingml/2006/main" xmlns:r="http://schemas.openxmlformats.org/officeDocument/2006/relationships" xmlns:p="http://schemas.openxmlformats.org/presentationml/2006/main">
+  <p:cSld>
+    <p:spTree>
+      <p:nvGrpSpPr>
+        <p:cNvPr id="1" name=""/>
+        <p:cNvGrpSpPr/>
+        <p:nvPr/>
+      </p:nvGrpSpPr>
+      <p:grpSpPr>
+        <a:xfrm>
+          <a:off x="0" y="0"/>
+          <a:ext cx="0" cy="0"/>
+          <a:chOff x="0" y="0"/>
+          <a:chExt cx="0" cy="0"/>
+        </a:xfrm>
+      </p:grpSpPr>
+      <p:sp>
+        <p:nvSpPr>
+          <p:cNvPr id="2" name="Title 1"/>
+          <p:cNvSpPr>
+            <a:spLocks noGrp="1"/>
+          </p:cNvSpPr>
+          <p:nvPr>
+            <p:ph type="title"/>
+          </p:nvPr>
+        </p:nvSpPr>
+        <p:spPr/>
+        <p:txBody>
+          <a:bodyPr/>
+          <a:lstStyle/>
+          <a:p>
+            <a:pPr algn="ctr"/>
+            <a:r>
+              <a:rPr lang="en-US" sz="3600" dirty="0" smtClean="0"/>
+              <a:t>Metrics</a:t>
+            </a:r>
+            <a:endParaRPr lang="en-US" sz="3600" dirty="0"/>
+          </a:p>
+        </p:txBody>
+      </p:sp>
+      <p:sp>
+        <p:nvSpPr>
+          <p:cNvPr id="3" name="Content Placeholder 2"/>
+          <p:cNvSpPr>
+            <a:spLocks noGrp="1"/>
+          </p:cNvSpPr>
+          <p:nvPr>
+            <p:ph sz="quarter" idx="13"/>
+          </p:nvPr>
+        </p:nvSpPr>
+        <p:spPr/>
+        <p:txBody>
+          <a:bodyPr>
+            <a:normAutofit/>
+          </a:bodyPr>
+          <a:lstStyle/>
+          <a:p>
+            <a:r>
+              <a:rPr lang="en-US" sz="2200" dirty="0"/>
+              <a:t>Core vs. </a:t>
+            </a:r>
+            <a:r>
+              <a:rPr lang="en-US" sz="2200" dirty="0" smtClean="0"/>
+              <a:t>ecosystem</a:t>
+            </a:r>
+            <a:endParaRPr lang="en-US" sz="2200" dirty="0"/>
+          </a:p>
+          <a:p>
+            <a:pPr lvl="1"/>
+            <a:r>
+              <a:rPr lang="en-US" sz="2200" dirty="0"/>
+              <a:t>Standard metrics can be used to ensure the core works properly, but tests for the ecosystem are a little more specialized</a:t>
+            </a:r>
+          </a:p>
+          <a:p>
+            <a:pPr lvl="1"/>
+            <a:r>
+              <a:rPr lang="en-US" sz="2200" dirty="0"/>
+              <a:t>Core functionality is tested much the same as any other code, but often with more emphasis on code review and other methods to ensure the program not only works properly, but is written in a security conscious manner</a:t>
+            </a:r>
+          </a:p>
+          <a:p>
+            <a:pPr lvl="1"/>
+            <a:r>
+              <a:rPr lang="en-US" sz="2200" dirty="0"/>
+              <a:t>Ecosystem tests determine what the software does on a compromised system, or when a user of the software has malicious intent</a:t>
+            </a:r>
+          </a:p>
+          <a:p>
+            <a:endParaRPr lang="en-US" dirty="0"/>
+          </a:p>
+        </p:txBody>
+      </p:sp>
+    </p:spTree>
+    <p:extLst>
+      <p:ext uri="{BB962C8B-B14F-4D97-AF65-F5344CB8AC3E}">
+        <p14:creationId xmlns:p14="http://schemas.microsoft.com/office/powerpoint/2010/main" val="2001207981"/>
+      </p:ext>
+    </p:extLst>
+  </p:cSld>
+  <p:clrMapOvr>
+    <a:masterClrMapping/>
+  </p:clrMapOvr>
+  <p:timing>
+    <p:tnLst>
+      <p:par>
+        <p:cTn id="1" dur="indefinite" restart="never" nodeType="tmRoot"/>
+      </p:par>
+    </p:tnLst>
+  </p:timing>
+</p:sld>
+</file>
+
+<file path=ppt/slides/slide13.xml><?xml version="1.0" encoding="utf-8"?>
+<p:sld xmlns:a="http://schemas.openxmlformats.org/drawingml/2006/main" xmlns:r="http://schemas.openxmlformats.org/officeDocument/2006/relationships" xmlns:p="http://schemas.openxmlformats.org/presentationml/2006/main">
+  <p:cSld>
+    <p:spTree>
+      <p:nvGrpSpPr>
+        <p:cNvPr id="1" name=""/>
+        <p:cNvGrpSpPr/>
+        <p:nvPr/>
+      </p:nvGrpSpPr>
+      <p:grpSpPr>
+        <a:xfrm>
+          <a:off x="0" y="0"/>
+          <a:ext cx="0" cy="0"/>
+          <a:chOff x="0" y="0"/>
+          <a:chExt cx="0" cy="0"/>
+        </a:xfrm>
+      </p:grpSpPr>
+      <p:sp>
+        <p:nvSpPr>
+          <p:cNvPr id="2" name="Title 1"/>
+          <p:cNvSpPr>
+            <a:spLocks noGrp="1"/>
+          </p:cNvSpPr>
+          <p:nvPr>
+            <p:ph type="title"/>
+          </p:nvPr>
+        </p:nvSpPr>
+        <p:spPr/>
+        <p:txBody>
+          <a:bodyPr/>
+          <a:lstStyle/>
+          <a:p>
+            <a:pPr algn="ctr"/>
+            <a:r>
+              <a:rPr lang="en-US" sz="3600" dirty="0" smtClean="0"/>
+              <a:t>Metrics</a:t>
+            </a:r>
+            <a:endParaRPr lang="en-US" sz="3600" dirty="0"/>
+          </a:p>
+        </p:txBody>
+      </p:sp>
+      <p:sp>
+        <p:nvSpPr>
+          <p:cNvPr id="3" name="Content Placeholder 2"/>
+          <p:cNvSpPr>
+            <a:spLocks noGrp="1"/>
+          </p:cNvSpPr>
+          <p:nvPr>
+            <p:ph sz="quarter" idx="13"/>
+          </p:nvPr>
+        </p:nvSpPr>
+        <p:spPr/>
+        <p:txBody>
+          <a:bodyPr>
+            <a:normAutofit/>
+          </a:bodyPr>
+          <a:lstStyle/>
+          <a:p>
+            <a:r>
+              <a:rPr lang="en-US" sz="2800" dirty="0"/>
+              <a:t>Current ratio of detections to actual infections as compared to the baseline figure</a:t>
+            </a:r>
+          </a:p>
+          <a:p>
+            <a:pPr lvl="1"/>
+            <a:r>
+              <a:rPr lang="en-US" sz="2800" dirty="0"/>
+              <a:t>Or blockings of something malicious (depending on exactly what the software is)</a:t>
+            </a:r>
+          </a:p>
+          <a:p>
+            <a:endParaRPr lang="en-US" dirty="0"/>
+          </a:p>
+        </p:txBody>
+      </p:sp>
+    </p:spTree>
+    <p:extLst>
+      <p:ext uri="{BB962C8B-B14F-4D97-AF65-F5344CB8AC3E}">
+        <p14:creationId xmlns:p14="http://schemas.microsoft.com/office/powerpoint/2010/main" val="3866921779"/>
+      </p:ext>
+    </p:extLst>
+  </p:cSld>
+  <p:clrMapOvr>
+    <a:masterClrMapping/>
+  </p:clrMapOvr>
+  <p:timing>
+    <p:tnLst>
+      <p:par>
+        <p:cTn id="1" dur="indefinite" restart="never" nodeType="tmRoot"/>
+      </p:par>
+    </p:tnLst>
+  </p:timing>
+</p:sld>
+</file>
+
+<file path=ppt/slides/slide14.xml><?xml version="1.0" encoding="utf-8"?>
+<p:sld xmlns:a="http://schemas.openxmlformats.org/drawingml/2006/main" xmlns:r="http://schemas.openxmlformats.org/officeDocument/2006/relationships" xmlns:p="http://schemas.openxmlformats.org/presentationml/2006/main">
+  <p:cSld>
+    <p:spTree>
+      <p:nvGrpSpPr>
+        <p:cNvPr id="1" name=""/>
+        <p:cNvGrpSpPr/>
+        <p:nvPr/>
+      </p:nvGrpSpPr>
+      <p:grpSpPr>
+        <a:xfrm>
+          <a:off x="0" y="0"/>
+          <a:ext cx="0" cy="0"/>
+          <a:chOff x="0" y="0"/>
+          <a:chExt cx="0" cy="0"/>
+        </a:xfrm>
+      </p:grpSpPr>
+      <p:sp>
+        <p:nvSpPr>
+          <p:cNvPr id="2" name="Title 1"/>
+          <p:cNvSpPr>
+            <a:spLocks noGrp="1"/>
+          </p:cNvSpPr>
+          <p:nvPr>
+            <p:ph type="title"/>
+          </p:nvPr>
+        </p:nvSpPr>
+        <p:spPr/>
+        <p:txBody>
+          <a:bodyPr/>
+          <a:lstStyle/>
+          <a:p>
+            <a:pPr algn="ctr"/>
+            <a:r>
+              <a:rPr lang="en-US" sz="3600" dirty="0" smtClean="0"/>
+              <a:t>METRICS</a:t>
+            </a:r>
+            <a:endParaRPr lang="en-US" sz="3600" dirty="0"/>
+          </a:p>
+        </p:txBody>
+      </p:sp>
+      <p:sp>
+        <p:nvSpPr>
+          <p:cNvPr id="3" name="Content Placeholder 2"/>
+          <p:cNvSpPr>
+            <a:spLocks noGrp="1"/>
+          </p:cNvSpPr>
+          <p:nvPr>
+            <p:ph sz="quarter" idx="13"/>
+          </p:nvPr>
+        </p:nvSpPr>
+        <p:spPr/>
+        <p:txBody>
+          <a:bodyPr/>
+          <a:lstStyle/>
+          <a:p>
+            <a:r>
+              <a:rPr lang="en-US" sz="2800" dirty="0"/>
+              <a:t>“Fuzzing” - sending various types of pseudorandom data to available interfaces to discover unknown flaws present in the software</a:t>
+            </a:r>
+          </a:p>
+          <a:p>
+            <a:r>
+              <a:rPr lang="en-US" sz="2800" dirty="0"/>
+              <a:t>Error or vulnerability reporting in final product reported by users</a:t>
+            </a:r>
+          </a:p>
+          <a:p>
+            <a:endParaRPr lang="en-US" dirty="0"/>
+          </a:p>
+        </p:txBody>
+      </p:sp>
+      <p:sp>
+        <p:nvSpPr>
+          <p:cNvPr id="4" name="TextBox 3"/>
+          <p:cNvSpPr txBox="1"/>
+          <p:nvPr/>
+        </p:nvSpPr>
+        <p:spPr>
+          <a:xfrm>
+            <a:off x="8153400" y="6354278"/>
+            <a:ext cx="914400" cy="381000"/>
+          </a:xfrm>
+          <a:prstGeom prst="rect">
+            <a:avLst/>
+          </a:prstGeom>
+          <a:noFill/>
+        </p:spPr>
+        <p:txBody>
+          <a:bodyPr wrap="square" rtlCol="0">
+            <a:spAutoFit/>
+          </a:bodyPr>
+          <a:lstStyle/>
+          <a:p>
+            <a:r>
+              <a:rPr lang="en-US" dirty="0" smtClean="0"/>
+              <a:t>Q6</a:t>
+            </a:r>
+            <a:endParaRPr lang="en-US" dirty="0"/>
+          </a:p>
+        </p:txBody>
+      </p:sp>
+    </p:spTree>
+    <p:extLst>
+      <p:ext uri="{BB962C8B-B14F-4D97-AF65-F5344CB8AC3E}">
+        <p14:creationId xmlns:p14="http://schemas.microsoft.com/office/powerpoint/2010/main" val="1772576749"/>
+      </p:ext>
+    </p:extLst>
+  </p:cSld>
+  <p:clrMapOvr>
+    <a:masterClrMapping/>
+  </p:clrMapOvr>
+</p:sld>
+</file>
+
+<file path=ppt/slides/slide15.xml><?xml version="1.0" encoding="utf-8"?>
+<p:sld xmlns:a="http://schemas.openxmlformats.org/drawingml/2006/main" xmlns:r="http://schemas.openxmlformats.org/officeDocument/2006/relationships" xmlns:p="http://schemas.openxmlformats.org/presentationml/2006/main">
+  <p:cSld>
+    <p:spTree>
+      <p:nvGrpSpPr>
+        <p:cNvPr id="1" name=""/>
+        <p:cNvGrpSpPr/>
+        <p:nvPr/>
+      </p:nvGrpSpPr>
+      <p:grpSpPr>
+        <a:xfrm>
+          <a:off x="0" y="0"/>
+          <a:ext cx="0" cy="0"/>
+          <a:chOff x="0" y="0"/>
+          <a:chExt cx="0" cy="0"/>
+        </a:xfrm>
+      </p:grpSpPr>
+      <p:sp>
+        <p:nvSpPr>
+          <p:cNvPr id="2" name="Title 1"/>
+          <p:cNvSpPr>
+            <a:spLocks noGrp="1"/>
+          </p:cNvSpPr>
+          <p:nvPr>
+            <p:ph type="title"/>
+          </p:nvPr>
+        </p:nvSpPr>
+        <p:spPr/>
+        <p:txBody>
+          <a:bodyPr/>
+          <a:lstStyle/>
+          <a:p>
+            <a:pPr algn="ctr"/>
+            <a:r>
+              <a:rPr lang="en-US" sz="3600" dirty="0" smtClean="0"/>
+              <a:t>Suggestions – Ensuring Quality</a:t>
+            </a:r>
+            <a:endParaRPr lang="en-US" sz="3600" dirty="0"/>
+          </a:p>
+        </p:txBody>
+      </p:sp>
+      <p:sp>
+        <p:nvSpPr>
+          <p:cNvPr id="3" name="Content Placeholder 2"/>
+          <p:cNvSpPr>
+            <a:spLocks noGrp="1"/>
+          </p:cNvSpPr>
+          <p:nvPr>
+            <p:ph sz="quarter" idx="13"/>
+          </p:nvPr>
+        </p:nvSpPr>
+        <p:spPr/>
+        <p:txBody>
+          <a:bodyPr>
+            <a:normAutofit/>
+          </a:bodyPr>
+          <a:lstStyle/>
+          <a:p>
+            <a:r>
+              <a:rPr lang="en-US" sz="2800" dirty="0"/>
+              <a:t>Ratio of time spent reviewing old code to developing new</a:t>
+            </a:r>
+          </a:p>
+          <a:p>
+            <a:pPr lvl="1"/>
+            <a:r>
+              <a:rPr lang="en-US" sz="2800" dirty="0"/>
+              <a:t>This should increase over time as the codebase becomes more </a:t>
+            </a:r>
+            <a:r>
+              <a:rPr lang="en-US" sz="2800" dirty="0" smtClean="0"/>
+              <a:t>complete</a:t>
+            </a:r>
+          </a:p>
+          <a:p>
+            <a:r>
+              <a:rPr lang="en-US" sz="2800" dirty="0" smtClean="0"/>
+              <a:t>Number of comment lines per method</a:t>
+            </a:r>
+          </a:p>
+          <a:p>
+            <a:pPr lvl="1"/>
+            <a:r>
+              <a:rPr lang="en-US" sz="2800" dirty="0" smtClean="0"/>
+              <a:t>This should be higher for security sensitive sections which are reviewed often</a:t>
+            </a:r>
+          </a:p>
+          <a:p>
+            <a:endParaRPr lang="en-US" dirty="0"/>
+          </a:p>
+        </p:txBody>
+      </p:sp>
+    </p:spTree>
+    <p:extLst>
+      <p:ext uri="{BB962C8B-B14F-4D97-AF65-F5344CB8AC3E}">
+        <p14:creationId xmlns:p14="http://schemas.microsoft.com/office/powerpoint/2010/main" val="1426992735"/>
+      </p:ext>
+    </p:extLst>
+  </p:cSld>
+  <p:clrMapOvr>
+    <a:masterClrMapping/>
+  </p:clrMapOvr>
+  <p:timing>
+    <p:tnLst>
+      <p:par>
+        <p:cTn id="1" dur="indefinite" restart="never" nodeType="tmRoot"/>
+      </p:par>
+    </p:tnLst>
+  </p:timing>
+</p:sld>
+</file>
+
+<file path=ppt/slides/slide16.xml><?xml version="1.0" encoding="utf-8"?>
+<p:sld xmlns:a="http://schemas.openxmlformats.org/drawingml/2006/main" xmlns:r="http://schemas.openxmlformats.org/officeDocument/2006/relationships" xmlns:p="http://schemas.openxmlformats.org/presentationml/2006/main">
+  <p:cSld>
+    <p:spTree>
+      <p:nvGrpSpPr>
+        <p:cNvPr id="1" name=""/>
+        <p:cNvGrpSpPr/>
+        <p:nvPr/>
+      </p:nvGrpSpPr>
+      <p:grpSpPr>
+        <a:xfrm>
+          <a:off x="0" y="0"/>
+          <a:ext cx="0" cy="0"/>
+          <a:chOff x="0" y="0"/>
+          <a:chExt cx="0" cy="0"/>
+        </a:xfrm>
+      </p:grpSpPr>
+      <p:sp>
+        <p:nvSpPr>
+          <p:cNvPr id="2" name="Title 1"/>
+          <p:cNvSpPr>
+            <a:spLocks noGrp="1"/>
+          </p:cNvSpPr>
+          <p:nvPr>
+            <p:ph type="title"/>
+          </p:nvPr>
+        </p:nvSpPr>
+        <p:spPr/>
+        <p:txBody>
+          <a:bodyPr/>
+          <a:lstStyle/>
+          <a:p>
+            <a:pPr algn="ctr"/>
+            <a:r>
+              <a:rPr lang="en-US" sz="3600" dirty="0"/>
+              <a:t>Suggestions – Ensuring Quality</a:t>
+            </a:r>
+          </a:p>
+        </p:txBody>
+      </p:sp>
+      <p:sp>
+        <p:nvSpPr>
+          <p:cNvPr id="3" name="Content Placeholder 2"/>
+          <p:cNvSpPr>
+            <a:spLocks noGrp="1"/>
+          </p:cNvSpPr>
+          <p:nvPr>
+            <p:ph sz="quarter" idx="13"/>
+          </p:nvPr>
+        </p:nvSpPr>
+        <p:spPr/>
+        <p:txBody>
+          <a:bodyPr>
+            <a:normAutofit fontScale="85000" lnSpcReduction="20000"/>
+          </a:bodyPr>
+          <a:lstStyle/>
+          <a:p>
+            <a:r>
+              <a:rPr lang="en-US" sz="2800" dirty="0"/>
+              <a:t>Average Method Size</a:t>
+            </a:r>
+          </a:p>
+          <a:p>
+            <a:pPr lvl="1"/>
+            <a:r>
+              <a:rPr lang="en-US" sz="2800" dirty="0"/>
+              <a:t>This should be relatively low to make understanding each method very easy</a:t>
+            </a:r>
+          </a:p>
+          <a:p>
+            <a:pPr lvl="1"/>
+            <a:r>
+              <a:rPr lang="en-US" sz="2800" dirty="0"/>
+              <a:t>Makes ensuring correctness easier</a:t>
+            </a:r>
+          </a:p>
+          <a:p>
+            <a:r>
+              <a:rPr lang="en-US" sz="2800" dirty="0"/>
+              <a:t>Penetration Testing</a:t>
+            </a:r>
+          </a:p>
+          <a:p>
+            <a:pPr lvl="1"/>
+            <a:r>
+              <a:rPr lang="en-US" sz="2800" dirty="0"/>
+              <a:t>People who attempt to purposefully break the system in any way </a:t>
+            </a:r>
+          </a:p>
+          <a:p>
+            <a:pPr lvl="1"/>
+            <a:r>
+              <a:rPr lang="en-US" sz="2800" dirty="0"/>
+              <a:t>These attempts should be converted into test cases if possible to keep track of the progress on preventing them, and ensuring the continue to fall to break the system</a:t>
+            </a:r>
+          </a:p>
+          <a:p>
+            <a:endParaRPr lang="en-US" dirty="0"/>
+          </a:p>
+        </p:txBody>
+      </p:sp>
+    </p:spTree>
+    <p:extLst>
+      <p:ext uri="{BB962C8B-B14F-4D97-AF65-F5344CB8AC3E}">
+        <p14:creationId xmlns:p14="http://schemas.microsoft.com/office/powerpoint/2010/main" val="2487156754"/>
+      </p:ext>
+    </p:extLst>
+  </p:cSld>
+  <p:clrMapOvr>
+    <a:masterClrMapping/>
+  </p:clrMapOvr>
+</p:sld>
+</file>
+
+<file path=ppt/slides/slide17.xml><?xml version="1.0" encoding="utf-8"?>
+<p:sld xmlns:a="http://schemas.openxmlformats.org/drawingml/2006/main" xmlns:r="http://schemas.openxmlformats.org/officeDocument/2006/relationships" xmlns:p="http://schemas.openxmlformats.org/presentationml/2006/main">
+  <p:cSld>
+    <p:spTree>
+      <p:nvGrpSpPr>
+        <p:cNvPr id="1" name=""/>
+        <p:cNvGrpSpPr/>
+        <p:nvPr/>
+      </p:nvGrpSpPr>
+      <p:grpSpPr>
+        <a:xfrm>
+          <a:off x="0" y="0"/>
+          <a:ext cx="0" cy="0"/>
+          <a:chOff x="0" y="0"/>
+          <a:chExt cx="0" cy="0"/>
+        </a:xfrm>
+      </p:grpSpPr>
+      <p:sp>
+        <p:nvSpPr>
+          <p:cNvPr id="2" name="Title 1"/>
+          <p:cNvSpPr>
+            <a:spLocks noGrp="1"/>
+          </p:cNvSpPr>
+          <p:nvPr>
+            <p:ph type="title"/>
+          </p:nvPr>
+        </p:nvSpPr>
+        <p:spPr/>
+        <p:txBody>
+          <a:bodyPr/>
+          <a:lstStyle/>
+          <a:p>
+            <a:pPr algn="ctr"/>
+            <a:r>
+              <a:rPr lang="en-US" sz="3600" dirty="0" smtClean="0"/>
+              <a:t>Suggestions - Metrics</a:t>
+            </a:r>
+            <a:endParaRPr lang="en-US" sz="3600" dirty="0"/>
+          </a:p>
+        </p:txBody>
+      </p:sp>
+      <p:sp>
+        <p:nvSpPr>
+          <p:cNvPr id="3" name="Content Placeholder 2"/>
+          <p:cNvSpPr>
+            <a:spLocks noGrp="1"/>
+          </p:cNvSpPr>
+          <p:nvPr>
+            <p:ph sz="quarter" idx="13"/>
+          </p:nvPr>
+        </p:nvSpPr>
+        <p:spPr/>
+        <p:txBody>
+          <a:bodyPr>
+            <a:normAutofit/>
+          </a:bodyPr>
+          <a:lstStyle/>
+          <a:p>
+            <a:r>
+              <a:rPr lang="en-US" sz="2800" dirty="0"/>
+              <a:t>Process metrics</a:t>
+            </a:r>
+          </a:p>
+          <a:p>
+            <a:pPr lvl="1"/>
+            <a:r>
+              <a:rPr lang="en-US" sz="2800" dirty="0"/>
+              <a:t>Use of secure coding standards</a:t>
+            </a:r>
+          </a:p>
+          <a:p>
+            <a:pPr lvl="1"/>
+            <a:r>
+              <a:rPr lang="en-US" sz="2800" dirty="0"/>
+              <a:t>Time to correct vulnerabilities</a:t>
+            </a:r>
+          </a:p>
+          <a:p>
+            <a:pPr lvl="1"/>
+            <a:r>
+              <a:rPr lang="en-US" sz="2800" dirty="0"/>
+              <a:t>Trustworthiness of development team</a:t>
+            </a:r>
+          </a:p>
+          <a:p>
+            <a:endParaRPr lang="en-US" dirty="0"/>
+          </a:p>
+        </p:txBody>
+      </p:sp>
+    </p:spTree>
+    <p:extLst>
+      <p:ext uri="{BB962C8B-B14F-4D97-AF65-F5344CB8AC3E}">
+        <p14:creationId xmlns:p14="http://schemas.microsoft.com/office/powerpoint/2010/main" val="47258626"/>
+      </p:ext>
+    </p:extLst>
+  </p:cSld>
+  <p:clrMapOvr>
+    <a:masterClrMapping/>
+  </p:clrMapOvr>
+  <p:timing>
+    <p:tnLst>
+      <p:par>
+        <p:cTn id="1" dur="indefinite" restart="never" nodeType="tmRoot"/>
+      </p:par>
+    </p:tnLst>
+  </p:timing>
+</p:sld>
+</file>
+
+<file path=ppt/slides/slide18.xml><?xml version="1.0" encoding="utf-8"?>
+<p:sld xmlns:a="http://schemas.openxmlformats.org/drawingml/2006/main" xmlns:r="http://schemas.openxmlformats.org/officeDocument/2006/relationships" xmlns:p="http://schemas.openxmlformats.org/presentationml/2006/main">
+  <p:cSld>
+    <p:spTree>
+      <p:nvGrpSpPr>
+        <p:cNvPr id="1" name=""/>
+        <p:cNvGrpSpPr/>
+        <p:nvPr/>
+      </p:nvGrpSpPr>
+      <p:grpSpPr>
+        <a:xfrm>
+          <a:off x="0" y="0"/>
+          <a:ext cx="0" cy="0"/>
+          <a:chOff x="0" y="0"/>
+          <a:chExt cx="0" cy="0"/>
+        </a:xfrm>
+      </p:grpSpPr>
+      <p:sp>
+        <p:nvSpPr>
+          <p:cNvPr id="2" name="Title 1"/>
+          <p:cNvSpPr>
+            <a:spLocks noGrp="1"/>
+          </p:cNvSpPr>
+          <p:nvPr>
+            <p:ph type="title"/>
+          </p:nvPr>
+        </p:nvSpPr>
+        <p:spPr/>
+        <p:txBody>
+          <a:bodyPr/>
+          <a:lstStyle/>
+          <a:p>
+            <a:pPr algn="ctr"/>
+            <a:r>
+              <a:rPr lang="en-US" sz="3600" dirty="0"/>
+              <a:t>Suggestions - Metrics</a:t>
+            </a:r>
+          </a:p>
+        </p:txBody>
+      </p:sp>
+      <p:sp>
+        <p:nvSpPr>
+          <p:cNvPr id="3" name="Content Placeholder 2"/>
+          <p:cNvSpPr>
+            <a:spLocks noGrp="1"/>
+          </p:cNvSpPr>
+          <p:nvPr>
+            <p:ph sz="quarter" idx="13"/>
+          </p:nvPr>
+        </p:nvSpPr>
+        <p:spPr/>
+        <p:txBody>
+          <a:bodyPr/>
+          <a:lstStyle/>
+          <a:p>
+            <a:r>
+              <a:rPr lang="en-US" sz="2800" dirty="0"/>
+              <a:t>Vulnerability metrics</a:t>
+            </a:r>
+          </a:p>
+          <a:p>
+            <a:pPr lvl="1"/>
+            <a:r>
+              <a:rPr lang="en-US" sz="2800" dirty="0"/>
+              <a:t>Vulnerability types</a:t>
+            </a:r>
+          </a:p>
+          <a:p>
+            <a:pPr lvl="1"/>
+            <a:r>
+              <a:rPr lang="en-US" sz="2800" dirty="0"/>
+              <a:t>% of code re-use from other projects or products</a:t>
+            </a:r>
+          </a:p>
+          <a:p>
+            <a:pPr lvl="1"/>
+            <a:r>
+              <a:rPr lang="en-US" sz="2800" dirty="0"/>
+              <a:t>% of code that is third party</a:t>
+            </a:r>
+          </a:p>
+          <a:p>
+            <a:endParaRPr lang="en-US" dirty="0"/>
+          </a:p>
+        </p:txBody>
+      </p:sp>
+    </p:spTree>
+    <p:extLst>
+      <p:ext uri="{BB962C8B-B14F-4D97-AF65-F5344CB8AC3E}">
+        <p14:creationId xmlns:p14="http://schemas.microsoft.com/office/powerpoint/2010/main" val="473637125"/>
+      </p:ext>
+    </p:extLst>
+  </p:cSld>
+  <p:clrMapOvr>
+    <a:masterClrMapping/>
+  </p:clrMapOvr>
+</p:sld>
+</file>
+
+<file path=ppt/slides/slide19.xml><?xml version="1.0" encoding="utf-8"?>
+<p:sld xmlns:a="http://schemas.openxmlformats.org/drawingml/2006/main" xmlns:r="http://schemas.openxmlformats.org/officeDocument/2006/relationships" xmlns:p="http://schemas.openxmlformats.org/presentationml/2006/main">
+  <p:cSld>
+    <p:spTree>
+      <p:nvGrpSpPr>
+        <p:cNvPr id="1" name=""/>
+        <p:cNvGrpSpPr/>
+        <p:nvPr/>
+      </p:nvGrpSpPr>
+      <p:grpSpPr>
+        <a:xfrm>
+          <a:off x="0" y="0"/>
+          <a:ext cx="0" cy="0"/>
+          <a:chOff x="0" y="0"/>
+          <a:chExt cx="0" cy="0"/>
+        </a:xfrm>
+      </p:grpSpPr>
+      <p:sp>
+        <p:nvSpPr>
+          <p:cNvPr id="2" name="Title 1"/>
+          <p:cNvSpPr>
+            <a:spLocks noGrp="1"/>
+          </p:cNvSpPr>
+          <p:nvPr>
+            <p:ph type="title"/>
+          </p:nvPr>
+        </p:nvSpPr>
+        <p:spPr/>
+        <p:txBody>
+          <a:bodyPr/>
+          <a:lstStyle/>
+          <a:p>
+            <a:pPr algn="ctr"/>
+            <a:r>
+              <a:rPr lang="en-US" sz="3600" dirty="0" smtClean="0"/>
+              <a:t>Real World Example</a:t>
+            </a:r>
+            <a:endParaRPr lang="en-US" sz="3600" dirty="0"/>
+          </a:p>
+        </p:txBody>
+      </p:sp>
+      <p:sp>
+        <p:nvSpPr>
+          <p:cNvPr id="3" name="Content Placeholder 2"/>
+          <p:cNvSpPr>
+            <a:spLocks noGrp="1"/>
+          </p:cNvSpPr>
+          <p:nvPr>
+            <p:ph sz="quarter" idx="13"/>
+          </p:nvPr>
+        </p:nvSpPr>
+        <p:spPr/>
+        <p:txBody>
+          <a:bodyPr/>
+          <a:lstStyle/>
+          <a:p>
+            <a:r>
+              <a:rPr lang="en-US" sz="2800" dirty="0"/>
+              <a:t>Windows </a:t>
+            </a:r>
+            <a:r>
+              <a:rPr lang="en-US" sz="2800" dirty="0" err="1" smtClean="0"/>
+              <a:t>Lan</a:t>
+            </a:r>
+            <a:r>
+              <a:rPr lang="en-US" sz="2800" dirty="0" smtClean="0"/>
+              <a:t> Manager</a:t>
+            </a:r>
+            <a:endParaRPr lang="en-US" sz="2800" dirty="0"/>
+          </a:p>
+          <a:p>
+            <a:pPr lvl="1"/>
+            <a:r>
+              <a:rPr lang="en-US" sz="2800" dirty="0"/>
+              <a:t>Credentials compatible with many different applications</a:t>
+            </a:r>
+          </a:p>
+          <a:p>
+            <a:pPr lvl="1"/>
+            <a:r>
+              <a:rPr lang="en-US" sz="2800" dirty="0"/>
+              <a:t>These credentials could be intercepted and used to access other applications</a:t>
+            </a:r>
+          </a:p>
+          <a:p>
+            <a:endParaRPr lang="en-US" dirty="0"/>
+          </a:p>
+        </p:txBody>
+      </p:sp>
+    </p:spTree>
+    <p:extLst>
+      <p:ext uri="{BB962C8B-B14F-4D97-AF65-F5344CB8AC3E}">
+        <p14:creationId xmlns:p14="http://schemas.microsoft.com/office/powerpoint/2010/main" val="3417246021"/>
       </p:ext>
     </p:extLst>
   </p:cSld>
@@ -3299,87 +6861,215 @@
           <a:bodyPr/>
           <a:lstStyle/>
           <a:p>
+            <a:pPr algn="ctr"/>
+            <a:r>
+              <a:rPr lang="en-US" sz="3600" dirty="0" smtClean="0"/>
+              <a:t>Secure Software Must…</a:t>
+            </a:r>
+            <a:endParaRPr lang="en-US" sz="3600" dirty="0"/>
+          </a:p>
+        </p:txBody>
+      </p:sp>
+      <p:sp>
+        <p:nvSpPr>
+          <p:cNvPr id="3" name="Content Placeholder 2"/>
+          <p:cNvSpPr>
+            <a:spLocks noGrp="1"/>
+          </p:cNvSpPr>
+          <p:nvPr>
+            <p:ph sz="quarter" idx="13"/>
+          </p:nvPr>
+        </p:nvSpPr>
+        <p:spPr/>
+        <p:txBody>
+          <a:bodyPr/>
+          <a:lstStyle/>
+          <a:p>
+            <a:r>
+              <a:rPr lang="en-US" sz="2800" dirty="0" smtClean="0"/>
+              <a:t>Prevent </a:t>
+            </a:r>
+            <a:r>
+              <a:rPr lang="en-US" sz="2800" dirty="0"/>
+              <a:t>unauthorized access</a:t>
+            </a:r>
+          </a:p>
+          <a:p>
+            <a:r>
+              <a:rPr lang="en-US" sz="2800" dirty="0"/>
+              <a:t>Recover from a system failure</a:t>
+            </a:r>
+          </a:p>
+          <a:p>
+            <a:r>
+              <a:rPr lang="en-US" sz="2800" dirty="0"/>
+              <a:t>Prevent corruption of </a:t>
+            </a:r>
+            <a:r>
+              <a:rPr lang="en-US" sz="2800" dirty="0" smtClean="0"/>
+              <a:t>data</a:t>
+            </a:r>
+            <a:endParaRPr lang="en-US" sz="2800" dirty="0"/>
+          </a:p>
+          <a:p>
+            <a:r>
+              <a:rPr lang="en-US" sz="2800" dirty="0" smtClean="0"/>
+              <a:t>Allow authorized users access!</a:t>
+            </a:r>
+            <a:endParaRPr lang="en-US" sz="2800" dirty="0"/>
+          </a:p>
+          <a:p>
+            <a:endParaRPr lang="en-US" dirty="0"/>
+          </a:p>
+        </p:txBody>
+      </p:sp>
+      <p:sp>
+        <p:nvSpPr>
+          <p:cNvPr id="4" name="TextBox 3"/>
+          <p:cNvSpPr txBox="1"/>
+          <p:nvPr/>
+        </p:nvSpPr>
+        <p:spPr>
+          <a:xfrm>
+            <a:off x="8458200" y="6400800"/>
+            <a:ext cx="685800" cy="369332"/>
+          </a:xfrm>
+          <a:prstGeom prst="rect">
+            <a:avLst/>
+          </a:prstGeom>
+          <a:noFill/>
+        </p:spPr>
+        <p:txBody>
+          <a:bodyPr wrap="square" rtlCol="0">
+            <a:spAutoFit/>
+          </a:bodyPr>
+          <a:lstStyle/>
+          <a:p>
             <a:r>
               <a:rPr lang="en-US" dirty="0" smtClean="0"/>
-              <a:t>Importance of Software Quality</a:t>
+              <a:t>Q2</a:t>
             </a:r>
             <a:endParaRPr lang="en-US" dirty="0"/>
-          </a:p>
-        </p:txBody>
-      </p:sp>
-      <p:sp>
-        <p:nvSpPr>
-          <p:cNvPr id="3" name="Content Placeholder 2"/>
-          <p:cNvSpPr>
-            <a:spLocks noGrp="1"/>
-          </p:cNvSpPr>
-          <p:nvPr>
-            <p:ph idx="1"/>
-          </p:nvPr>
-        </p:nvSpPr>
-        <p:spPr/>
-        <p:txBody>
-          <a:bodyPr>
-            <a:normAutofit fontScale="85000" lnSpcReduction="20000"/>
-          </a:bodyPr>
-          <a:lstStyle/>
-          <a:p>
-            <a:r>
-              <a:rPr lang="en-US" dirty="0" smtClean="0"/>
-              <a:t>Essential in cyber security</a:t>
-            </a:r>
-          </a:p>
-          <a:p>
-            <a:r>
-              <a:rPr lang="en-US" dirty="0" smtClean="0"/>
-              <a:t>Software must:</a:t>
-            </a:r>
-          </a:p>
-          <a:p>
-            <a:pPr lvl="1"/>
-            <a:r>
-              <a:rPr lang="en-US" dirty="0" smtClean="0"/>
-              <a:t>Prevent unauthorized access</a:t>
-            </a:r>
-          </a:p>
-          <a:p>
-            <a:pPr lvl="1"/>
-            <a:r>
-              <a:rPr lang="en-US" dirty="0" smtClean="0"/>
-              <a:t>Recover from a system failure</a:t>
-            </a:r>
-          </a:p>
-          <a:p>
-            <a:pPr lvl="1"/>
-            <a:r>
-              <a:rPr lang="en-US" dirty="0" smtClean="0"/>
-              <a:t>Prevent corruption of data</a:t>
-            </a:r>
-          </a:p>
-          <a:p>
-            <a:r>
-              <a:rPr lang="en-US" dirty="0" smtClean="0"/>
-              <a:t>All must be done while still allowing access to authorized users</a:t>
-            </a:r>
-          </a:p>
-          <a:p>
-            <a:r>
-              <a:rPr lang="en-US" dirty="0" smtClean="0"/>
-              <a:t>Developers need to maintain their software and keep track of security flaws</a:t>
-            </a:r>
-          </a:p>
-          <a:p>
-            <a:r>
-              <a:rPr lang="en-US" dirty="0" smtClean="0"/>
-              <a:t>Inability to catch these flaws in your systems leads to some very unhappy users</a:t>
-            </a:r>
           </a:p>
         </p:txBody>
       </p:sp>
     </p:spTree>
     <p:extLst>
       <p:ext uri="{BB962C8B-B14F-4D97-AF65-F5344CB8AC3E}">
-        <p14:creationId xmlns:p14="http://schemas.microsoft.com/office/powerpoint/2010/main" val="2457565095"/>
+        <p14:creationId xmlns:p14="http://schemas.microsoft.com/office/powerpoint/2010/main" val="1530063735"/>
+      </p:ext>
+    </p:extLst>
+  </p:cSld>
+  <p:clrMapOvr>
+    <a:masterClrMapping/>
+  </p:clrMapOvr>
+</p:sld>
+</file>
+
+<file path=ppt/slides/slide20.xml><?xml version="1.0" encoding="utf-8"?>
+<p:sld xmlns:a="http://schemas.openxmlformats.org/drawingml/2006/main" xmlns:r="http://schemas.openxmlformats.org/officeDocument/2006/relationships" xmlns:p="http://schemas.openxmlformats.org/presentationml/2006/main">
+  <p:cSld>
+    <p:spTree>
+      <p:nvGrpSpPr>
+        <p:cNvPr id="1" name=""/>
+        <p:cNvGrpSpPr/>
+        <p:nvPr/>
+      </p:nvGrpSpPr>
+      <p:grpSpPr>
+        <a:xfrm>
+          <a:off x="0" y="0"/>
+          <a:ext cx="0" cy="0"/>
+          <a:chOff x="0" y="0"/>
+          <a:chExt cx="0" cy="0"/>
+        </a:xfrm>
+      </p:grpSpPr>
+      <p:sp>
+        <p:nvSpPr>
+          <p:cNvPr id="2" name="Title 1"/>
+          <p:cNvSpPr>
+            <a:spLocks noGrp="1"/>
+          </p:cNvSpPr>
+          <p:nvPr>
+            <p:ph type="title"/>
+          </p:nvPr>
+        </p:nvSpPr>
+        <p:spPr/>
+        <p:txBody>
+          <a:bodyPr/>
+          <a:lstStyle/>
+          <a:p>
+            <a:pPr algn="ctr"/>
+            <a:r>
+              <a:rPr lang="en-US" sz="3600" dirty="0" smtClean="0"/>
+              <a:t>Standards</a:t>
+            </a:r>
+            <a:endParaRPr lang="en-US" sz="3600" dirty="0"/>
+          </a:p>
+        </p:txBody>
+      </p:sp>
+      <p:sp>
+        <p:nvSpPr>
+          <p:cNvPr id="3" name="Content Placeholder 2"/>
+          <p:cNvSpPr>
+            <a:spLocks noGrp="1"/>
+          </p:cNvSpPr>
+          <p:nvPr>
+            <p:ph sz="quarter" idx="13"/>
+          </p:nvPr>
+        </p:nvSpPr>
+        <p:spPr/>
+        <p:txBody>
+          <a:bodyPr/>
+          <a:lstStyle/>
+          <a:p>
+            <a:pPr lvl="0"/>
+            <a:r>
+              <a:rPr lang="en-US" sz="2800" dirty="0"/>
+              <a:t>Carnegie Mellon’s Computer Emergency Response Team (CERT) have published secure coding standards for several languages.  The standards were developed by members of their team and a community of software developers.</a:t>
+            </a:r>
+          </a:p>
+          <a:p>
+            <a:pPr marL="0" indent="0">
+              <a:buNone/>
+            </a:pPr>
+            <a:endParaRPr lang="en-US" dirty="0"/>
+          </a:p>
+        </p:txBody>
+      </p:sp>
+      <p:sp>
+        <p:nvSpPr>
+          <p:cNvPr id="4" name="TextBox 3"/>
+          <p:cNvSpPr txBox="1"/>
+          <p:nvPr/>
+        </p:nvSpPr>
+        <p:spPr>
+          <a:xfrm>
+            <a:off x="7848600" y="6400800"/>
+            <a:ext cx="1143000" cy="369332"/>
+          </a:xfrm>
+          <a:prstGeom prst="rect">
+            <a:avLst/>
+          </a:prstGeom>
+          <a:noFill/>
+        </p:spPr>
+        <p:txBody>
+          <a:bodyPr wrap="square" rtlCol="0">
+            <a:spAutoFit/>
+          </a:bodyPr>
+          <a:lstStyle/>
+          <a:p>
+            <a:r>
+              <a:rPr lang="en-US" dirty="0" smtClean="0"/>
+              <a:t>Q7</a:t>
+            </a:r>
+            <a:endParaRPr lang="en-US" dirty="0"/>
+          </a:p>
+        </p:txBody>
+      </p:sp>
+    </p:spTree>
+    <p:extLst>
+      <p:ext uri="{BB962C8B-B14F-4D97-AF65-F5344CB8AC3E}">
+        <p14:creationId xmlns:p14="http://schemas.microsoft.com/office/powerpoint/2010/main" val="3606736370"/>
       </p:ext>
     </p:extLst>
   </p:cSld>
@@ -3428,95 +7118,76 @@
           <a:bodyPr/>
           <a:lstStyle/>
           <a:p>
+            <a:pPr algn="ctr"/>
+            <a:r>
+              <a:rPr lang="en-US" sz="3600" dirty="0" smtClean="0"/>
+              <a:t>Important Quality Attributes</a:t>
+            </a:r>
+            <a:endParaRPr lang="en-US" sz="3600" dirty="0"/>
+          </a:p>
+        </p:txBody>
+      </p:sp>
+      <p:sp>
+        <p:nvSpPr>
+          <p:cNvPr id="3" name="Content Placeholder 2"/>
+          <p:cNvSpPr>
+            <a:spLocks noGrp="1"/>
+          </p:cNvSpPr>
+          <p:nvPr>
+            <p:ph sz="quarter" idx="13"/>
+          </p:nvPr>
+        </p:nvSpPr>
+        <p:spPr/>
+        <p:txBody>
+          <a:bodyPr>
+            <a:normAutofit/>
+          </a:bodyPr>
+          <a:lstStyle/>
+          <a:p>
+            <a:r>
+              <a:rPr lang="en-US" sz="2800" dirty="0" smtClean="0"/>
+              <a:t>Thorough testing strategies</a:t>
+            </a:r>
+          </a:p>
+          <a:p>
+            <a:r>
+              <a:rPr lang="en-US" sz="2800" dirty="0" smtClean="0"/>
+              <a:t>Monitoring system capabilities</a:t>
+            </a:r>
+          </a:p>
+          <a:p>
+            <a:r>
+              <a:rPr lang="en-US" sz="2800" dirty="0" smtClean="0"/>
+              <a:t>Secure coding</a:t>
+            </a:r>
+          </a:p>
+        </p:txBody>
+      </p:sp>
+      <p:sp>
+        <p:nvSpPr>
+          <p:cNvPr id="4" name="TextBox 3"/>
+          <p:cNvSpPr txBox="1"/>
+          <p:nvPr/>
+        </p:nvSpPr>
+        <p:spPr>
+          <a:xfrm>
+            <a:off x="8382000" y="6477000"/>
+            <a:ext cx="685800" cy="369332"/>
+          </a:xfrm>
+          <a:prstGeom prst="rect">
+            <a:avLst/>
+          </a:prstGeom>
+          <a:noFill/>
+        </p:spPr>
+        <p:txBody>
+          <a:bodyPr wrap="square" rtlCol="0">
+            <a:spAutoFit/>
+          </a:bodyPr>
+          <a:lstStyle/>
+          <a:p>
             <a:r>
               <a:rPr lang="en-US" dirty="0" smtClean="0"/>
-              <a:t>Important Quality Attributes</a:t>
-            </a:r>
-            <a:endParaRPr lang="en-US" dirty="0"/>
-          </a:p>
-        </p:txBody>
-      </p:sp>
-      <p:sp>
-        <p:nvSpPr>
-          <p:cNvPr id="3" name="Content Placeholder 2"/>
-          <p:cNvSpPr>
-            <a:spLocks noGrp="1"/>
-          </p:cNvSpPr>
-          <p:nvPr>
-            <p:ph idx="1"/>
-          </p:nvPr>
-        </p:nvSpPr>
-        <p:spPr/>
-        <p:txBody>
-          <a:bodyPr>
-            <a:normAutofit fontScale="77500" lnSpcReduction="20000"/>
-          </a:bodyPr>
-          <a:lstStyle/>
-          <a:p>
-            <a:r>
-              <a:rPr lang="en-US" dirty="0" smtClean="0"/>
-              <a:t>Thorough testing strategies:</a:t>
-            </a:r>
-          </a:p>
-          <a:p>
-            <a:pPr lvl="1"/>
-            <a:r>
-              <a:rPr lang="en-US" dirty="0" smtClean="0"/>
-              <a:t>Any major security bug must be removed before release</a:t>
-            </a:r>
-          </a:p>
-          <a:p>
-            <a:pPr lvl="1"/>
-            <a:r>
-              <a:rPr lang="en-US" dirty="0" smtClean="0"/>
-              <a:t>System needs maintained to ensure a satisfied user base</a:t>
-            </a:r>
-          </a:p>
-          <a:p>
-            <a:r>
-              <a:rPr lang="en-US" dirty="0" smtClean="0"/>
-              <a:t>Monitoring system capabilities:</a:t>
-            </a:r>
-          </a:p>
-          <a:p>
-            <a:pPr lvl="1"/>
-            <a:r>
-              <a:rPr lang="en-US" dirty="0" smtClean="0"/>
-              <a:t>Data must be secure, but also accessible</a:t>
-            </a:r>
-          </a:p>
-          <a:p>
-            <a:pPr lvl="1"/>
-            <a:r>
-              <a:rPr lang="en-US" dirty="0" smtClean="0"/>
-              <a:t>System must be able to handle stress</a:t>
-            </a:r>
-          </a:p>
-          <a:p>
-            <a:pPr lvl="1"/>
-            <a:r>
-              <a:rPr lang="en-US" dirty="0" smtClean="0"/>
-              <a:t>System must be able to recover from a crash without data corruption</a:t>
-            </a:r>
-          </a:p>
-          <a:p>
-            <a:r>
-              <a:rPr lang="en-US" dirty="0" smtClean="0"/>
-              <a:t>Secure coding:</a:t>
-            </a:r>
-          </a:p>
-          <a:p>
-            <a:pPr lvl="1"/>
-            <a:r>
-              <a:rPr lang="en-US" dirty="0" smtClean="0"/>
-              <a:t>Developers need to be aware of vulnerabilities in their software</a:t>
-            </a:r>
-          </a:p>
-          <a:p>
-            <a:pPr lvl="1"/>
-            <a:r>
-              <a:rPr lang="en-US" dirty="0" smtClean="0"/>
-              <a:t>Must protect against things like buffer overflows and code injection</a:t>
+              <a:t>Q3</a:t>
             </a:r>
             <a:endParaRPr lang="en-US" dirty="0"/>
           </a:p>
@@ -3574,11 +7245,16 @@
           <a:bodyPr/>
           <a:lstStyle/>
           <a:p>
-            <a:r>
-              <a:rPr lang="en-US" dirty="0" smtClean="0"/>
-              <a:t>Ensuring Quality</a:t>
-            </a:r>
-            <a:endParaRPr lang="en-US" dirty="0"/>
+            <a:pPr algn="ctr"/>
+            <a:r>
+              <a:rPr lang="en-US" sz="3600" dirty="0"/>
+              <a:t>Thorough testing </a:t>
+            </a:r>
+            <a:r>
+              <a:rPr lang="en-US" sz="3600" dirty="0" smtClean="0"/>
+              <a:t>strategies</a:t>
+            </a:r>
+            <a:endParaRPr lang="en-US" sz="3600" dirty="0"/>
           </a:p>
         </p:txBody>
       </p:sp>
@@ -3589,62 +7265,31 @@
             <a:spLocks noGrp="1"/>
           </p:cNvSpPr>
           <p:nvPr>
-            <p:ph idx="1"/>
-          </p:nvPr>
-        </p:nvSpPr>
-        <p:spPr/>
-        <p:txBody>
-          <a:bodyPr>
-            <a:normAutofit fontScale="92500"/>
-          </a:bodyPr>
-          <a:lstStyle/>
-          <a:p>
-            <a:r>
-              <a:rPr lang="en-US" dirty="0"/>
-              <a:t>Breaking the system up into smaller components</a:t>
-            </a:r>
-          </a:p>
-          <a:p>
-            <a:pPr lvl="1"/>
-            <a:r>
-              <a:rPr lang="en-US" dirty="0" smtClean="0"/>
-              <a:t>Complexity </a:t>
-            </a:r>
-            <a:r>
-              <a:rPr lang="en-US" dirty="0"/>
-              <a:t>of individual components is reduced</a:t>
-            </a:r>
-          </a:p>
-          <a:p>
-            <a:pPr lvl="1"/>
-            <a:r>
-              <a:rPr lang="en-US" dirty="0" smtClean="0"/>
-              <a:t>Techniques </a:t>
-            </a:r>
-            <a:r>
-              <a:rPr lang="en-US" dirty="0"/>
-              <a:t>such as automated theorem can be used to prove the correctness of crucial software </a:t>
-            </a:r>
-            <a:r>
-              <a:rPr lang="en-US" dirty="0" smtClean="0"/>
-              <a:t>subsystems</a:t>
-            </a:r>
-          </a:p>
-          <a:p>
-            <a:r>
-              <a:rPr lang="en-US" dirty="0"/>
-              <a:t>“Defense in depth” - multiple subsystems must be violated to compromise the entire </a:t>
-            </a:r>
-            <a:r>
-              <a:rPr lang="en-US" dirty="0" smtClean="0"/>
-              <a:t>system</a:t>
-            </a:r>
-          </a:p>
-          <a:p>
-            <a:pPr lvl="1"/>
-            <a:r>
-              <a:rPr lang="en-US" dirty="0"/>
-              <a:t>When formal proofs are not possible, rigorous code review and unit testing are used</a:t>
+            <p:ph sz="quarter" idx="13"/>
+          </p:nvPr>
+        </p:nvSpPr>
+        <p:spPr/>
+        <p:txBody>
+          <a:bodyPr/>
+          <a:lstStyle/>
+          <a:p>
+            <a:r>
+              <a:rPr lang="en-US" sz="2800" dirty="0" smtClean="0"/>
+              <a:t>Any </a:t>
+            </a:r>
+            <a:r>
+              <a:rPr lang="en-US" sz="2800" dirty="0"/>
+              <a:t>major security bug must be removed before release</a:t>
+            </a:r>
+          </a:p>
+          <a:p>
+            <a:r>
+              <a:rPr lang="en-US" sz="2800" dirty="0" smtClean="0"/>
+              <a:t>System needs to be </a:t>
+            </a:r>
+            <a:r>
+              <a:rPr lang="en-US" sz="2800" dirty="0"/>
+              <a:t>maintained to ensure a satisfied user base</a:t>
             </a:r>
           </a:p>
           <a:p>
@@ -3655,20 +7300,13 @@
     </p:spTree>
     <p:extLst>
       <p:ext uri="{BB962C8B-B14F-4D97-AF65-F5344CB8AC3E}">
-        <p14:creationId xmlns:p14="http://schemas.microsoft.com/office/powerpoint/2010/main" val="992293532"/>
+        <p14:creationId xmlns:p14="http://schemas.microsoft.com/office/powerpoint/2010/main" val="2234797275"/>
       </p:ext>
     </p:extLst>
   </p:cSld>
   <p:clrMapOvr>
     <a:masterClrMapping/>
   </p:clrMapOvr>
-  <p:timing>
-    <p:tnLst>
-      <p:par>
-        <p:cTn id="1" dur="indefinite" restart="never" nodeType="tmRoot"/>
-      </p:par>
-    </p:tnLst>
-  </p:timing>
 </p:sld>
 </file>
 
@@ -3704,11 +7342,11 @@
           <a:bodyPr/>
           <a:lstStyle/>
           <a:p>
-            <a:r>
-              <a:rPr lang="en-US" dirty="0" smtClean="0"/>
-              <a:t>Metrics</a:t>
-            </a:r>
-            <a:endParaRPr lang="en-US" dirty="0"/>
+            <a:pPr algn="ctr"/>
+            <a:r>
+              <a:rPr lang="en-US" sz="3600" dirty="0"/>
+              <a:t>Monitoring system capabilities</a:t>
+            </a:r>
           </a:p>
         </p:txBody>
       </p:sp>
@@ -3719,45 +7357,33 @@
             <a:spLocks noGrp="1"/>
           </p:cNvSpPr>
           <p:nvPr>
-            <p:ph idx="1"/>
-          </p:nvPr>
-        </p:nvSpPr>
-        <p:spPr/>
-        <p:txBody>
-          <a:bodyPr>
-            <a:normAutofit fontScale="92500" lnSpcReduction="20000"/>
-          </a:bodyPr>
-          <a:lstStyle/>
-          <a:p>
-            <a:r>
-              <a:rPr lang="en-US" dirty="0"/>
-              <a:t>Core vs. </a:t>
-            </a:r>
-            <a:r>
-              <a:rPr lang="en-US" dirty="0" smtClean="0"/>
-              <a:t>ecosystem</a:t>
-            </a:r>
-            <a:endParaRPr lang="en-US" dirty="0"/>
-          </a:p>
-          <a:p>
-            <a:pPr lvl="1"/>
-            <a:r>
-              <a:rPr lang="en-US" dirty="0"/>
-              <a:t>Standard metrics can be used to ensure the core works properly, but tests for the ecosystem are a little more specialized</a:t>
-            </a:r>
-          </a:p>
-          <a:p>
-            <a:pPr lvl="1"/>
-            <a:r>
-              <a:rPr lang="en-US" dirty="0"/>
-              <a:t>Core functionality is tested much the same as any other code, but often with more emphasis on code review and other methods to ensure the program not only works properly, but is written in a security conscious manner</a:t>
-            </a:r>
-          </a:p>
-          <a:p>
-            <a:pPr lvl="1"/>
-            <a:r>
-              <a:rPr lang="en-US" dirty="0"/>
-              <a:t>Ecosystem tests determine what the software does on a compromised system, or when a user of the software has malicious intent</a:t>
+            <p:ph sz="quarter" idx="13"/>
+          </p:nvPr>
+        </p:nvSpPr>
+        <p:spPr/>
+        <p:txBody>
+          <a:bodyPr/>
+          <a:lstStyle/>
+          <a:p>
+            <a:r>
+              <a:rPr lang="en-US" sz="2800" dirty="0" smtClean="0"/>
+              <a:t>Data </a:t>
+            </a:r>
+            <a:r>
+              <a:rPr lang="en-US" sz="2800" dirty="0"/>
+              <a:t>must be secure, but also accessible</a:t>
+            </a:r>
+          </a:p>
+          <a:p>
+            <a:r>
+              <a:rPr lang="en-US" sz="2800" dirty="0"/>
+              <a:t>System must be able to handle stress</a:t>
+            </a:r>
+          </a:p>
+          <a:p>
+            <a:r>
+              <a:rPr lang="en-US" sz="2800" dirty="0"/>
+              <a:t>System must be able to recover from a crash without data corruption</a:t>
             </a:r>
           </a:p>
           <a:p>
@@ -3768,20 +7394,13 @@
     </p:spTree>
     <p:extLst>
       <p:ext uri="{BB962C8B-B14F-4D97-AF65-F5344CB8AC3E}">
-        <p14:creationId xmlns:p14="http://schemas.microsoft.com/office/powerpoint/2010/main" val="2001207981"/>
+        <p14:creationId xmlns:p14="http://schemas.microsoft.com/office/powerpoint/2010/main" val="1329366108"/>
       </p:ext>
     </p:extLst>
   </p:cSld>
   <p:clrMapOvr>
     <a:masterClrMapping/>
   </p:clrMapOvr>
-  <p:timing>
-    <p:tnLst>
-      <p:par>
-        <p:cTn id="1" dur="indefinite" restart="never" nodeType="tmRoot"/>
-      </p:par>
-    </p:tnLst>
-  </p:timing>
 </p:sld>
 </file>
 
@@ -3817,11 +7436,11 @@
           <a:bodyPr/>
           <a:lstStyle/>
           <a:p>
-            <a:r>
-              <a:rPr lang="en-US" dirty="0" smtClean="0"/>
-              <a:t>Metrics</a:t>
-            </a:r>
-            <a:endParaRPr lang="en-US" dirty="0"/>
+            <a:pPr algn="ctr"/>
+            <a:r>
+              <a:rPr lang="en-US" sz="3600" dirty="0"/>
+              <a:t>Secure coding</a:t>
+            </a:r>
           </a:p>
         </p:txBody>
       </p:sp>
@@ -3832,38 +7451,27 @@
             <a:spLocks noGrp="1"/>
           </p:cNvSpPr>
           <p:nvPr>
-            <p:ph idx="1"/>
-          </p:nvPr>
-        </p:nvSpPr>
-        <p:spPr/>
-        <p:txBody>
-          <a:bodyPr>
-            <a:normAutofit fontScale="92500"/>
-          </a:bodyPr>
-          <a:lstStyle/>
-          <a:p>
-            <a:r>
-              <a:rPr lang="en-US" dirty="0"/>
-              <a:t>Current ratio of detections to actual infections as compared to the baseline figure</a:t>
-            </a:r>
-          </a:p>
-          <a:p>
-            <a:pPr lvl="1"/>
-            <a:r>
-              <a:rPr lang="en-US" dirty="0"/>
-              <a:t>Or blockings of something malicious (depending on exactly what the software is)</a:t>
-            </a:r>
-          </a:p>
-          <a:p>
-            <a:r>
-              <a:rPr lang="en-US" dirty="0"/>
-              <a:t>“Fuzzing” - sending various types of pseudorandom data to available interfaces to discover unknown flaws present in the software</a:t>
-            </a:r>
-          </a:p>
-          <a:p>
-            <a:r>
-              <a:rPr lang="en-US" dirty="0"/>
-              <a:t>Error or vulnerability reporting in final product reported by users</a:t>
+            <p:ph sz="quarter" idx="13"/>
+          </p:nvPr>
+        </p:nvSpPr>
+        <p:spPr/>
+        <p:txBody>
+          <a:bodyPr/>
+          <a:lstStyle/>
+          <a:p>
+            <a:r>
+              <a:rPr lang="en-US" sz="2800" dirty="0" smtClean="0"/>
+              <a:t>Developers </a:t>
+            </a:r>
+            <a:r>
+              <a:rPr lang="en-US" sz="2800" dirty="0"/>
+              <a:t>need to be aware of vulnerabilities in their software</a:t>
+            </a:r>
+          </a:p>
+          <a:p>
+            <a:r>
+              <a:rPr lang="en-US" sz="2800" dirty="0"/>
+              <a:t>Must protect against things like buffer overflows and code injection</a:t>
             </a:r>
           </a:p>
           <a:p>
@@ -3874,20 +7482,13 @@
     </p:spTree>
     <p:extLst>
       <p:ext uri="{BB962C8B-B14F-4D97-AF65-F5344CB8AC3E}">
-        <p14:creationId xmlns:p14="http://schemas.microsoft.com/office/powerpoint/2010/main" val="3866921779"/>
+        <p14:creationId xmlns:p14="http://schemas.microsoft.com/office/powerpoint/2010/main" val="2162804247"/>
       </p:ext>
     </p:extLst>
   </p:cSld>
   <p:clrMapOvr>
     <a:masterClrMapping/>
   </p:clrMapOvr>
-  <p:timing>
-    <p:tnLst>
-      <p:par>
-        <p:cTn id="1" dur="indefinite" restart="never" nodeType="tmRoot"/>
-      </p:par>
-    </p:tnLst>
-  </p:timing>
 </p:sld>
 </file>
 
@@ -3923,11 +7524,14 @@
           <a:bodyPr/>
           <a:lstStyle/>
           <a:p>
-            <a:r>
-              <a:rPr lang="en-US" dirty="0" smtClean="0"/>
-              <a:t>Suggestions – Ensuring Quality</a:t>
-            </a:r>
-            <a:endParaRPr lang="en-US" dirty="0"/>
+            <a:pPr algn="ctr"/>
+            <a:r>
+              <a:rPr lang="en-US" sz="3600" dirty="0" smtClean="0"/>
+              <a:t>How Do You Ensure Quality</a:t>
+            </a:r>
+            <a:endParaRPr lang="en-US" sz="3600" b="1" dirty="0">
+              <a:latin typeface="04b03" pitchFamily="2" charset="0"/>
+            </a:endParaRPr>
           </a:p>
         </p:txBody>
       </p:sp>
@@ -3938,88 +7542,45 @@
             <a:spLocks noGrp="1"/>
           </p:cNvSpPr>
           <p:nvPr>
-            <p:ph idx="1"/>
+            <p:ph sz="quarter" idx="13"/>
           </p:nvPr>
         </p:nvSpPr>
         <p:spPr/>
         <p:txBody>
           <a:bodyPr>
-            <a:normAutofit fontScale="70000" lnSpcReduction="20000"/>
+            <a:normAutofit/>
           </a:bodyPr>
           <a:lstStyle/>
           <a:p>
             <a:r>
-              <a:rPr lang="en-US" dirty="0"/>
-              <a:t>Ratio of time spent reviewing old code to developing new</a:t>
+              <a:rPr lang="en-US" sz="2800" dirty="0"/>
+              <a:t>Breaking the system up into smaller components</a:t>
             </a:r>
           </a:p>
           <a:p>
             <a:pPr lvl="1"/>
             <a:r>
-              <a:rPr lang="en-US" dirty="0"/>
-              <a:t>This should increase over time as the codebase becomes more </a:t>
-            </a:r>
-            <a:r>
-              <a:rPr lang="en-US" dirty="0" smtClean="0"/>
-              <a:t>complete</a:t>
-            </a:r>
-          </a:p>
-          <a:p>
-            <a:r>
-              <a:rPr lang="en-US" dirty="0" smtClean="0"/>
-              <a:t>Number of comment lines per method</a:t>
+              <a:rPr lang="en-US" sz="2800" dirty="0" smtClean="0"/>
+              <a:t>Complexity </a:t>
+            </a:r>
+            <a:r>
+              <a:rPr lang="en-US" sz="2800" dirty="0"/>
+              <a:t>of individual components is reduced</a:t>
             </a:r>
           </a:p>
           <a:p>
             <a:pPr lvl="1"/>
             <a:r>
-              <a:rPr lang="en-US" dirty="0" smtClean="0"/>
-              <a:t>This should be higher for security sensitive sections which are reviewed often</a:t>
-            </a:r>
-          </a:p>
-          <a:p>
-            <a:r>
-              <a:rPr lang="en-US" dirty="0" smtClean="0"/>
-              <a:t>Average Method Size</a:t>
-            </a:r>
-          </a:p>
-          <a:p>
-            <a:pPr lvl="1"/>
-            <a:r>
-              <a:rPr lang="en-US" dirty="0" smtClean="0"/>
-              <a:t>This should be relatively low to make understanding each method very easy</a:t>
-            </a:r>
-          </a:p>
-          <a:p>
-            <a:pPr lvl="1"/>
-            <a:r>
-              <a:rPr lang="en-US" dirty="0" smtClean="0"/>
-              <a:t>Makes ensuring correctness easier</a:t>
-            </a:r>
-            <a:endParaRPr lang="en-US" dirty="0"/>
-          </a:p>
-          <a:p>
-            <a:r>
-              <a:rPr lang="en-US" dirty="0" smtClean="0"/>
-              <a:t>Penetration </a:t>
-            </a:r>
-            <a:r>
-              <a:rPr lang="en-US" dirty="0"/>
-              <a:t>Testing</a:t>
-            </a:r>
-          </a:p>
-          <a:p>
-            <a:pPr lvl="1"/>
-            <a:r>
-              <a:rPr lang="en-US" dirty="0"/>
-              <a:t>People who attempt to purposefully break the system in any way </a:t>
-            </a:r>
-          </a:p>
-          <a:p>
-            <a:pPr lvl="1"/>
-            <a:r>
-              <a:rPr lang="en-US" dirty="0"/>
-              <a:t>These attempts should be converted into test cases if possible to keep track of the progress on preventing them, and ensuring the continue to fall to break the system</a:t>
+              <a:rPr lang="en-US" sz="2800" dirty="0" smtClean="0"/>
+              <a:t>Techniques </a:t>
+            </a:r>
+            <a:r>
+              <a:rPr lang="en-US" sz="2800" dirty="0"/>
+              <a:t>such as automated theorem can be used to prove the correctness of crucial software </a:t>
+            </a:r>
+            <a:r>
+              <a:rPr lang="en-US" sz="2800" dirty="0" smtClean="0"/>
+              <a:t>subsystems</a:t>
             </a:r>
           </a:p>
           <a:p>
@@ -4030,7 +7591,7 @@
     </p:spTree>
     <p:extLst>
       <p:ext uri="{BB962C8B-B14F-4D97-AF65-F5344CB8AC3E}">
-        <p14:creationId xmlns:p14="http://schemas.microsoft.com/office/powerpoint/2010/main" val="1426992735"/>
+        <p14:creationId xmlns:p14="http://schemas.microsoft.com/office/powerpoint/2010/main" val="992293532"/>
       </p:ext>
     </p:extLst>
   </p:cSld>
@@ -4079,11 +7640,12 @@
           <a:bodyPr/>
           <a:lstStyle/>
           <a:p>
-            <a:r>
-              <a:rPr lang="en-US" dirty="0" smtClean="0"/>
-              <a:t>Suggestions - Metrics</a:t>
-            </a:r>
-            <a:endParaRPr lang="en-US" dirty="0"/>
+            <a:pPr algn="ctr"/>
+            <a:r>
+              <a:rPr lang="en-US" sz="3600" dirty="0" smtClean="0"/>
+              <a:t>HOW DO YOU ENSURE Quality?</a:t>
+            </a:r>
+            <a:endParaRPr lang="en-US" sz="3600" dirty="0"/>
           </a:p>
         </p:txBody>
       </p:sp>
@@ -4094,67 +7656,24 @@
             <a:spLocks noGrp="1"/>
           </p:cNvSpPr>
           <p:nvPr>
-            <p:ph idx="1"/>
-          </p:nvPr>
-        </p:nvSpPr>
-        <p:spPr/>
-        <p:txBody>
-          <a:bodyPr>
-            <a:normAutofit/>
-          </a:bodyPr>
-          <a:lstStyle/>
-          <a:p>
-            <a:r>
-              <a:rPr lang="en-US" dirty="0"/>
-              <a:t>Process metrics</a:t>
+            <p:ph sz="quarter" idx="13"/>
+          </p:nvPr>
+        </p:nvSpPr>
+        <p:spPr/>
+        <p:txBody>
+          <a:bodyPr/>
+          <a:lstStyle/>
+          <a:p>
+            <a:r>
+              <a:rPr lang="en-US" sz="2800" dirty="0"/>
+              <a:t>“Defense in depth” - multiple subsystems must be violated to compromise the entire system</a:t>
             </a:r>
           </a:p>
           <a:p>
             <a:pPr lvl="1"/>
             <a:r>
-              <a:rPr lang="en-US" dirty="0"/>
-              <a:t>Use of secure coding standards</a:t>
-            </a:r>
-          </a:p>
-          <a:p>
-            <a:pPr lvl="1"/>
-            <a:r>
-              <a:rPr lang="en-US" dirty="0"/>
-              <a:t>Time to correct vulnerabilities</a:t>
-            </a:r>
-          </a:p>
-          <a:p>
-            <a:pPr lvl="1"/>
-            <a:r>
-              <a:rPr lang="en-US" dirty="0"/>
-              <a:t>Trustworthiness of development team</a:t>
-            </a:r>
-          </a:p>
-          <a:p>
-            <a:r>
-              <a:rPr lang="en-US" dirty="0"/>
-              <a:t>Vulnerability metrics</a:t>
-            </a:r>
-          </a:p>
-          <a:p>
-            <a:pPr lvl="1"/>
-            <a:r>
-              <a:rPr lang="en-US" dirty="0"/>
-              <a:t>Vulnerability types</a:t>
-            </a:r>
-          </a:p>
-          <a:p>
-            <a:pPr lvl="1"/>
-            <a:r>
-              <a:rPr lang="en-US" dirty="0"/>
-              <a:t>% of code re-use from other projects or products</a:t>
-            </a:r>
-          </a:p>
-          <a:p>
-            <a:pPr lvl="1"/>
-            <a:r>
-              <a:rPr lang="en-US" dirty="0"/>
-              <a:t>% of code that is third party</a:t>
+              <a:rPr lang="en-US" sz="2800" dirty="0"/>
+              <a:t>When formal proofs are not possible, rigorous code review and unit testing are used</a:t>
             </a:r>
           </a:p>
           <a:p>
@@ -4165,20 +7684,13 @@
     </p:spTree>
     <p:extLst>
       <p:ext uri="{BB962C8B-B14F-4D97-AF65-F5344CB8AC3E}">
-        <p14:creationId xmlns:p14="http://schemas.microsoft.com/office/powerpoint/2010/main" val="47258626"/>
+        <p14:creationId xmlns:p14="http://schemas.microsoft.com/office/powerpoint/2010/main" val="3580898124"/>
       </p:ext>
     </p:extLst>
   </p:cSld>
   <p:clrMapOvr>
     <a:masterClrMapping/>
   </p:clrMapOvr>
-  <p:timing>
-    <p:tnLst>
-      <p:par>
-        <p:cTn id="1" dur="indefinite" restart="never" nodeType="tmRoot"/>
-      </p:par>
-    </p:tnLst>
-  </p:timing>
 </p:sld>
 </file>
 
@@ -4199,89 +7711,370 @@
           <a:chExt cx="0" cy="0"/>
         </a:xfrm>
       </p:grpSpPr>
-      <p:sp>
-        <p:nvSpPr>
-          <p:cNvPr id="2" name="Title 1"/>
-          <p:cNvSpPr>
-            <a:spLocks noGrp="1"/>
-          </p:cNvSpPr>
-          <p:nvPr>
-            <p:ph type="title"/>
-          </p:nvPr>
-        </p:nvSpPr>
-        <p:spPr/>
-        <p:txBody>
-          <a:bodyPr/>
+      <p:pic>
+        <p:nvPicPr>
+          <p:cNvPr id="4" name="Picture 3"/>
+          <p:cNvPicPr>
+            <a:picLocks noChangeAspect="1"/>
+          </p:cNvPicPr>
+          <p:nvPr/>
+        </p:nvPicPr>
+        <p:blipFill>
+          <a:blip r:embed="rId3">
+            <a:extLst>
+              <a:ext uri="{28A0092B-C50C-407E-A947-70E740481C1C}">
+                <a14:useLocalDpi xmlns:a14="http://schemas.microsoft.com/office/drawing/2010/main" val="0"/>
+              </a:ext>
+            </a:extLst>
+          </a:blip>
+          <a:stretch>
+            <a:fillRect/>
+          </a:stretch>
+        </p:blipFill>
+        <p:spPr>
+          <a:xfrm>
+            <a:off x="2286000" y="457200"/>
+            <a:ext cx="4495800" cy="5120640"/>
+          </a:xfrm>
+          <a:prstGeom prst="rect">
+            <a:avLst/>
+          </a:prstGeom>
+        </p:spPr>
+      </p:pic>
+      <p:sp>
+        <p:nvSpPr>
+          <p:cNvPr id="5" name="TextBox 4"/>
+          <p:cNvSpPr txBox="1"/>
+          <p:nvPr/>
+        </p:nvSpPr>
+        <p:spPr>
+          <a:xfrm>
+            <a:off x="8458200" y="6477000"/>
+            <a:ext cx="533400" cy="369332"/>
+          </a:xfrm>
+          <a:prstGeom prst="rect">
+            <a:avLst/>
+          </a:prstGeom>
+          <a:noFill/>
+        </p:spPr>
+        <p:txBody>
+          <a:bodyPr wrap="square" rtlCol="0">
+            <a:spAutoFit/>
+          </a:bodyPr>
           <a:lstStyle/>
           <a:p>
             <a:r>
               <a:rPr lang="en-US" dirty="0" smtClean="0"/>
-              <a:t>Real World Example</a:t>
-            </a:r>
-            <a:endParaRPr lang="en-US" dirty="0"/>
-          </a:p>
-        </p:txBody>
-      </p:sp>
-      <p:sp>
-        <p:nvSpPr>
-          <p:cNvPr id="3" name="Content Placeholder 2"/>
-          <p:cNvSpPr>
-            <a:spLocks noGrp="1"/>
-          </p:cNvSpPr>
-          <p:nvPr>
-            <p:ph idx="1"/>
-          </p:nvPr>
-        </p:nvSpPr>
-        <p:spPr/>
-        <p:txBody>
-          <a:bodyPr/>
-          <a:lstStyle/>
-          <a:p>
-            <a:r>
-              <a:rPr lang="en-US" dirty="0"/>
-              <a:t>Windows NTLMv1</a:t>
-            </a:r>
-          </a:p>
-          <a:p>
-            <a:pPr lvl="1"/>
-            <a:r>
-              <a:rPr lang="en-US" dirty="0"/>
-              <a:t>Credentials compatible with many different applications</a:t>
-            </a:r>
-          </a:p>
-          <a:p>
-            <a:pPr lvl="1"/>
-            <a:r>
-              <a:rPr lang="en-US" dirty="0"/>
-              <a:t>These credentials could be intercepted and used to access other applications</a:t>
-            </a:r>
-          </a:p>
-          <a:p>
-            <a:endParaRPr lang="en-US" dirty="0"/>
+              <a:t>Q4</a:t>
+            </a:r>
           </a:p>
         </p:txBody>
       </p:sp>
     </p:spTree>
     <p:extLst>
       <p:ext uri="{BB962C8B-B14F-4D97-AF65-F5344CB8AC3E}">
-        <p14:creationId xmlns:p14="http://schemas.microsoft.com/office/powerpoint/2010/main" val="3417246021"/>
+        <p14:creationId xmlns:p14="http://schemas.microsoft.com/office/powerpoint/2010/main" val="2849350840"/>
       </p:ext>
     </p:extLst>
   </p:cSld>
   <p:clrMapOvr>
     <a:masterClrMapping/>
   </p:clrMapOvr>
-  <p:timing>
-    <p:tnLst>
-      <p:par>
-        <p:cTn id="1" dur="indefinite" restart="never" nodeType="tmRoot"/>
-      </p:par>
-    </p:tnLst>
-  </p:timing>
 </p:sld>
 </file>
 
 <file path=ppt/theme/theme1.xml><?xml version="1.0" encoding="utf-8"?>
+<a:theme xmlns:a="http://schemas.openxmlformats.org/drawingml/2006/main" name="Horizon">
+  <a:themeElements>
+    <a:clrScheme name="Horizon">
+      <a:dk1>
+        <a:srgbClr val="000000"/>
+      </a:dk1>
+      <a:lt1>
+        <a:srgbClr val="FFFFFF"/>
+      </a:lt1>
+      <a:dk2>
+        <a:srgbClr val="1F2123"/>
+      </a:dk2>
+      <a:lt2>
+        <a:srgbClr val="DC9E1F"/>
+      </a:lt2>
+      <a:accent1>
+        <a:srgbClr val="7E97AD"/>
+      </a:accent1>
+      <a:accent2>
+        <a:srgbClr val="CC8E60"/>
+      </a:accent2>
+      <a:accent3>
+        <a:srgbClr val="7A6A60"/>
+      </a:accent3>
+      <a:accent4>
+        <a:srgbClr val="B4936D"/>
+      </a:accent4>
+      <a:accent5>
+        <a:srgbClr val="67787B"/>
+      </a:accent5>
+      <a:accent6>
+        <a:srgbClr val="9D936F"/>
+      </a:accent6>
+      <a:hlink>
+        <a:srgbClr val="646464"/>
+      </a:hlink>
+      <a:folHlink>
+        <a:srgbClr val="969696"/>
+      </a:folHlink>
+    </a:clrScheme>
+    <a:fontScheme name="Horizon">
+      <a:majorFont>
+        <a:latin typeface="Arial Narrow"/>
+        <a:ea typeface=""/>
+        <a:cs typeface=""/>
+        <a:font script="Jpan" typeface="HGｺﾞｼｯｸM"/>
+        <a:font script="Hang" typeface="HY얕은샘물M"/>
+        <a:font script="Hans" typeface="方正姚体"/>
+        <a:font script="Hant" typeface="微軟正黑體"/>
+        <a:font script="Arab" typeface="Arial"/>
+        <a:font script="Hebr" typeface="Levenim MT"/>
+        <a:font script="Thai" typeface="FreesiaUPC"/>
+        <a:font script="Ethi" typeface="Nyala"/>
+        <a:font script="Beng" typeface="Vrinda"/>
+        <a:font script="Gujr" typeface="Shruti"/>
+        <a:font script="Khmr" typeface="DaunPenh"/>
+        <a:font script="Knda" typeface="Tunga"/>
+        <a:font script="Guru" typeface="Raavi"/>
+        <a:font script="Cans" typeface="Euphemia"/>
+        <a:font script="Cher" typeface="Plantagenet Cherokee"/>
+        <a:font script="Yiii" typeface="Microsoft Yi Baiti"/>
+        <a:font script="Tibt" typeface="Microsoft Himalaya"/>
+        <a:font script="Thaa" typeface="MV Boli"/>
+        <a:font script="Deva" typeface="Mangal"/>
+        <a:font script="Telu" typeface="Gautami"/>
+        <a:font script="Taml" typeface="Latha"/>
+        <a:font script="Syrc" typeface="Estrangelo Edessa"/>
+        <a:font script="Orya" typeface="Kalinga"/>
+        <a:font script="Mlym" typeface="Kartika"/>
+        <a:font script="Laoo" typeface="DokChampa"/>
+        <a:font script="Sinh" typeface="Iskoola Pota"/>
+        <a:font script="Mong" typeface="Mongolian Baiti"/>
+        <a:font script="Viet" typeface="Tahoma"/>
+        <a:font script="Uigh" typeface="Microsoft Uighur"/>
+        <a:font script="Geor" typeface="Sylfaen"/>
+      </a:majorFont>
+      <a:minorFont>
+        <a:latin typeface="Arial Narrow"/>
+        <a:ea typeface=""/>
+        <a:cs typeface=""/>
+        <a:font script="Jpan" typeface="HGｺﾞｼｯｸM"/>
+        <a:font script="Hang" typeface="HY얕은샘물M"/>
+        <a:font script="Hans" typeface="方正姚体"/>
+        <a:font script="Hant" typeface="微軟正黑體"/>
+        <a:font script="Arab" typeface="Arial"/>
+        <a:font script="Hebr" typeface="Levenim MT"/>
+        <a:font script="Thai" typeface="FreesiaUPC"/>
+        <a:font script="Ethi" typeface="Nyala"/>
+        <a:font script="Beng" typeface="Vrinda"/>
+        <a:font script="Gujr" typeface="Shruti"/>
+        <a:font script="Khmr" typeface="DaunPenh"/>
+        <a:font script="Knda" typeface="Tunga"/>
+        <a:font script="Guru" typeface="Raavi"/>
+        <a:font script="Cans" typeface="Euphemia"/>
+        <a:font script="Cher" typeface="Plantagenet Cherokee"/>
+        <a:font script="Yiii" typeface="Microsoft Yi Baiti"/>
+        <a:font script="Tibt" typeface="Microsoft Himalaya"/>
+        <a:font script="Thaa" typeface="MV Boli"/>
+        <a:font script="Deva" typeface="Mangal"/>
+        <a:font script="Telu" typeface="Gautami"/>
+        <a:font script="Taml" typeface="Latha"/>
+        <a:font script="Syrc" typeface="Estrangelo Edessa"/>
+        <a:font script="Orya" typeface="Kalinga"/>
+        <a:font script="Mlym" typeface="Kartika"/>
+        <a:font script="Laoo" typeface="DokChampa"/>
+        <a:font script="Sinh" typeface="Iskoola Pota"/>
+        <a:font script="Mong" typeface="Mongolian Baiti"/>
+        <a:font script="Viet" typeface="Tahoma"/>
+        <a:font script="Uigh" typeface="Microsoft Uighur"/>
+        <a:font script="Geor" typeface="Sylfaen"/>
+      </a:minorFont>
+    </a:fontScheme>
+    <a:fmtScheme name="Horizon">
+      <a:fillStyleLst>
+        <a:solidFill>
+          <a:schemeClr val="phClr"/>
+        </a:solidFill>
+        <a:gradFill rotWithShape="1">
+          <a:gsLst>
+            <a:gs pos="0">
+              <a:schemeClr val="phClr">
+                <a:tint val="83000"/>
+                <a:shade val="100000"/>
+                <a:satMod val="100000"/>
+              </a:schemeClr>
+            </a:gs>
+            <a:gs pos="100000">
+              <a:schemeClr val="phClr">
+                <a:tint val="61000"/>
+                <a:alpha val="100000"/>
+                <a:satMod val="200000"/>
+              </a:schemeClr>
+            </a:gs>
+          </a:gsLst>
+          <a:path path="circle">
+            <a:fillToRect l="100000" t="100000" r="100000" b="100000"/>
+          </a:path>
+        </a:gradFill>
+        <a:gradFill rotWithShape="1">
+          <a:gsLst>
+            <a:gs pos="0">
+              <a:schemeClr val="phClr">
+                <a:shade val="85000"/>
+              </a:schemeClr>
+            </a:gs>
+            <a:gs pos="100000">
+              <a:schemeClr val="phClr">
+                <a:tint val="90000"/>
+                <a:alpha val="100000"/>
+                <a:satMod val="200000"/>
+              </a:schemeClr>
+            </a:gs>
+          </a:gsLst>
+          <a:path path="circle">
+            <a:fillToRect l="100000" t="100000" r="100000" b="100000"/>
+          </a:path>
+        </a:gradFill>
+      </a:fillStyleLst>
+      <a:lnStyleLst>
+        <a:ln w="9525" cap="flat" cmpd="sng" algn="ctr">
+          <a:solidFill>
+            <a:schemeClr val="phClr"/>
+          </a:solidFill>
+          <a:prstDash val="solid"/>
+        </a:ln>
+        <a:ln w="10795" cap="flat" cmpd="sng" algn="ctr">
+          <a:solidFill>
+            <a:schemeClr val="phClr"/>
+          </a:solidFill>
+          <a:prstDash val="solid"/>
+        </a:ln>
+        <a:ln w="15240" cap="flat" cmpd="sng" algn="ctr">
+          <a:solidFill>
+            <a:schemeClr val="phClr">
+              <a:tint val="25000"/>
+              <a:alpha val="25000"/>
+            </a:schemeClr>
+          </a:solidFill>
+          <a:prstDash val="solid"/>
+        </a:ln>
+      </a:lnStyleLst>
+      <a:effectStyleLst>
+        <a:effectStyle>
+          <a:effectLst>
+            <a:outerShdw blurRad="38100" dist="25400" dir="5400000" rotWithShape="0">
+              <a:srgbClr val="000000">
+                <a:alpha val="40000"/>
+              </a:srgbClr>
+            </a:outerShdw>
+          </a:effectLst>
+        </a:effectStyle>
+        <a:effectStyle>
+          <a:effectLst>
+            <a:outerShdw blurRad="50800" dist="42924" dir="5400000" rotWithShape="0">
+              <a:srgbClr val="000000">
+                <a:alpha val="40000"/>
+              </a:srgbClr>
+            </a:outerShdw>
+          </a:effectLst>
+        </a:effectStyle>
+        <a:effectStyle>
+          <a:effectLst>
+            <a:outerShdw blurRad="50800" dist="25400" dir="5400000" rotWithShape="0">
+              <a:srgbClr val="000000">
+                <a:alpha val="40000"/>
+              </a:srgbClr>
+            </a:outerShdw>
+          </a:effectLst>
+          <a:scene3d>
+            <a:camera prst="orthographicFront">
+              <a:rot lat="0" lon="0" rev="0"/>
+            </a:camera>
+            <a:lightRig rig="flat" dir="t">
+              <a:rot lat="0" lon="0" rev="3600000"/>
+            </a:lightRig>
+          </a:scene3d>
+          <a:sp3d prstMaterial="flat">
+            <a:bevelT w="34925" h="47625" prst="coolSlant"/>
+          </a:sp3d>
+        </a:effectStyle>
+      </a:effectStyleLst>
+      <a:bgFillStyleLst>
+        <a:solidFill>
+          <a:schemeClr val="phClr"/>
+        </a:solidFill>
+        <a:gradFill rotWithShape="1">
+          <a:gsLst>
+            <a:gs pos="0">
+              <a:schemeClr val="phClr">
+                <a:tint val="96000"/>
+                <a:shade val="100000"/>
+                <a:alpha val="100000"/>
+                <a:satMod val="140000"/>
+              </a:schemeClr>
+            </a:gs>
+            <a:gs pos="31000">
+              <a:schemeClr val="phClr">
+                <a:tint val="100000"/>
+                <a:shade val="90000"/>
+                <a:alpha val="100000"/>
+              </a:schemeClr>
+            </a:gs>
+            <a:gs pos="100000">
+              <a:schemeClr val="phClr">
+                <a:tint val="100000"/>
+                <a:shade val="80000"/>
+                <a:alpha val="100000"/>
+              </a:schemeClr>
+            </a:gs>
+          </a:gsLst>
+          <a:lin ang="5400000" scaled="0"/>
+        </a:gradFill>
+        <a:gradFill rotWithShape="1">
+          <a:gsLst>
+            <a:gs pos="0">
+              <a:schemeClr val="phClr">
+                <a:tint val="96000"/>
+                <a:shade val="100000"/>
+                <a:alpha val="100000"/>
+                <a:satMod val="180000"/>
+              </a:schemeClr>
+            </a:gs>
+            <a:gs pos="41000">
+              <a:schemeClr val="phClr">
+                <a:tint val="100000"/>
+                <a:shade val="100000"/>
+                <a:alpha val="100000"/>
+                <a:satMod val="150000"/>
+              </a:schemeClr>
+            </a:gs>
+            <a:gs pos="100000">
+              <a:schemeClr val="phClr">
+                <a:tint val="100000"/>
+                <a:shade val="65000"/>
+                <a:alpha val="100000"/>
+              </a:schemeClr>
+            </a:gs>
+          </a:gsLst>
+          <a:path path="circle">
+            <a:fillToRect l="50000" t="80000" r="100000" b="100000"/>
+          </a:path>
+        </a:gradFill>
+      </a:bgFillStyleLst>
+    </a:fmtScheme>
+  </a:themeElements>
+  <a:objectDefaults/>
+  <a:extraClrSchemeLst/>
+</a:theme>
+</file>
+
+<file path=ppt/theme/theme2.xml><?xml version="1.0" encoding="utf-8"?>
 <a:theme xmlns:a="http://schemas.openxmlformats.org/drawingml/2006/main" name="Office Theme">
   <a:themeElements>
     <a:clrScheme name="Office">
